--- a/files/thesis.pptx
+++ b/files/thesis.pptx
@@ -154,7 +154,7 @@
 </file>
 
 <file path=ppt/charts/chart1.xml><?xml version="1.0" encoding="utf-8"?>
-<c:chartSpace xmlns:c="http://schemas.openxmlformats.org/drawingml/2006/chart" xmlns:a="http://schemas.openxmlformats.org/drawingml/2006/main" xmlns:r="http://schemas.openxmlformats.org/officeDocument/2006/relationships">
+<c:chartSpace xmlns:c="http://schemas.openxmlformats.org/drawingml/2006/chart" xmlns:a="http://schemas.openxmlformats.org/drawingml/2006/main" xmlns:r="http://schemas.openxmlformats.org/officeDocument/2006/relationships" xmlns:c16r2="http://schemas.microsoft.com/office/drawing/2015/06/chart">
   <c:date1904 val="0"/>
   <c:lang val="en-US"/>
   <c:roundedCorners val="0"/>
@@ -221,52 +221,52 @@
                 <c:formatCode>General</c:formatCode>
                 <c:ptCount val="14"/>
                 <c:pt idx="0">
-                  <c:v>243.6809619099726</c:v>
+                  <c:v>243.68096190997261</c:v>
                 </c:pt>
                 <c:pt idx="1">
-                  <c:v>581.1419678806973</c:v>
+                  <c:v>581.14196788069728</c:v>
                 </c:pt>
                 <c:pt idx="2">
-                  <c:v>307.2741922243812</c:v>
+                  <c:v>307.27419222438118</c:v>
                 </c:pt>
                 <c:pt idx="3">
-                  <c:v>1.711938061403811</c:v>
+                  <c:v>1.7119380614038111</c:v>
                 </c:pt>
                 <c:pt idx="4">
-                  <c:v>189.2127453270541</c:v>
+                  <c:v>189.21274532705411</c:v>
                 </c:pt>
                 <c:pt idx="5">
-                  <c:v>4.324651911724946</c:v>
+                  <c:v>4.3246519117249456</c:v>
                 </c:pt>
                 <c:pt idx="6">
-                  <c:v>153.855723361292</c:v>
+                  <c:v>153.85572336129201</c:v>
                 </c:pt>
                 <c:pt idx="7">
-                  <c:v>10.26748850106813</c:v>
+                  <c:v>10.267488501068129</c:v>
                 </c:pt>
                 <c:pt idx="8">
-                  <c:v>162.1556011948852</c:v>
+                  <c:v>162.15560119488521</c:v>
                 </c:pt>
                 <c:pt idx="9">
-                  <c:v>24.76554232862888</c:v>
+                  <c:v>24.765542328628879</c:v>
                 </c:pt>
                 <c:pt idx="10">
-                  <c:v>222.6057814137303</c:v>
+                  <c:v>222.60578141373031</c:v>
                 </c:pt>
                 <c:pt idx="11">
-                  <c:v>65.9925242733785</c:v>
+                  <c:v>65.992524273378507</c:v>
                 </c:pt>
                 <c:pt idx="12">
-                  <c:v>424.3605537700759</c:v>
+                  <c:v>424.36055377007591</c:v>
                 </c:pt>
                 <c:pt idx="13">
-                  <c:v>659.5729046807908</c:v>
+                  <c:v>659.57290468079077</c:v>
                 </c:pt>
               </c:numCache>
             </c:numRef>
           </c:yVal>
           <c:smooth val="1"/>
-          <c:extLst xmlns:c16r2="http://schemas.microsoft.com/office/drawing/2015/06/chart">
+          <c:extLst>
             <c:ext xmlns:c16="http://schemas.microsoft.com/office/drawing/2014/chart" uri="{C3380CC4-5D6E-409C-BE32-E72D297353CC}">
               <c16:uniqueId val="{00000001-4A1C-4C32-A6D7-DC94EF32AAA5}"/>
             </c:ext>
@@ -344,7 +344,6 @@
               </a:p>
             </c:rich>
           </c:tx>
-          <c:layout/>
           <c:overlay val="0"/>
           <c:spPr>
             <a:noFill/>
@@ -476,7 +475,6 @@
               </a:p>
             </c:rich>
           </c:tx>
-          <c:layout/>
           <c:overlay val="0"/>
           <c:spPr>
             <a:noFill/>
@@ -551,7 +549,6 @@
     </c:plotArea>
     <c:legend>
       <c:legendPos val="b"/>
-      <c:layout/>
       <c:overlay val="0"/>
       <c:spPr>
         <a:noFill/>
@@ -1933,10 +1930,9 @@
         <a:lstStyle/>
         <a:p>
           <a:r>
-            <a:rPr lang="en-US" dirty="0" smtClean="0"/>
+            <a:rPr lang="en-US" dirty="0"/>
             <a:t>Growth</a:t>
           </a:r>
-          <a:endParaRPr lang="en-US" dirty="0"/>
         </a:p>
       </dgm:t>
     </dgm:pt>
@@ -1971,24 +1967,23 @@
         <a:p>
           <a:pPr algn="l"/>
           <a:r>
-            <a:rPr lang="en-US" dirty="0" smtClean="0"/>
+            <a:rPr lang="en-US" dirty="0"/>
             <a:t>1. Endogenous innovation in the theory of growth (Grossman, 93)</a:t>
           </a:r>
         </a:p>
         <a:p>
           <a:pPr algn="l"/>
           <a:r>
-            <a:rPr lang="en-US" dirty="0" smtClean="0"/>
+            <a:rPr lang="en-US" dirty="0"/>
             <a:t>2. Endogenous Technological Change (Romer, 90)</a:t>
           </a:r>
         </a:p>
         <a:p>
           <a:pPr algn="l"/>
           <a:r>
-            <a:rPr lang="en-US" dirty="0" smtClean="0"/>
+            <a:rPr lang="en-US" dirty="0"/>
             <a:t>3. Frankel Lucas’s Human Capital Model (1988)</a:t>
           </a:r>
-          <a:endParaRPr lang="en-US" dirty="0"/>
         </a:p>
       </dgm:t>
     </dgm:pt>
@@ -2022,10 +2017,9 @@
         <a:lstStyle/>
         <a:p>
           <a:r>
-            <a:rPr lang="en-US" dirty="0" smtClean="0"/>
+            <a:rPr lang="en-US" dirty="0"/>
             <a:t>Debt</a:t>
           </a:r>
-          <a:endParaRPr lang="en-US" dirty="0"/>
         </a:p>
       </dgm:t>
     </dgm:pt>
@@ -2059,10 +2053,9 @@
         <a:lstStyle/>
         <a:p>
           <a:r>
-            <a:rPr lang="en-US" dirty="0" smtClean="0"/>
+            <a:rPr lang="en-US" dirty="0"/>
             <a:t>Debt Dynamics and Default</a:t>
           </a:r>
-          <a:endParaRPr lang="en-US" dirty="0"/>
         </a:p>
       </dgm:t>
     </dgm:pt>
@@ -2111,10 +2104,9 @@
         <a:lstStyle/>
         <a:p>
           <a:r>
-            <a:rPr lang="en-US" dirty="0" smtClean="0"/>
+            <a:rPr lang="en-US" dirty="0"/>
             <a:t>Impact of Foreign Borrowing on Growth</a:t>
           </a:r>
-          <a:endParaRPr lang="en-US" dirty="0"/>
         </a:p>
       </dgm:t>
     </dgm:pt>
@@ -2149,21 +2141,21 @@
         <a:p>
           <a:pPr algn="l"/>
           <a:r>
-            <a:rPr lang="en-US" dirty="0" smtClean="0"/>
+            <a:rPr lang="en-US" dirty="0"/>
             <a:t>1. Debt path determined by the course   of overall fiscal balances (Escolano, 2010)</a:t>
           </a:r>
         </a:p>
         <a:p>
           <a:pPr algn="l"/>
           <a:r>
-            <a:rPr lang="en-US" dirty="0" smtClean="0"/>
+            <a:rPr lang="en-US" dirty="0"/>
             <a:t>2. General equilibrium model of sovereign default and business cycles (Mendoza 2011)</a:t>
           </a:r>
         </a:p>
         <a:p>
           <a:pPr algn="l"/>
           <a:r>
-            <a:rPr lang="en-US" dirty="0" smtClean="0"/>
+            <a:rPr lang="en-US" dirty="0"/>
             <a:t>3. Debt Overhang (Krugman, et al 2010)</a:t>
           </a:r>
         </a:p>
@@ -2200,40 +2192,39 @@
         <a:p>
           <a:pPr algn="l"/>
           <a:r>
-            <a:rPr lang="en-US" dirty="0" smtClean="0"/>
+            <a:rPr lang="en-US" dirty="0"/>
             <a:t>1. Growth, debt and economic transformation: The capital flight problem (</a:t>
           </a:r>
           <a:r>
-            <a:rPr lang="en-US" dirty="0" err="1" smtClean="0"/>
+            <a:rPr lang="en-US" dirty="0" err="1"/>
             <a:t>Calvo</a:t>
           </a:r>
           <a:r>
-            <a:rPr lang="en-US" dirty="0" smtClean="0"/>
+            <a:rPr lang="en-US" dirty="0"/>
             <a:t> 98)</a:t>
           </a:r>
         </a:p>
         <a:p>
           <a:pPr algn="l"/>
           <a:r>
-            <a:rPr lang="en-US" dirty="0" smtClean="0"/>
+            <a:rPr lang="en-US" dirty="0"/>
             <a:t>2. Sovereign Debt: A premier (Eaton 93)</a:t>
           </a:r>
         </a:p>
         <a:p>
           <a:pPr algn="l"/>
           <a:r>
-            <a:rPr lang="en-US" dirty="0" smtClean="0"/>
+            <a:rPr lang="en-US" dirty="0"/>
             <a:t>3. External Debt and Growth (</a:t>
           </a:r>
           <a:r>
-            <a:rPr lang="en-US" dirty="0" err="1" smtClean="0"/>
+            <a:rPr lang="en-US" dirty="0" err="1"/>
             <a:t>Patitillo</a:t>
           </a:r>
           <a:r>
-            <a:rPr lang="en-US" dirty="0" smtClean="0"/>
+            <a:rPr lang="en-US" dirty="0"/>
             <a:t>, et al 02)</a:t>
           </a:r>
-          <a:endParaRPr lang="en-US" dirty="0"/>
         </a:p>
       </dgm:t>
     </dgm:pt>
@@ -2270,13 +2261,6 @@
         </dgm:presLayoutVars>
       </dgm:prSet>
       <dgm:spPr/>
-      <dgm:t>
-        <a:bodyPr/>
-        <a:lstStyle/>
-        <a:p>
-          <a:endParaRPr lang="en-US"/>
-        </a:p>
-      </dgm:t>
     </dgm:pt>
     <dgm:pt modelId="{91265A55-DE5F-43C5-BE22-27B16456BFB3}" type="pres">
       <dgm:prSet presAssocID="{B1665076-A2F5-42AB-9B68-0DF1BA68DBD5}" presName="vertOne" presStyleCnt="0"/>
@@ -2289,13 +2273,6 @@
         </dgm:presLayoutVars>
       </dgm:prSet>
       <dgm:spPr/>
-      <dgm:t>
-        <a:bodyPr/>
-        <a:lstStyle/>
-        <a:p>
-          <a:endParaRPr lang="en-US"/>
-        </a:p>
-      </dgm:t>
     </dgm:pt>
     <dgm:pt modelId="{746B77E2-9733-4181-9A36-CA1C4A3C0712}" type="pres">
       <dgm:prSet presAssocID="{B1665076-A2F5-42AB-9B68-0DF1BA68DBD5}" presName="parTransOne" presStyleCnt="0"/>
@@ -2316,13 +2293,6 @@
         </dgm:presLayoutVars>
       </dgm:prSet>
       <dgm:spPr/>
-      <dgm:t>
-        <a:bodyPr/>
-        <a:lstStyle/>
-        <a:p>
-          <a:endParaRPr lang="en-US"/>
-        </a:p>
-      </dgm:t>
     </dgm:pt>
     <dgm:pt modelId="{6D41F618-E249-4325-BE3D-D2BE8564AA95}" type="pres">
       <dgm:prSet presAssocID="{9B0A88BE-E17D-48C8-90F3-F70E04F68ADC}" presName="horzTwo" presStyleCnt="0"/>
@@ -2343,13 +2313,6 @@
         </dgm:presLayoutVars>
       </dgm:prSet>
       <dgm:spPr/>
-      <dgm:t>
-        <a:bodyPr/>
-        <a:lstStyle/>
-        <a:p>
-          <a:endParaRPr lang="en-US"/>
-        </a:p>
-      </dgm:t>
     </dgm:pt>
     <dgm:pt modelId="{971585A4-9F1F-4E66-B4CD-8A5BA84E0410}" type="pres">
       <dgm:prSet presAssocID="{4EED3AF6-BD17-44E1-A910-F0805E770A9F}" presName="parTransOne" presStyleCnt="0"/>
@@ -2370,13 +2333,6 @@
         </dgm:presLayoutVars>
       </dgm:prSet>
       <dgm:spPr/>
-      <dgm:t>
-        <a:bodyPr/>
-        <a:lstStyle/>
-        <a:p>
-          <a:endParaRPr lang="en-US"/>
-        </a:p>
-      </dgm:t>
     </dgm:pt>
     <dgm:pt modelId="{41584245-A57D-4183-BF3D-C8DB69D6CB6D}" type="pres">
       <dgm:prSet presAssocID="{B1AB69C9-E4E1-43C5-AD29-A749879AA9B6}" presName="parTransTwo" presStyleCnt="0"/>
@@ -2397,13 +2353,6 @@
         </dgm:presLayoutVars>
       </dgm:prSet>
       <dgm:spPr/>
-      <dgm:t>
-        <a:bodyPr/>
-        <a:lstStyle/>
-        <a:p>
-          <a:endParaRPr lang="en-US"/>
-        </a:p>
-      </dgm:t>
     </dgm:pt>
     <dgm:pt modelId="{D2C21026-B99E-4B7A-9A52-FD38BE594DB6}" type="pres">
       <dgm:prSet presAssocID="{B8C98A5F-8EF8-4A93-82E4-6D55C4EAD0A8}" presName="horzThree" presStyleCnt="0"/>
@@ -2424,13 +2373,6 @@
         </dgm:presLayoutVars>
       </dgm:prSet>
       <dgm:spPr/>
-      <dgm:t>
-        <a:bodyPr/>
-        <a:lstStyle/>
-        <a:p>
-          <a:endParaRPr lang="en-US"/>
-        </a:p>
-      </dgm:t>
     </dgm:pt>
     <dgm:pt modelId="{686EF478-3CFF-469E-9945-0591E427FC14}" type="pres">
       <dgm:prSet presAssocID="{F0E8375C-2B95-42CE-94C4-2B58A2F6CE1E}" presName="parTransTwo" presStyleCnt="0"/>
@@ -2451,13 +2393,6 @@
         </dgm:presLayoutVars>
       </dgm:prSet>
       <dgm:spPr/>
-      <dgm:t>
-        <a:bodyPr/>
-        <a:lstStyle/>
-        <a:p>
-          <a:endParaRPr lang="en-US"/>
-        </a:p>
-      </dgm:t>
     </dgm:pt>
     <dgm:pt modelId="{EE33ACAF-874B-4BC5-9A74-D1BE306FA53B}" type="pres">
       <dgm:prSet presAssocID="{D6C2EA53-BA95-424B-BC39-0FCD38F9B4FF}" presName="horzThree" presStyleCnt="0"/>
@@ -2465,20 +2400,20 @@
     </dgm:pt>
   </dgm:ptLst>
   <dgm:cxnLst>
+    <dgm:cxn modelId="{2398DA08-4A9F-DD46-9A1E-F47BA32555BF}" type="presOf" srcId="{E0CECB1A-7B50-4191-826E-9B631A6986E2}" destId="{63BF7538-F701-4616-9C64-89E06BCFF54C}" srcOrd="0" destOrd="0" presId="urn:microsoft.com/office/officeart/2005/8/layout/hierarchy4"/>
     <dgm:cxn modelId="{6929160C-00F9-4283-A09B-082437165F6C}" srcId="{B1AB69C9-E4E1-43C5-AD29-A749879AA9B6}" destId="{B8C98A5F-8EF8-4A93-82E4-6D55C4EAD0A8}" srcOrd="0" destOrd="0" parTransId="{C38992AB-0089-484F-8670-EC65CAAB1C3A}" sibTransId="{9108E5C1-940A-4019-975D-05760968E086}"/>
-    <dgm:cxn modelId="{2398DA08-4A9F-DD46-9A1E-F47BA32555BF}" type="presOf" srcId="{E0CECB1A-7B50-4191-826E-9B631A6986E2}" destId="{63BF7538-F701-4616-9C64-89E06BCFF54C}" srcOrd="0" destOrd="0" presId="urn:microsoft.com/office/officeart/2005/8/layout/hierarchy4"/>
-    <dgm:cxn modelId="{AB455BFB-65A9-1046-99D6-E9DB93698326}" type="presOf" srcId="{F0E8375C-2B95-42CE-94C4-2B58A2F6CE1E}" destId="{EA3001A8-3507-4E80-A526-81B48834FABA}" srcOrd="0" destOrd="0" presId="urn:microsoft.com/office/officeart/2005/8/layout/hierarchy4"/>
+    <dgm:cxn modelId="{847DEE1A-C95B-48D1-977A-DE98CF31DDE2}" srcId="{E0CECB1A-7B50-4191-826E-9B631A6986E2}" destId="{4EED3AF6-BD17-44E1-A910-F0805E770A9F}" srcOrd="1" destOrd="0" parTransId="{3706D4E1-247B-4EFC-84DB-7376389B4B7A}" sibTransId="{31A06995-0611-4E93-914D-ABCCCD2253DE}"/>
+    <dgm:cxn modelId="{0BC68961-B6BE-1E4F-8F5D-7F88C1043C28}" type="presOf" srcId="{D6C2EA53-BA95-424B-BC39-0FCD38F9B4FF}" destId="{21F9CFCC-5BAC-46F5-84BE-19362767DEA0}" srcOrd="0" destOrd="0" presId="urn:microsoft.com/office/officeart/2005/8/layout/hierarchy4"/>
+    <dgm:cxn modelId="{CBA93A65-7D8E-8B49-BC2F-1C588D820E3A}" type="presOf" srcId="{4EED3AF6-BD17-44E1-A910-F0805E770A9F}" destId="{49AA6190-1BA2-4A9C-8CD7-3019607C3AC2}" srcOrd="0" destOrd="0" presId="urn:microsoft.com/office/officeart/2005/8/layout/hierarchy4"/>
+    <dgm:cxn modelId="{05C78578-9281-4D33-B993-093380E2D0C2}" srcId="{4EED3AF6-BD17-44E1-A910-F0805E770A9F}" destId="{F0E8375C-2B95-42CE-94C4-2B58A2F6CE1E}" srcOrd="1" destOrd="0" parTransId="{E4F30640-EECA-4D53-8C93-90F52839066A}" sibTransId="{9AC0DFFE-8690-4329-B12A-F32793A836FC}"/>
     <dgm:cxn modelId="{FB7CAE7B-BE96-F94D-A4DE-918923838FBA}" type="presOf" srcId="{B1665076-A2F5-42AB-9B68-0DF1BA68DBD5}" destId="{73A751F8-9135-4E09-87EA-6556B5E676AE}" srcOrd="0" destOrd="0" presId="urn:microsoft.com/office/officeart/2005/8/layout/hierarchy4"/>
+    <dgm:cxn modelId="{AD85AB97-8FF7-49BB-A48B-171FCBF2F0A6}" srcId="{F0E8375C-2B95-42CE-94C4-2B58A2F6CE1E}" destId="{D6C2EA53-BA95-424B-BC39-0FCD38F9B4FF}" srcOrd="0" destOrd="0" parTransId="{854E89D8-7F7C-446A-8B0E-B1DE7D203532}" sibTransId="{E45B5719-604F-4FF7-A4ED-40950DBEC50A}"/>
+    <dgm:cxn modelId="{0E1CB29A-E960-45F1-A0C4-527F81C41887}" srcId="{B1665076-A2F5-42AB-9B68-0DF1BA68DBD5}" destId="{9B0A88BE-E17D-48C8-90F3-F70E04F68ADC}" srcOrd="0" destOrd="0" parTransId="{34931ECA-BF00-4AF6-A4F6-566AFC43194E}" sibTransId="{CF73C748-1A29-4513-A4F1-B78DF3DCA2B3}"/>
+    <dgm:cxn modelId="{6813CDC7-CF5B-6548-9FA9-4EF38DCCF642}" type="presOf" srcId="{B1AB69C9-E4E1-43C5-AD29-A749879AA9B6}" destId="{0B17EEA5-7169-42F5-A672-7CE43DDB7CE6}" srcOrd="0" destOrd="0" presId="urn:microsoft.com/office/officeart/2005/8/layout/hierarchy4"/>
+    <dgm:cxn modelId="{60C9B2D4-966B-4AF5-A26A-29E34D60C44A}" srcId="{4EED3AF6-BD17-44E1-A910-F0805E770A9F}" destId="{B1AB69C9-E4E1-43C5-AD29-A749879AA9B6}" srcOrd="0" destOrd="0" parTransId="{47781ECB-6B96-4CF5-8EAA-DDB49580BBAA}" sibTransId="{EB1264F6-78EF-47D2-A8BF-64CE6E55AF80}"/>
     <dgm:cxn modelId="{C6BBADD5-69C1-BD49-BDA3-F832806F412B}" type="presOf" srcId="{B8C98A5F-8EF8-4A93-82E4-6D55C4EAD0A8}" destId="{7136BE9F-7474-46C8-A210-D30507365298}" srcOrd="0" destOrd="0" presId="urn:microsoft.com/office/officeart/2005/8/layout/hierarchy4"/>
     <dgm:cxn modelId="{9B9FD1FA-A874-4541-AA89-DE0E2B40D25F}" srcId="{E0CECB1A-7B50-4191-826E-9B631A6986E2}" destId="{B1665076-A2F5-42AB-9B68-0DF1BA68DBD5}" srcOrd="0" destOrd="0" parTransId="{2ECBEF5B-7E40-45DD-BD2E-596B199975C8}" sibTransId="{E6D8CB6F-371A-4AB7-8763-44ED475D61FD}"/>
-    <dgm:cxn modelId="{CBA93A65-7D8E-8B49-BC2F-1C588D820E3A}" type="presOf" srcId="{4EED3AF6-BD17-44E1-A910-F0805E770A9F}" destId="{49AA6190-1BA2-4A9C-8CD7-3019607C3AC2}" srcOrd="0" destOrd="0" presId="urn:microsoft.com/office/officeart/2005/8/layout/hierarchy4"/>
-    <dgm:cxn modelId="{0E1CB29A-E960-45F1-A0C4-527F81C41887}" srcId="{B1665076-A2F5-42AB-9B68-0DF1BA68DBD5}" destId="{9B0A88BE-E17D-48C8-90F3-F70E04F68ADC}" srcOrd="0" destOrd="0" parTransId="{34931ECA-BF00-4AF6-A4F6-566AFC43194E}" sibTransId="{CF73C748-1A29-4513-A4F1-B78DF3DCA2B3}"/>
-    <dgm:cxn modelId="{847DEE1A-C95B-48D1-977A-DE98CF31DDE2}" srcId="{E0CECB1A-7B50-4191-826E-9B631A6986E2}" destId="{4EED3AF6-BD17-44E1-A910-F0805E770A9F}" srcOrd="1" destOrd="0" parTransId="{3706D4E1-247B-4EFC-84DB-7376389B4B7A}" sibTransId="{31A06995-0611-4E93-914D-ABCCCD2253DE}"/>
-    <dgm:cxn modelId="{AD85AB97-8FF7-49BB-A48B-171FCBF2F0A6}" srcId="{F0E8375C-2B95-42CE-94C4-2B58A2F6CE1E}" destId="{D6C2EA53-BA95-424B-BC39-0FCD38F9B4FF}" srcOrd="0" destOrd="0" parTransId="{854E89D8-7F7C-446A-8B0E-B1DE7D203532}" sibTransId="{E45B5719-604F-4FF7-A4ED-40950DBEC50A}"/>
-    <dgm:cxn modelId="{0BC68961-B6BE-1E4F-8F5D-7F88C1043C28}" type="presOf" srcId="{D6C2EA53-BA95-424B-BC39-0FCD38F9B4FF}" destId="{21F9CFCC-5BAC-46F5-84BE-19362767DEA0}" srcOrd="0" destOrd="0" presId="urn:microsoft.com/office/officeart/2005/8/layout/hierarchy4"/>
-    <dgm:cxn modelId="{60C9B2D4-966B-4AF5-A26A-29E34D60C44A}" srcId="{4EED3AF6-BD17-44E1-A910-F0805E770A9F}" destId="{B1AB69C9-E4E1-43C5-AD29-A749879AA9B6}" srcOrd="0" destOrd="0" parTransId="{47781ECB-6B96-4CF5-8EAA-DDB49580BBAA}" sibTransId="{EB1264F6-78EF-47D2-A8BF-64CE6E55AF80}"/>
-    <dgm:cxn modelId="{6813CDC7-CF5B-6548-9FA9-4EF38DCCF642}" type="presOf" srcId="{B1AB69C9-E4E1-43C5-AD29-A749879AA9B6}" destId="{0B17EEA5-7169-42F5-A672-7CE43DDB7CE6}" srcOrd="0" destOrd="0" presId="urn:microsoft.com/office/officeart/2005/8/layout/hierarchy4"/>
-    <dgm:cxn modelId="{05C78578-9281-4D33-B993-093380E2D0C2}" srcId="{4EED3AF6-BD17-44E1-A910-F0805E770A9F}" destId="{F0E8375C-2B95-42CE-94C4-2B58A2F6CE1E}" srcOrd="1" destOrd="0" parTransId="{E4F30640-EECA-4D53-8C93-90F52839066A}" sibTransId="{9AC0DFFE-8690-4329-B12A-F32793A836FC}"/>
+    <dgm:cxn modelId="{AB455BFB-65A9-1046-99D6-E9DB93698326}" type="presOf" srcId="{F0E8375C-2B95-42CE-94C4-2B58A2F6CE1E}" destId="{EA3001A8-3507-4E80-A526-81B48834FABA}" srcOrd="0" destOrd="0" presId="urn:microsoft.com/office/officeart/2005/8/layout/hierarchy4"/>
     <dgm:cxn modelId="{FB2D6CFF-4DBD-D045-9038-DE05B2ECF9FD}" type="presOf" srcId="{9B0A88BE-E17D-48C8-90F3-F70E04F68ADC}" destId="{5781D69B-5443-4378-A476-3279F6BD6B90}" srcOrd="0" destOrd="0" presId="urn:microsoft.com/office/officeart/2005/8/layout/hierarchy4"/>
     <dgm:cxn modelId="{9C94DA51-1858-824C-826E-8CB858D488A6}" type="presParOf" srcId="{63BF7538-F701-4616-9C64-89E06BCFF54C}" destId="{91265A55-DE5F-43C5-BE22-27B16456BFB3}" srcOrd="0" destOrd="0" presId="urn:microsoft.com/office/officeart/2005/8/layout/hierarchy4"/>
     <dgm:cxn modelId="{B9F856CC-E1E8-754F-877B-DDE40F8F0D73}" type="presParOf" srcId="{91265A55-DE5F-43C5-BE22-27B16456BFB3}" destId="{73A751F8-9135-4E09-87EA-6556B5E676AE}" srcOrd="0" destOrd="0" presId="urn:microsoft.com/office/officeart/2005/8/layout/hierarchy4"/>
@@ -2582,7 +2517,7 @@
         </a:bodyPr>
         <a:lstStyle/>
         <a:p>
-          <a:pPr lvl="0" algn="ctr" defTabSz="2444750">
+          <a:pPr marL="0" lvl="0" indent="0" algn="ctr" defTabSz="2444750">
             <a:lnSpc>
               <a:spcPct val="90000"/>
             </a:lnSpc>
@@ -2592,12 +2527,12 @@
             <a:spcAft>
               <a:spcPct val="35000"/>
             </a:spcAft>
+            <a:buNone/>
           </a:pPr>
           <a:r>
-            <a:rPr lang="en-US" sz="5500" kern="1200" dirty="0" smtClean="0"/>
+            <a:rPr lang="en-US" sz="5500" kern="1200" dirty="0"/>
             <a:t>Growth</a:t>
           </a:r>
-          <a:endParaRPr lang="en-US" sz="5500" kern="1200" dirty="0"/>
         </a:p>
       </dsp:txBody>
       <dsp:txXfrm>
@@ -2661,7 +2596,7 @@
         </a:bodyPr>
         <a:lstStyle/>
         <a:p>
-          <a:pPr lvl="0" algn="l" defTabSz="577850">
+          <a:pPr marL="0" lvl="0" indent="0" algn="l" defTabSz="577850">
             <a:lnSpc>
               <a:spcPct val="90000"/>
             </a:lnSpc>
@@ -2671,14 +2606,15 @@
             <a:spcAft>
               <a:spcPct val="35000"/>
             </a:spcAft>
+            <a:buNone/>
           </a:pPr>
           <a:r>
-            <a:rPr lang="en-US" sz="1300" kern="1200" dirty="0" smtClean="0"/>
+            <a:rPr lang="en-US" sz="1300" kern="1200" dirty="0"/>
             <a:t>1. Endogenous innovation in the theory of growth (Grossman, 93)</a:t>
           </a:r>
         </a:p>
         <a:p>
-          <a:pPr lvl="0" algn="l" defTabSz="577850">
+          <a:pPr marL="0" lvl="0" indent="0" algn="l" defTabSz="577850">
             <a:lnSpc>
               <a:spcPct val="90000"/>
             </a:lnSpc>
@@ -2688,14 +2624,15 @@
             <a:spcAft>
               <a:spcPct val="35000"/>
             </a:spcAft>
+            <a:buNone/>
           </a:pPr>
           <a:r>
-            <a:rPr lang="en-US" sz="1300" kern="1200" dirty="0" smtClean="0"/>
+            <a:rPr lang="en-US" sz="1300" kern="1200" dirty="0"/>
             <a:t>2. Endogenous Technological Change (Romer, 90)</a:t>
           </a:r>
         </a:p>
         <a:p>
-          <a:pPr lvl="0" algn="l" defTabSz="577850">
+          <a:pPr marL="0" lvl="0" indent="0" algn="l" defTabSz="577850">
             <a:lnSpc>
               <a:spcPct val="90000"/>
             </a:lnSpc>
@@ -2705,12 +2642,12 @@
             <a:spcAft>
               <a:spcPct val="35000"/>
             </a:spcAft>
+            <a:buNone/>
           </a:pPr>
           <a:r>
-            <a:rPr lang="en-US" sz="1300" kern="1200" dirty="0" smtClean="0"/>
+            <a:rPr lang="en-US" sz="1300" kern="1200" dirty="0"/>
             <a:t>3. Frankel Lucas’s Human Capital Model (1988)</a:t>
           </a:r>
-          <a:endParaRPr lang="en-US" sz="1300" kern="1200" dirty="0"/>
         </a:p>
       </dsp:txBody>
       <dsp:txXfrm>
@@ -2774,7 +2711,7 @@
         </a:bodyPr>
         <a:lstStyle/>
         <a:p>
-          <a:pPr lvl="0" algn="ctr" defTabSz="2444750">
+          <a:pPr marL="0" lvl="0" indent="0" algn="ctr" defTabSz="2444750">
             <a:lnSpc>
               <a:spcPct val="90000"/>
             </a:lnSpc>
@@ -2784,12 +2721,12 @@
             <a:spcAft>
               <a:spcPct val="35000"/>
             </a:spcAft>
+            <a:buNone/>
           </a:pPr>
           <a:r>
-            <a:rPr lang="en-US" sz="5500" kern="1200" dirty="0" smtClean="0"/>
+            <a:rPr lang="en-US" sz="5500" kern="1200" dirty="0"/>
             <a:t>Debt</a:t>
           </a:r>
-          <a:endParaRPr lang="en-US" sz="5500" kern="1200" dirty="0"/>
         </a:p>
       </dsp:txBody>
       <dsp:txXfrm>
@@ -2853,7 +2790,7 @@
         </a:bodyPr>
         <a:lstStyle/>
         <a:p>
-          <a:pPr lvl="0" algn="ctr" defTabSz="577850">
+          <a:pPr marL="0" lvl="0" indent="0" algn="ctr" defTabSz="577850">
             <a:lnSpc>
               <a:spcPct val="90000"/>
             </a:lnSpc>
@@ -2863,12 +2800,12 @@
             <a:spcAft>
               <a:spcPct val="35000"/>
             </a:spcAft>
+            <a:buNone/>
           </a:pPr>
           <a:r>
-            <a:rPr lang="en-US" sz="1300" kern="1200" dirty="0" smtClean="0"/>
+            <a:rPr lang="en-US" sz="1300" kern="1200" dirty="0"/>
             <a:t>Debt Dynamics and Default</a:t>
           </a:r>
-          <a:endParaRPr lang="en-US" sz="1300" kern="1200" dirty="0"/>
         </a:p>
       </dsp:txBody>
       <dsp:txXfrm>
@@ -2932,7 +2869,7 @@
         </a:bodyPr>
         <a:lstStyle/>
         <a:p>
-          <a:pPr lvl="0" algn="l" defTabSz="533400">
+          <a:pPr marL="0" lvl="0" indent="0" algn="l" defTabSz="533400">
             <a:lnSpc>
               <a:spcPct val="90000"/>
             </a:lnSpc>
@@ -2942,14 +2879,15 @@
             <a:spcAft>
               <a:spcPct val="35000"/>
             </a:spcAft>
+            <a:buNone/>
           </a:pPr>
           <a:r>
-            <a:rPr lang="en-US" sz="1200" kern="1200" dirty="0" smtClean="0"/>
+            <a:rPr lang="en-US" sz="1200" kern="1200" dirty="0"/>
             <a:t>1. Debt path determined by the course   of overall fiscal balances (Escolano, 2010)</a:t>
           </a:r>
         </a:p>
         <a:p>
-          <a:pPr lvl="0" algn="l" defTabSz="533400">
+          <a:pPr marL="0" lvl="0" indent="0" algn="l" defTabSz="533400">
             <a:lnSpc>
               <a:spcPct val="90000"/>
             </a:lnSpc>
@@ -2959,14 +2897,15 @@
             <a:spcAft>
               <a:spcPct val="35000"/>
             </a:spcAft>
+            <a:buNone/>
           </a:pPr>
           <a:r>
-            <a:rPr lang="en-US" sz="1200" kern="1200" dirty="0" smtClean="0"/>
+            <a:rPr lang="en-US" sz="1200" kern="1200" dirty="0"/>
             <a:t>2. General equilibrium model of sovereign default and business cycles (Mendoza 2011)</a:t>
           </a:r>
         </a:p>
         <a:p>
-          <a:pPr lvl="0" algn="l" defTabSz="533400">
+          <a:pPr marL="0" lvl="0" indent="0" algn="l" defTabSz="533400">
             <a:lnSpc>
               <a:spcPct val="90000"/>
             </a:lnSpc>
@@ -2976,9 +2915,10 @@
             <a:spcAft>
               <a:spcPct val="35000"/>
             </a:spcAft>
+            <a:buNone/>
           </a:pPr>
           <a:r>
-            <a:rPr lang="en-US" sz="1200" kern="1200" dirty="0" smtClean="0"/>
+            <a:rPr lang="en-US" sz="1200" kern="1200" dirty="0"/>
             <a:t>3. Debt Overhang (Krugman, et al 2010)</a:t>
           </a:r>
         </a:p>
@@ -3034,7 +2974,7 @@
         </a:bodyPr>
         <a:lstStyle/>
         <a:p>
-          <a:pPr lvl="0" algn="ctr" defTabSz="577850">
+          <a:pPr marL="0" lvl="0" indent="0" algn="ctr" defTabSz="577850">
             <a:lnSpc>
               <a:spcPct val="90000"/>
             </a:lnSpc>
@@ -3044,12 +2984,12 @@
             <a:spcAft>
               <a:spcPct val="35000"/>
             </a:spcAft>
+            <a:buNone/>
           </a:pPr>
           <a:r>
-            <a:rPr lang="en-US" sz="1300" kern="1200" dirty="0" smtClean="0"/>
+            <a:rPr lang="en-US" sz="1300" kern="1200" dirty="0"/>
             <a:t>Impact of Foreign Borrowing on Growth</a:t>
           </a:r>
-          <a:endParaRPr lang="en-US" sz="1300" kern="1200" dirty="0"/>
         </a:p>
       </dsp:txBody>
       <dsp:txXfrm>
@@ -3113,7 +3053,7 @@
         </a:bodyPr>
         <a:lstStyle/>
         <a:p>
-          <a:pPr lvl="0" algn="l" defTabSz="533400">
+          <a:pPr marL="0" lvl="0" indent="0" algn="l" defTabSz="533400">
             <a:lnSpc>
               <a:spcPct val="90000"/>
             </a:lnSpc>
@@ -3123,22 +3063,23 @@
             <a:spcAft>
               <a:spcPct val="35000"/>
             </a:spcAft>
+            <a:buNone/>
           </a:pPr>
           <a:r>
-            <a:rPr lang="en-US" sz="1200" kern="1200" dirty="0" smtClean="0"/>
+            <a:rPr lang="en-US" sz="1200" kern="1200" dirty="0"/>
             <a:t>1. Growth, debt and economic transformation: The capital flight problem (</a:t>
           </a:r>
           <a:r>
-            <a:rPr lang="en-US" sz="1200" kern="1200" dirty="0" err="1" smtClean="0"/>
+            <a:rPr lang="en-US" sz="1200" kern="1200" dirty="0" err="1"/>
             <a:t>Calvo</a:t>
           </a:r>
           <a:r>
-            <a:rPr lang="en-US" sz="1200" kern="1200" dirty="0" smtClean="0"/>
+            <a:rPr lang="en-US" sz="1200" kern="1200" dirty="0"/>
             <a:t> 98)</a:t>
           </a:r>
         </a:p>
         <a:p>
-          <a:pPr lvl="0" algn="l" defTabSz="533400">
+          <a:pPr marL="0" lvl="0" indent="0" algn="l" defTabSz="533400">
             <a:lnSpc>
               <a:spcPct val="90000"/>
             </a:lnSpc>
@@ -3148,14 +3089,15 @@
             <a:spcAft>
               <a:spcPct val="35000"/>
             </a:spcAft>
+            <a:buNone/>
           </a:pPr>
           <a:r>
-            <a:rPr lang="en-US" sz="1200" kern="1200" dirty="0" smtClean="0"/>
+            <a:rPr lang="en-US" sz="1200" kern="1200" dirty="0"/>
             <a:t>2. Sovereign Debt: A premier (Eaton 93)</a:t>
           </a:r>
         </a:p>
         <a:p>
-          <a:pPr lvl="0" algn="l" defTabSz="533400">
+          <a:pPr marL="0" lvl="0" indent="0" algn="l" defTabSz="533400">
             <a:lnSpc>
               <a:spcPct val="90000"/>
             </a:lnSpc>
@@ -3165,20 +3107,20 @@
             <a:spcAft>
               <a:spcPct val="35000"/>
             </a:spcAft>
+            <a:buNone/>
           </a:pPr>
           <a:r>
-            <a:rPr lang="en-US" sz="1200" kern="1200" dirty="0" smtClean="0"/>
+            <a:rPr lang="en-US" sz="1200" kern="1200" dirty="0"/>
             <a:t>3. External Debt and Growth (</a:t>
           </a:r>
           <a:r>
-            <a:rPr lang="en-US" sz="1200" kern="1200" dirty="0" err="1" smtClean="0"/>
+            <a:rPr lang="en-US" sz="1200" kern="1200" dirty="0" err="1"/>
             <a:t>Patitillo</a:t>
           </a:r>
           <a:r>
-            <a:rPr lang="en-US" sz="1200" kern="1200" dirty="0" smtClean="0"/>
+            <a:rPr lang="en-US" sz="1200" kern="1200" dirty="0"/>
             <a:t>, et al 02)</a:t>
           </a:r>
-          <a:endParaRPr lang="en-US" sz="1200" kern="1200" dirty="0"/>
         </a:p>
       </dsp:txBody>
       <dsp:txXfrm>
@@ -4828,7 +4770,7 @@
           <a:p>
             <a:fld id="{05F43652-FCBD-274D-8A4B-6868CB0980A3}" type="datetimeFigureOut">
               <a:rPr lang="en-US" smtClean="0"/>
-              <a:t>4/23/17</a:t>
+              <a:t>12/1/2020</a:t>
             </a:fld>
             <a:endParaRPr lang="en-US"/>
           </a:p>
@@ -4892,38 +4834,37 @@
           <a:p>
             <a:pPr lvl="0"/>
             <a:r>
-              <a:rPr lang="en-US" smtClean="0"/>
+              <a:rPr lang="en-US"/>
               <a:t>Click to edit Master text styles</a:t>
             </a:r>
           </a:p>
           <a:p>
             <a:pPr lvl="1"/>
             <a:r>
-              <a:rPr lang="en-US" smtClean="0"/>
+              <a:rPr lang="en-US"/>
               <a:t>Second level</a:t>
             </a:r>
           </a:p>
           <a:p>
             <a:pPr lvl="2"/>
             <a:r>
-              <a:rPr lang="en-US" smtClean="0"/>
+              <a:rPr lang="en-US"/>
               <a:t>Third level</a:t>
             </a:r>
           </a:p>
           <a:p>
             <a:pPr lvl="3"/>
             <a:r>
-              <a:rPr lang="en-US" smtClean="0"/>
+              <a:rPr lang="en-US"/>
               <a:t>Fourth level</a:t>
             </a:r>
           </a:p>
           <a:p>
             <a:pPr lvl="4"/>
             <a:r>
-              <a:rPr lang="en-US" smtClean="0"/>
+              <a:rPr lang="en-US"/>
               <a:t>Fifth level</a:t>
             </a:r>
-            <a:endParaRPr lang="en-US"/>
           </a:p>
         </p:txBody>
       </p:sp>
@@ -5226,7 +5167,7 @@
           </a:lstStyle>
           <a:p>
             <a:r>
-              <a:rPr lang="en-US" smtClean="0"/>
+              <a:rPr lang="en-US"/>
               <a:t>Click to edit Master title style</a:t>
             </a:r>
             <a:endParaRPr lang="en-US" dirty="0"/>
@@ -5298,7 +5239,7 @@
           </a:lstStyle>
           <a:p>
             <a:r>
-              <a:rPr lang="en-US" smtClean="0"/>
+              <a:rPr lang="en-US"/>
               <a:t>Click to edit Master subtitle style</a:t>
             </a:r>
             <a:endParaRPr lang="en-US" dirty="0"/>
@@ -5322,7 +5263,7 @@
           <a:p>
             <a:fld id="{6E1FED5E-3EBC-5941-B281-827CBD2581FA}" type="datetimeFigureOut">
               <a:rPr lang="en-US" smtClean="0"/>
-              <a:t>4/23/17</a:t>
+              <a:t>12/1/2020</a:t>
             </a:fld>
             <a:endParaRPr lang="en-US"/>
           </a:p>
@@ -5454,7 +5395,7 @@
           <a:lstStyle/>
           <a:p>
             <a:r>
-              <a:rPr lang="en-US" smtClean="0"/>
+              <a:rPr lang="en-US"/>
               <a:t>Click to edit Master title style</a:t>
             </a:r>
             <a:endParaRPr lang="en-US" dirty="0"/>
@@ -5478,35 +5419,35 @@
           <a:p>
             <a:pPr lvl="0"/>
             <a:r>
-              <a:rPr lang="en-US" smtClean="0"/>
+              <a:rPr lang="en-US"/>
               <a:t>Click to edit Master text styles</a:t>
             </a:r>
           </a:p>
           <a:p>
             <a:pPr lvl="1"/>
             <a:r>
-              <a:rPr lang="en-US" smtClean="0"/>
+              <a:rPr lang="en-US"/>
               <a:t>Second level</a:t>
             </a:r>
           </a:p>
           <a:p>
             <a:pPr lvl="2"/>
             <a:r>
-              <a:rPr lang="en-US" smtClean="0"/>
+              <a:rPr lang="en-US"/>
               <a:t>Third level</a:t>
             </a:r>
           </a:p>
           <a:p>
             <a:pPr lvl="3"/>
             <a:r>
-              <a:rPr lang="en-US" smtClean="0"/>
+              <a:rPr lang="en-US"/>
               <a:t>Fourth level</a:t>
             </a:r>
           </a:p>
           <a:p>
             <a:pPr lvl="4"/>
             <a:r>
-              <a:rPr lang="en-US" smtClean="0"/>
+              <a:rPr lang="en-US"/>
               <a:t>Fifth level</a:t>
             </a:r>
             <a:endParaRPr lang="en-US" dirty="0"/>
@@ -5530,7 +5471,7 @@
           <a:p>
             <a:fld id="{6E1FED5E-3EBC-5941-B281-827CBD2581FA}" type="datetimeFigureOut">
               <a:rPr lang="en-US" smtClean="0"/>
-              <a:t>4/23/17</a:t>
+              <a:t>12/1/2020</a:t>
             </a:fld>
             <a:endParaRPr lang="en-US"/>
           </a:p>
@@ -5700,7 +5641,7 @@
           <a:lstStyle/>
           <a:p>
             <a:r>
-              <a:rPr lang="en-US" smtClean="0"/>
+              <a:rPr lang="en-US"/>
               <a:t>Click to edit Master title style</a:t>
             </a:r>
             <a:endParaRPr lang="en-US" dirty="0"/>
@@ -5729,35 +5670,35 @@
           <a:p>
             <a:pPr lvl="0"/>
             <a:r>
-              <a:rPr lang="en-US" smtClean="0"/>
+              <a:rPr lang="en-US"/>
               <a:t>Click to edit Master text styles</a:t>
             </a:r>
           </a:p>
           <a:p>
             <a:pPr lvl="1"/>
             <a:r>
-              <a:rPr lang="en-US" smtClean="0"/>
+              <a:rPr lang="en-US"/>
               <a:t>Second level</a:t>
             </a:r>
           </a:p>
           <a:p>
             <a:pPr lvl="2"/>
             <a:r>
-              <a:rPr lang="en-US" smtClean="0"/>
+              <a:rPr lang="en-US"/>
               <a:t>Third level</a:t>
             </a:r>
           </a:p>
           <a:p>
             <a:pPr lvl="3"/>
             <a:r>
-              <a:rPr lang="en-US" smtClean="0"/>
+              <a:rPr lang="en-US"/>
               <a:t>Fourth level</a:t>
             </a:r>
           </a:p>
           <a:p>
             <a:pPr lvl="4"/>
             <a:r>
-              <a:rPr lang="en-US" smtClean="0"/>
+              <a:rPr lang="en-US"/>
               <a:t>Fifth level</a:t>
             </a:r>
             <a:endParaRPr lang="en-US" dirty="0"/>
@@ -5781,7 +5722,7 @@
           <a:p>
             <a:fld id="{6E1FED5E-3EBC-5941-B281-827CBD2581FA}" type="datetimeFigureOut">
               <a:rPr lang="en-US" smtClean="0"/>
-              <a:t>4/23/17</a:t>
+              <a:t>12/1/2020</a:t>
             </a:fld>
             <a:endParaRPr lang="en-US"/>
           </a:p>
@@ -5874,7 +5815,7 @@
           </a:lstStyle>
           <a:p>
             <a:r>
-              <a:rPr lang="en-US" smtClean="0"/>
+              <a:rPr lang="en-US"/>
               <a:t>Click to edit Master title style</a:t>
             </a:r>
             <a:endParaRPr lang="en-US" dirty="0"/>
@@ -5898,35 +5839,35 @@
           <a:p>
             <a:pPr lvl="0"/>
             <a:r>
-              <a:rPr lang="en-US" smtClean="0"/>
+              <a:rPr lang="en-US"/>
               <a:t>Click to edit Master text styles</a:t>
             </a:r>
           </a:p>
           <a:p>
             <a:pPr lvl="1"/>
             <a:r>
-              <a:rPr lang="en-US" smtClean="0"/>
+              <a:rPr lang="en-US"/>
               <a:t>Second level</a:t>
             </a:r>
           </a:p>
           <a:p>
             <a:pPr lvl="2"/>
             <a:r>
-              <a:rPr lang="en-US" smtClean="0"/>
+              <a:rPr lang="en-US"/>
               <a:t>Third level</a:t>
             </a:r>
           </a:p>
           <a:p>
             <a:pPr lvl="3"/>
             <a:r>
-              <a:rPr lang="en-US" smtClean="0"/>
+              <a:rPr lang="en-US"/>
               <a:t>Fourth level</a:t>
             </a:r>
           </a:p>
           <a:p>
             <a:pPr lvl="4"/>
             <a:r>
-              <a:rPr lang="en-US" smtClean="0"/>
+              <a:rPr lang="en-US"/>
               <a:t>Fifth level</a:t>
             </a:r>
             <a:endParaRPr lang="en-US" dirty="0"/>
@@ -5950,7 +5891,7 @@
           <a:p>
             <a:fld id="{6E1FED5E-3EBC-5941-B281-827CBD2581FA}" type="datetimeFigureOut">
               <a:rPr lang="en-US" smtClean="0"/>
-              <a:t>4/23/17</a:t>
+              <a:t>12/1/2020</a:t>
             </a:fld>
             <a:endParaRPr lang="en-US"/>
           </a:p>
@@ -6144,7 +6085,7 @@
           </a:lstStyle>
           <a:p>
             <a:r>
-              <a:rPr lang="en-US" smtClean="0"/>
+              <a:rPr lang="en-US"/>
               <a:t>Click to edit Master title style</a:t>
             </a:r>
             <a:endParaRPr lang="en-US" dirty="0"/>
@@ -6265,7 +6206,7 @@
           <a:p>
             <a:pPr lvl="0"/>
             <a:r>
-              <a:rPr lang="en-US" smtClean="0"/>
+              <a:rPr lang="en-US"/>
               <a:t>Click to edit Master text styles</a:t>
             </a:r>
           </a:p>
@@ -6288,7 +6229,7 @@
           <a:p>
             <a:fld id="{6E1FED5E-3EBC-5941-B281-827CBD2581FA}" type="datetimeFigureOut">
               <a:rPr lang="en-US" smtClean="0"/>
-              <a:t>4/23/17</a:t>
+              <a:t>12/1/2020</a:t>
             </a:fld>
             <a:endParaRPr lang="en-US"/>
           </a:p>
@@ -6420,7 +6361,7 @@
           <a:lstStyle/>
           <a:p>
             <a:r>
-              <a:rPr lang="en-US" smtClean="0"/>
+              <a:rPr lang="en-US"/>
               <a:t>Click to edit Master title style</a:t>
             </a:r>
             <a:endParaRPr lang="en-US" dirty="0"/>
@@ -6449,35 +6390,35 @@
           <a:p>
             <a:pPr lvl="0"/>
             <a:r>
-              <a:rPr lang="en-US" smtClean="0"/>
+              <a:rPr lang="en-US"/>
               <a:t>Click to edit Master text styles</a:t>
             </a:r>
           </a:p>
           <a:p>
             <a:pPr lvl="1"/>
             <a:r>
-              <a:rPr lang="en-US" smtClean="0"/>
+              <a:rPr lang="en-US"/>
               <a:t>Second level</a:t>
             </a:r>
           </a:p>
           <a:p>
             <a:pPr lvl="2"/>
             <a:r>
-              <a:rPr lang="en-US" smtClean="0"/>
+              <a:rPr lang="en-US"/>
               <a:t>Third level</a:t>
             </a:r>
           </a:p>
           <a:p>
             <a:pPr lvl="3"/>
             <a:r>
-              <a:rPr lang="en-US" smtClean="0"/>
+              <a:rPr lang="en-US"/>
               <a:t>Fourth level</a:t>
             </a:r>
           </a:p>
           <a:p>
             <a:pPr lvl="4"/>
             <a:r>
-              <a:rPr lang="en-US" smtClean="0"/>
+              <a:rPr lang="en-US"/>
               <a:t>Fifth level</a:t>
             </a:r>
             <a:endParaRPr lang="en-US" dirty="0"/>
@@ -6506,35 +6447,35 @@
           <a:p>
             <a:pPr lvl="0"/>
             <a:r>
-              <a:rPr lang="en-US" smtClean="0"/>
+              <a:rPr lang="en-US"/>
               <a:t>Click to edit Master text styles</a:t>
             </a:r>
           </a:p>
           <a:p>
             <a:pPr lvl="1"/>
             <a:r>
-              <a:rPr lang="en-US" smtClean="0"/>
+              <a:rPr lang="en-US"/>
               <a:t>Second level</a:t>
             </a:r>
           </a:p>
           <a:p>
             <a:pPr lvl="2"/>
             <a:r>
-              <a:rPr lang="en-US" smtClean="0"/>
+              <a:rPr lang="en-US"/>
               <a:t>Third level</a:t>
             </a:r>
           </a:p>
           <a:p>
             <a:pPr lvl="3"/>
             <a:r>
-              <a:rPr lang="en-US" smtClean="0"/>
+              <a:rPr lang="en-US"/>
               <a:t>Fourth level</a:t>
             </a:r>
           </a:p>
           <a:p>
             <a:pPr lvl="4"/>
             <a:r>
-              <a:rPr lang="en-US" smtClean="0"/>
+              <a:rPr lang="en-US"/>
               <a:t>Fifth level</a:t>
             </a:r>
             <a:endParaRPr lang="en-US" dirty="0"/>
@@ -6558,7 +6499,7 @@
           <a:p>
             <a:fld id="{6E1FED5E-3EBC-5941-B281-827CBD2581FA}" type="datetimeFigureOut">
               <a:rPr lang="en-US" smtClean="0"/>
-              <a:t>4/23/17</a:t>
+              <a:t>12/1/2020</a:t>
             </a:fld>
             <a:endParaRPr lang="en-US"/>
           </a:p>
@@ -6652,7 +6593,7 @@
           <a:lstStyle/>
           <a:p>
             <a:r>
-              <a:rPr lang="en-US" smtClean="0"/>
+              <a:rPr lang="en-US"/>
               <a:t>Click to edit Master title style</a:t>
             </a:r>
             <a:endParaRPr lang="en-US" dirty="0"/>
@@ -6724,7 +6665,7 @@
           <a:p>
             <a:pPr lvl="0"/>
             <a:r>
-              <a:rPr lang="en-US" smtClean="0"/>
+              <a:rPr lang="en-US"/>
               <a:t>Click to edit Master text styles</a:t>
             </a:r>
           </a:p>
@@ -6752,35 +6693,35 @@
           <a:p>
             <a:pPr lvl="0"/>
             <a:r>
-              <a:rPr lang="en-US" smtClean="0"/>
+              <a:rPr lang="en-US"/>
               <a:t>Click to edit Master text styles</a:t>
             </a:r>
           </a:p>
           <a:p>
             <a:pPr lvl="1"/>
             <a:r>
-              <a:rPr lang="en-US" smtClean="0"/>
+              <a:rPr lang="en-US"/>
               <a:t>Second level</a:t>
             </a:r>
           </a:p>
           <a:p>
             <a:pPr lvl="2"/>
             <a:r>
-              <a:rPr lang="en-US" smtClean="0"/>
+              <a:rPr lang="en-US"/>
               <a:t>Third level</a:t>
             </a:r>
           </a:p>
           <a:p>
             <a:pPr lvl="3"/>
             <a:r>
-              <a:rPr lang="en-US" smtClean="0"/>
+              <a:rPr lang="en-US"/>
               <a:t>Fourth level</a:t>
             </a:r>
           </a:p>
           <a:p>
             <a:pPr lvl="4"/>
             <a:r>
-              <a:rPr lang="en-US" smtClean="0"/>
+              <a:rPr lang="en-US"/>
               <a:t>Fifth level</a:t>
             </a:r>
             <a:endParaRPr lang="en-US" dirty="0"/>
@@ -6852,7 +6793,7 @@
           <a:p>
             <a:pPr lvl="0"/>
             <a:r>
-              <a:rPr lang="en-US" smtClean="0"/>
+              <a:rPr lang="en-US"/>
               <a:t>Click to edit Master text styles</a:t>
             </a:r>
           </a:p>
@@ -6880,35 +6821,35 @@
           <a:p>
             <a:pPr lvl="0"/>
             <a:r>
-              <a:rPr lang="en-US" smtClean="0"/>
+              <a:rPr lang="en-US"/>
               <a:t>Click to edit Master text styles</a:t>
             </a:r>
           </a:p>
           <a:p>
             <a:pPr lvl="1"/>
             <a:r>
-              <a:rPr lang="en-US" smtClean="0"/>
+              <a:rPr lang="en-US"/>
               <a:t>Second level</a:t>
             </a:r>
           </a:p>
           <a:p>
             <a:pPr lvl="2"/>
             <a:r>
-              <a:rPr lang="en-US" smtClean="0"/>
+              <a:rPr lang="en-US"/>
               <a:t>Third level</a:t>
             </a:r>
           </a:p>
           <a:p>
             <a:pPr lvl="3"/>
             <a:r>
-              <a:rPr lang="en-US" smtClean="0"/>
+              <a:rPr lang="en-US"/>
               <a:t>Fourth level</a:t>
             </a:r>
           </a:p>
           <a:p>
             <a:pPr lvl="4"/>
             <a:r>
-              <a:rPr lang="en-US" smtClean="0"/>
+              <a:rPr lang="en-US"/>
               <a:t>Fifth level</a:t>
             </a:r>
             <a:endParaRPr lang="en-US" dirty="0"/>
@@ -6932,7 +6873,7 @@
           <a:p>
             <a:fld id="{6E1FED5E-3EBC-5941-B281-827CBD2581FA}" type="datetimeFigureOut">
               <a:rPr lang="en-US" smtClean="0"/>
-              <a:t>4/23/17</a:t>
+              <a:t>12/1/2020</a:t>
             </a:fld>
             <a:endParaRPr lang="en-US"/>
           </a:p>
@@ -7021,7 +6962,7 @@
           <a:lstStyle/>
           <a:p>
             <a:r>
-              <a:rPr lang="en-US" smtClean="0"/>
+              <a:rPr lang="en-US"/>
               <a:t>Click to edit Master title style</a:t>
             </a:r>
             <a:endParaRPr lang="en-US" dirty="0"/>
@@ -7045,7 +6986,7 @@
           <a:p>
             <a:fld id="{6E1FED5E-3EBC-5941-B281-827CBD2581FA}" type="datetimeFigureOut">
               <a:rPr lang="en-US" smtClean="0"/>
-              <a:t>4/23/17</a:t>
+              <a:t>12/1/2020</a:t>
             </a:fld>
             <a:endParaRPr lang="en-US"/>
           </a:p>
@@ -7211,7 +7152,7 @@
           <a:p>
             <a:fld id="{6E1FED5E-3EBC-5941-B281-827CBD2581FA}" type="datetimeFigureOut">
               <a:rPr lang="en-US" smtClean="0"/>
-              <a:t>4/23/17</a:t>
+              <a:t>12/1/2020</a:t>
             </a:fld>
             <a:endParaRPr lang="en-US"/>
           </a:p>
@@ -7404,7 +7345,7 @@
           </a:lstStyle>
           <a:p>
             <a:r>
-              <a:rPr lang="en-US" smtClean="0"/>
+              <a:rPr lang="en-US"/>
               <a:t>Click to edit Master title style</a:t>
             </a:r>
             <a:endParaRPr lang="en-US" dirty="0"/>
@@ -7433,35 +7374,35 @@
           <a:p>
             <a:pPr lvl="0"/>
             <a:r>
-              <a:rPr lang="en-US" smtClean="0"/>
+              <a:rPr lang="en-US"/>
               <a:t>Click to edit Master text styles</a:t>
             </a:r>
           </a:p>
           <a:p>
             <a:pPr lvl="1"/>
             <a:r>
-              <a:rPr lang="en-US" smtClean="0"/>
+              <a:rPr lang="en-US"/>
               <a:t>Second level</a:t>
             </a:r>
           </a:p>
           <a:p>
             <a:pPr lvl="2"/>
             <a:r>
-              <a:rPr lang="en-US" smtClean="0"/>
+              <a:rPr lang="en-US"/>
               <a:t>Third level</a:t>
             </a:r>
           </a:p>
           <a:p>
             <a:pPr lvl="3"/>
             <a:r>
-              <a:rPr lang="en-US" smtClean="0"/>
+              <a:rPr lang="en-US"/>
               <a:t>Fourth level</a:t>
             </a:r>
           </a:p>
           <a:p>
             <a:pPr lvl="4"/>
             <a:r>
-              <a:rPr lang="en-US" smtClean="0"/>
+              <a:rPr lang="en-US"/>
               <a:t>Fifth level</a:t>
             </a:r>
             <a:endParaRPr lang="en-US" dirty="0"/>
@@ -7533,7 +7474,7 @@
           <a:p>
             <a:pPr lvl="0"/>
             <a:r>
-              <a:rPr lang="en-US" smtClean="0"/>
+              <a:rPr lang="en-US"/>
               <a:t>Click to edit Master text styles</a:t>
             </a:r>
           </a:p>
@@ -7565,7 +7506,7 @@
           <a:p>
             <a:fld id="{6E1FED5E-3EBC-5941-B281-827CBD2581FA}" type="datetimeFigureOut">
               <a:rPr lang="en-US" smtClean="0"/>
-              <a:t>4/23/17</a:t>
+              <a:t>12/1/2020</a:t>
             </a:fld>
             <a:endParaRPr lang="en-US"/>
           </a:p>
@@ -7771,7 +7712,7 @@
           </a:lstStyle>
           <a:p>
             <a:r>
-              <a:rPr lang="en-US" smtClean="0"/>
+              <a:rPr lang="en-US"/>
               <a:t>Click to edit Master title style</a:t>
             </a:r>
             <a:endParaRPr lang="en-US" dirty="0"/>
@@ -7843,7 +7784,7 @@
           </a:lstStyle>
           <a:p>
             <a:r>
-              <a:rPr lang="en-US" smtClean="0"/>
+              <a:rPr lang="en-US"/>
               <a:t>Drag picture to placeholder or click icon to add</a:t>
             </a:r>
             <a:endParaRPr lang="en-US" dirty="0"/>
@@ -7921,7 +7862,7 @@
           <a:p>
             <a:pPr lvl="0"/>
             <a:r>
-              <a:rPr lang="en-US" smtClean="0"/>
+              <a:rPr lang="en-US"/>
               <a:t>Click to edit Master text styles</a:t>
             </a:r>
           </a:p>
@@ -7944,7 +7885,7 @@
           <a:p>
             <a:fld id="{6E1FED5E-3EBC-5941-B281-827CBD2581FA}" type="datetimeFigureOut">
               <a:rPr lang="en-US" smtClean="0"/>
-              <a:t>4/23/17</a:t>
+              <a:t>12/1/2020</a:t>
             </a:fld>
             <a:endParaRPr lang="en-US"/>
           </a:p>
@@ -8124,7 +8065,7 @@
           <a:lstStyle/>
           <a:p>
             <a:r>
-              <a:rPr lang="en-US" smtClean="0"/>
+              <a:rPr lang="en-US"/>
               <a:t>Click to edit Master title style</a:t>
             </a:r>
             <a:endParaRPr lang="en-US" dirty="0"/>
@@ -8158,35 +8099,35 @@
           <a:p>
             <a:pPr lvl="0"/>
             <a:r>
-              <a:rPr lang="en-US" smtClean="0"/>
+              <a:rPr lang="en-US"/>
               <a:t>Click to edit Master text styles</a:t>
             </a:r>
           </a:p>
           <a:p>
             <a:pPr lvl="1"/>
             <a:r>
-              <a:rPr lang="en-US" smtClean="0"/>
+              <a:rPr lang="en-US"/>
               <a:t>Second level</a:t>
             </a:r>
           </a:p>
           <a:p>
             <a:pPr lvl="2"/>
             <a:r>
-              <a:rPr lang="en-US" smtClean="0"/>
+              <a:rPr lang="en-US"/>
               <a:t>Third level</a:t>
             </a:r>
           </a:p>
           <a:p>
             <a:pPr lvl="3"/>
             <a:r>
-              <a:rPr lang="en-US" smtClean="0"/>
+              <a:rPr lang="en-US"/>
               <a:t>Fourth level</a:t>
             </a:r>
           </a:p>
           <a:p>
             <a:pPr lvl="4"/>
             <a:r>
-              <a:rPr lang="en-US" smtClean="0"/>
+              <a:rPr lang="en-US"/>
               <a:t>Fifth level</a:t>
             </a:r>
             <a:endParaRPr lang="en-US" dirty="0"/>
@@ -8226,7 +8167,7 @@
           <a:p>
             <a:fld id="{6E1FED5E-3EBC-5941-B281-827CBD2581FA}" type="datetimeFigureOut">
               <a:rPr lang="en-US" smtClean="0"/>
-              <a:t>4/23/17</a:t>
+              <a:t>12/1/2020</a:t>
             </a:fld>
             <a:endParaRPr lang="en-US"/>
           </a:p>
@@ -8777,7 +8718,7 @@
           <a:p>
             <a:pPr algn="ctr"/>
             <a:r>
-              <a:rPr lang="en-US" b="1" cap="small" dirty="0" smtClean="0"/>
+              <a:rPr lang="en-US" b="1" cap="small" dirty="0"/>
               <a:t>Industrialized Growth In Developing Economies</a:t>
             </a:r>
             <a:endParaRPr lang="en-US" dirty="0"/>
@@ -8808,22 +8749,22 @@
           <a:p>
             <a:pPr algn="ctr"/>
             <a:r>
-              <a:rPr lang="en-US" sz="14400" cap="none" dirty="0" smtClean="0"/>
+              <a:rPr lang="en-US" sz="14400" cap="none" dirty="0"/>
               <a:t>PhD</a:t>
             </a:r>
             <a:r>
-              <a:rPr lang="en-US" sz="14400" dirty="0" smtClean="0"/>
+              <a:rPr lang="en-US" sz="14400" dirty="0"/>
               <a:t> </a:t>
             </a:r>
             <a:r>
-              <a:rPr lang="en-US" sz="14400" cap="none" dirty="0" smtClean="0"/>
+              <a:rPr lang="en-US" sz="14400" cap="none" dirty="0"/>
               <a:t>Dissertation Defense</a:t>
             </a:r>
           </a:p>
           <a:p>
             <a:pPr algn="ctr"/>
             <a:r>
-              <a:rPr lang="en-US" dirty="0" smtClean="0"/>
+              <a:rPr lang="en-US" dirty="0"/>
               <a:t>TOORAJ HELMI</a:t>
             </a:r>
           </a:p>
@@ -8831,21 +8772,15 @@
             <a:pPr algn="ctr"/>
             <a:r>
               <a:rPr lang="en-US" dirty="0"/>
-              <a:t>BOSTON, </a:t>
+              <a:t>BOSTON, MASSACHUSETTS</a:t>
             </a:r>
-            <a:r>
-              <a:rPr lang="en-US" dirty="0" smtClean="0"/>
-              <a:t>MASSACHUSETTS</a:t>
-            </a:r>
-            <a:endParaRPr lang="en-US" dirty="0"/>
           </a:p>
           <a:p>
             <a:pPr algn="ctr"/>
             <a:r>
-              <a:rPr lang="en-US" dirty="0" smtClean="0"/>
+              <a:rPr lang="en-US" dirty="0"/>
               <a:t>APRIL 2017 </a:t>
             </a:r>
-            <a:endParaRPr lang="en-US" dirty="0"/>
           </a:p>
         </p:txBody>
       </p:sp>
@@ -8859,13 +8794,6 @@
   <p:clrMapOvr>
     <a:masterClrMapping/>
   </p:clrMapOvr>
-  <p:timing>
-    <p:tnLst>
-      <p:par>
-        <p:cTn id="1" dur="indefinite" restart="never" nodeType="tmRoot"/>
-      </p:par>
-    </p:tnLst>
-  </p:timing>
 </p:sld>
 </file>
 
@@ -8981,13 +8909,6 @@
       </p:transition>
     </mc:Fallback>
   </mc:AlternateContent>
-  <p:timing>
-    <p:tnLst>
-      <p:par>
-        <p:cTn id="1" dur="indefinite" restart="never" nodeType="tmRoot"/>
-      </p:par>
-    </p:tnLst>
-  </p:timing>
 </p:sld>
 </file>
 
@@ -9024,10 +8945,9 @@
           <a:lstStyle/>
           <a:p>
             <a:r>
-              <a:rPr lang="en-US" dirty="0" smtClean="0"/>
+              <a:rPr lang="en-US" dirty="0"/>
               <a:t>Assumptions</a:t>
             </a:r>
-            <a:endParaRPr lang="en-US" dirty="0"/>
           </a:p>
         </p:txBody>
       </p:sp>
@@ -9055,26 +8975,7 @@
               <a:buFont typeface="+mj-lt"/>
               <a:buAutoNum type="arabicPeriod"/>
             </a:pPr>
-            <a:endParaRPr lang="en-US" smtClean="0"/>
-          </a:p>
-          <a:p>
-            <a:pPr marL="457200" indent="-457200">
-              <a:buFont typeface="+mj-lt"/>
-              <a:buAutoNum type="arabicPeriod"/>
-            </a:pPr>
-            <a:r>
-              <a:rPr lang="en-US" dirty="0" smtClean="0"/>
-              <a:t>Each </a:t>
-            </a:r>
-            <a:r>
-              <a:rPr lang="en-US" dirty="0"/>
-              <a:t>firm maximizes the profits for each period </a:t>
-            </a:r>
-            <a:r>
-              <a:rPr lang="en-US" dirty="0" smtClean="0"/>
-              <a:t>separately. </a:t>
-            </a:r>
-            <a:endParaRPr lang="en-US" dirty="0"/>
+            <a:endParaRPr lang="en-US"/>
           </a:p>
           <a:p>
             <a:pPr marL="457200" indent="-457200">
@@ -9083,19 +8984,7 @@
             </a:pPr>
             <a:r>
               <a:rPr lang="en-US" dirty="0"/>
-              <a:t>T</a:t>
-            </a:r>
-            <a:r>
-              <a:rPr lang="en-US" dirty="0" smtClean="0"/>
-              <a:t>he </a:t>
-            </a:r>
-            <a:r>
-              <a:rPr lang="en-US" dirty="0"/>
-              <a:t>tax rate remains fixed for the duration of </a:t>
-            </a:r>
-            <a:r>
-              <a:rPr lang="en-US" dirty="0" smtClean="0"/>
-              <a:t>industrialization.</a:t>
+              <a:t>Each firm maximizes the profits for each period separately. </a:t>
             </a:r>
           </a:p>
           <a:p>
@@ -9104,7 +8993,17 @@
               <a:buAutoNum type="arabicPeriod"/>
             </a:pPr>
             <a:r>
-              <a:rPr lang="en-US" dirty="0" smtClean="0"/>
+              <a:rPr lang="en-US" dirty="0"/>
+              <a:t>The tax rate remains fixed for the duration of industrialization.</a:t>
+            </a:r>
+          </a:p>
+          <a:p>
+            <a:pPr marL="457200" indent="-457200">
+              <a:buFont typeface="+mj-lt"/>
+              <a:buAutoNum type="arabicPeriod"/>
+            </a:pPr>
+            <a:r>
+              <a:rPr lang="en-US" dirty="0"/>
               <a:t>Government maximizes output for the entire period of industrialization.</a:t>
             </a:r>
           </a:p>
@@ -9117,7 +9016,7 @@
           </a:p>
           <a:p>
             <a:r>
-              <a:rPr lang="en-US" dirty="0" smtClean="0"/>
+              <a:rPr lang="en-US" dirty="0"/>
               <a:t>Justification for assumptions 1 and 3: Private firms also consider long term in their strategies, however, their plans are not as long as gov’t specific policies to overhaul the economy which can span decades.</a:t>
             </a:r>
           </a:p>
@@ -9133,13 +9032,6 @@
   <p:clrMapOvr>
     <a:masterClrMapping/>
   </p:clrMapOvr>
-  <p:timing>
-    <p:tnLst>
-      <p:par>
-        <p:cTn id="1" dur="indefinite" restart="never" nodeType="tmRoot"/>
-      </p:par>
-    </p:tnLst>
-  </p:timing>
 </p:sld>
 </file>
 
@@ -9176,10 +9068,9 @@
           <a:lstStyle/>
           <a:p>
             <a:r>
-              <a:rPr lang="en-US" dirty="0" smtClean="0"/>
+              <a:rPr lang="en-US" dirty="0"/>
               <a:t>R&amp;D Sector</a:t>
             </a:r>
-            <a:endParaRPr lang="en-US" dirty="0"/>
           </a:p>
         </p:txBody>
       </p:sp>
@@ -9297,7 +9188,7 @@
           <a:lstStyle/>
           <a:p>
             <a:r>
-              <a:rPr lang="en-US" smtClean="0"/>
+              <a:rPr lang="en-US"/>
               <a:t>Primary Sectors</a:t>
             </a:r>
             <a:endParaRPr lang="en-US" dirty="0"/>
@@ -9452,10 +9343,9 @@
           <a:lstStyle/>
           <a:p>
             <a:r>
-              <a:rPr lang="en-US" dirty="0" smtClean="0"/>
+              <a:rPr lang="en-US" dirty="0"/>
               <a:t>Government</a:t>
             </a:r>
-            <a:endParaRPr lang="en-US" dirty="0"/>
           </a:p>
         </p:txBody>
       </p:sp>
@@ -9573,10 +9463,9 @@
           <a:lstStyle/>
           <a:p>
             <a:r>
-              <a:rPr lang="en-US" dirty="0" smtClean="0"/>
+              <a:rPr lang="en-US" dirty="0"/>
               <a:t>Solution for Special Form</a:t>
             </a:r>
-            <a:endParaRPr lang="en-US" dirty="0"/>
           </a:p>
         </p:txBody>
       </p:sp>
@@ -9718,10 +9607,9 @@
           <a:lstStyle/>
           <a:p>
             <a:r>
-              <a:rPr lang="en-US" dirty="0" smtClean="0"/>
+              <a:rPr lang="en-US" dirty="0"/>
               <a:t>Closed Economy Solution</a:t>
             </a:r>
-            <a:endParaRPr lang="en-US" dirty="0"/>
           </a:p>
         </p:txBody>
       </p:sp>
@@ -9755,13 +9643,6 @@
   <p:clrMapOvr>
     <a:masterClrMapping/>
   </p:clrMapOvr>
-  <p:timing>
-    <p:tnLst>
-      <p:par>
-        <p:cTn id="1" dur="indefinite" restart="never" nodeType="tmRoot"/>
-      </p:par>
-    </p:tnLst>
-  </p:timing>
 </p:sld>
 </file>
 
@@ -9798,10 +9679,9 @@
           <a:lstStyle/>
           <a:p>
             <a:r>
-              <a:rPr lang="en-US" dirty="0" smtClean="0"/>
+              <a:rPr lang="en-US" dirty="0"/>
               <a:t>Chapter 2</a:t>
             </a:r>
-            <a:endParaRPr lang="en-US" dirty="0"/>
           </a:p>
         </p:txBody>
       </p:sp>
@@ -9876,10 +9756,9 @@
           <a:lstStyle/>
           <a:p>
             <a:r>
-              <a:rPr lang="en-US" dirty="0" smtClean="0"/>
+              <a:rPr lang="en-US" dirty="0"/>
               <a:t>Supply Side</a:t>
             </a:r>
-            <a:endParaRPr lang="en-US" dirty="0"/>
           </a:p>
         </p:txBody>
       </p:sp>
@@ -9901,7 +9780,7 @@
               <a:lstStyle/>
               <a:p>
                 <a:r>
-                  <a:rPr lang="en-US" dirty="0" smtClean="0"/>
+                  <a:rPr lang="en-US" dirty="0"/>
                   <a:t>R &amp; D Sector:</a:t>
                 </a:r>
               </a:p>
@@ -9915,7 +9794,7 @@
                       <m:sSubPr>
                         <m:ctrlPr>
                           <a:rPr lang="en-US" i="1">
-                            <a:latin typeface="Cambria Math" charset="0"/>
+                            <a:latin typeface="Cambria Math" panose="02040503050406030204" pitchFamily="18" charset="0"/>
                           </a:rPr>
                         </m:ctrlPr>
                       </m:sSubPr>
@@ -9952,7 +9831,7 @@
                       <m:sSubPr>
                         <m:ctrlPr>
                           <a:rPr lang="en-US" i="1">
-                            <a:latin typeface="Cambria Math" charset="0"/>
+                            <a:latin typeface="Cambria Math" panose="02040503050406030204" pitchFamily="18" charset="0"/>
                           </a:rPr>
                         </m:ctrlPr>
                       </m:sSubPr>
@@ -9992,7 +9871,7 @@
                       <m:sSupPr>
                         <m:ctrlPr>
                           <a:rPr lang="en-US" i="1">
-                            <a:latin typeface="Cambria Math" charset="0"/>
+                            <a:latin typeface="Cambria Math" panose="02040503050406030204" pitchFamily="18" charset="0"/>
                           </a:rPr>
                         </m:ctrlPr>
                       </m:sSupPr>
@@ -10001,7 +9880,7 @@
                           <m:sSubPr>
                             <m:ctrlPr>
                               <a:rPr lang="en-US" i="1">
-                                <a:latin typeface="Cambria Math" charset="0"/>
+                                <a:latin typeface="Cambria Math" panose="02040503050406030204" pitchFamily="18" charset="0"/>
                               </a:rPr>
                             </m:ctrlPr>
                           </m:sSubPr>
@@ -10048,7 +9927,7 @@
                       <m:sSubPr>
                         <m:ctrlPr>
                           <a:rPr lang="en-US" i="1">
-                            <a:latin typeface="Cambria Math" charset="0"/>
+                            <a:latin typeface="Cambria Math" panose="02040503050406030204" pitchFamily="18" charset="0"/>
                           </a:rPr>
                         </m:ctrlPr>
                       </m:sSubPr>
@@ -10077,13 +9956,10 @@
                   </a:rPr>
                   <a:t> </a:t>
                 </a:r>
-                <a:endParaRPr lang="en-US" dirty="0" smtClean="0">
-                  <a:effectLst/>
-                </a:endParaRPr>
               </a:p>
               <a:p>
                 <a:r>
-                  <a:rPr lang="en-US" dirty="0" smtClean="0"/>
+                  <a:rPr lang="en-US" dirty="0"/>
                   <a:t>Manufacturing Sector:</a:t>
                 </a:r>
               </a:p>
@@ -10109,7 +9985,7 @@
                       <m:sSupPr>
                         <m:ctrlPr>
                           <a:rPr lang="en-US" i="1">
-                            <a:latin typeface="Cambria Math" charset="0"/>
+                            <a:latin typeface="Cambria Math" panose="02040503050406030204" pitchFamily="18" charset="0"/>
                           </a:rPr>
                         </m:ctrlPr>
                       </m:sSupPr>
@@ -10118,7 +9994,7 @@
                           <m:sSubPr>
                             <m:ctrlPr>
                               <a:rPr lang="en-US" i="1">
-                                <a:latin typeface="Cambria Math" charset="0"/>
+                                <a:latin typeface="Cambria Math" panose="02040503050406030204" pitchFamily="18" charset="0"/>
                               </a:rPr>
                             </m:ctrlPr>
                           </m:sSubPr>
@@ -10165,7 +10041,7 @@
                       <m:sSupPr>
                         <m:ctrlPr>
                           <a:rPr lang="en-US" i="1">
-                            <a:latin typeface="Cambria Math" charset="0"/>
+                            <a:latin typeface="Cambria Math" panose="02040503050406030204" pitchFamily="18" charset="0"/>
                           </a:rPr>
                         </m:ctrlPr>
                       </m:sSupPr>
@@ -10174,7 +10050,7 @@
                           <m:sSubPr>
                             <m:ctrlPr>
                               <a:rPr lang="en-US" i="1">
-                                <a:latin typeface="Cambria Math" charset="0"/>
+                                <a:latin typeface="Cambria Math" panose="02040503050406030204" pitchFamily="18" charset="0"/>
                               </a:rPr>
                             </m:ctrlPr>
                           </m:sSubPr>
@@ -10223,7 +10099,7 @@
                         <m:grow m:val="on"/>
                         <m:ctrlPr>
                           <a:rPr lang="en-US" i="1">
-                            <a:latin typeface="Cambria Math" charset="0"/>
+                            <a:latin typeface="Cambria Math" panose="02040503050406030204" pitchFamily="18" charset="0"/>
                           </a:rPr>
                         </m:ctrlPr>
                       </m:naryPr>
@@ -10246,7 +10122,7 @@
                           <m:sSubPr>
                             <m:ctrlPr>
                               <a:rPr lang="en-US" i="1">
-                                <a:latin typeface="Cambria Math" charset="0"/>
+                                <a:latin typeface="Cambria Math" panose="02040503050406030204" pitchFamily="18" charset="0"/>
                               </a:rPr>
                             </m:ctrlPr>
                           </m:sSubPr>
@@ -10273,7 +10149,7 @@
                           <m:sSubPr>
                             <m:ctrlPr>
                               <a:rPr lang="en-US" i="1">
-                                <a:latin typeface="Cambria Math" charset="0"/>
+                                <a:latin typeface="Cambria Math" panose="02040503050406030204" pitchFamily="18" charset="0"/>
                               </a:rPr>
                             </m:ctrlPr>
                           </m:sSubPr>
@@ -10304,13 +10180,10 @@
                   </a:rPr>
                   <a:t> </a:t>
                 </a:r>
-                <a:endParaRPr lang="en-US" dirty="0" smtClean="0">
-                  <a:effectLst/>
-                </a:endParaRPr>
               </a:p>
               <a:p>
                 <a:r>
-                  <a:rPr lang="en-US" dirty="0" smtClean="0"/>
+                  <a:rPr lang="en-US" dirty="0"/>
                   <a:t>Product Maximizing Firms:</a:t>
                 </a:r>
               </a:p>
@@ -10324,7 +10197,7 @@
                       <m:sSubPr>
                         <m:ctrlPr>
                           <a:rPr lang="en-US" sz="2000" i="1">
-                            <a:latin typeface="Cambria Math" charset="0"/>
+                            <a:latin typeface="Cambria Math" panose="02040503050406030204" pitchFamily="18" charset="0"/>
                           </a:rPr>
                         </m:ctrlPr>
                       </m:sSubPr>
@@ -10370,7 +10243,7 @@
                       <m:sSubPr>
                         <m:ctrlPr>
                           <a:rPr lang="en-US" sz="2000" i="1">
-                            <a:latin typeface="Cambria Math" charset="0"/>
+                            <a:latin typeface="Cambria Math" panose="02040503050406030204" pitchFamily="18" charset="0"/>
                           </a:rPr>
                         </m:ctrlPr>
                       </m:sSubPr>
@@ -10403,7 +10276,7 @@
                         <m:endChr m:val="]"/>
                         <m:ctrlPr>
                           <a:rPr lang="en-US" sz="2000" i="1">
-                            <a:latin typeface="Cambria Math" charset="0"/>
+                            <a:latin typeface="Cambria Math" panose="02040503050406030204" pitchFamily="18" charset="0"/>
                           </a:rPr>
                         </m:ctrlPr>
                       </m:dPr>
@@ -10412,7 +10285,7 @@
                           <m:sSubPr>
                             <m:ctrlPr>
                               <a:rPr lang="en-US" sz="2000" i="1">
-                                <a:latin typeface="Cambria Math" charset="0"/>
+                                <a:latin typeface="Cambria Math" panose="02040503050406030204" pitchFamily="18" charset="0"/>
                               </a:rPr>
                             </m:ctrlPr>
                           </m:sSubPr>
@@ -10449,7 +10322,7 @@
                           <m:sSupPr>
                             <m:ctrlPr>
                               <a:rPr lang="en-US" sz="2000" i="1">
-                                <a:latin typeface="Cambria Math" charset="0"/>
+                                <a:latin typeface="Cambria Math" panose="02040503050406030204" pitchFamily="18" charset="0"/>
                               </a:rPr>
                             </m:ctrlPr>
                           </m:sSupPr>
@@ -10458,7 +10331,7 @@
                               <m:sSubPr>
                                 <m:ctrlPr>
                                   <a:rPr lang="en-US" sz="2000" i="1">
-                                    <a:latin typeface="Cambria Math" charset="0"/>
+                                    <a:latin typeface="Cambria Math" panose="02040503050406030204" pitchFamily="18" charset="0"/>
                                   </a:rPr>
                                 </m:ctrlPr>
                               </m:sSubPr>
@@ -10505,7 +10378,7 @@
                           <m:sSupPr>
                             <m:ctrlPr>
                               <a:rPr lang="en-US" sz="2000" i="1">
-                                <a:latin typeface="Cambria Math" charset="0"/>
+                                <a:latin typeface="Cambria Math" panose="02040503050406030204" pitchFamily="18" charset="0"/>
                               </a:rPr>
                             </m:ctrlPr>
                           </m:sSupPr>
@@ -10514,7 +10387,7 @@
                               <m:sSubPr>
                                 <m:ctrlPr>
                                   <a:rPr lang="en-US" sz="2000" i="1">
-                                    <a:latin typeface="Cambria Math" charset="0"/>
+                                    <a:latin typeface="Cambria Math" panose="02040503050406030204" pitchFamily="18" charset="0"/>
                                   </a:rPr>
                                 </m:ctrlPr>
                               </m:sSubPr>
@@ -10563,7 +10436,7 @@
                             <m:grow m:val="on"/>
                             <m:ctrlPr>
                               <a:rPr lang="en-US" sz="2000" i="1">
-                                <a:latin typeface="Cambria Math" charset="0"/>
+                                <a:latin typeface="Cambria Math" panose="02040503050406030204" pitchFamily="18" charset="0"/>
                               </a:rPr>
                             </m:ctrlPr>
                           </m:naryPr>
@@ -10586,7 +10459,7 @@
                               <m:sSubPr>
                                 <m:ctrlPr>
                                   <a:rPr lang="en-US" sz="2000" i="1">
-                                    <a:latin typeface="Cambria Math" charset="0"/>
+                                    <a:latin typeface="Cambria Math" panose="02040503050406030204" pitchFamily="18" charset="0"/>
                                   </a:rPr>
                                 </m:ctrlPr>
                               </m:sSubPr>
@@ -10613,7 +10486,7 @@
                               <m:sSupPr>
                                 <m:ctrlPr>
                                   <a:rPr lang="en-US" sz="2000" i="1">
-                                    <a:latin typeface="Cambria Math" charset="0"/>
+                                    <a:latin typeface="Cambria Math" panose="02040503050406030204" pitchFamily="18" charset="0"/>
                                   </a:rPr>
                                 </m:ctrlPr>
                               </m:sSupPr>
@@ -10622,7 +10495,7 @@
                                   <m:sSubPr>
                                     <m:ctrlPr>
                                       <a:rPr lang="en-US" sz="2000" i="1">
-                                        <a:latin typeface="Cambria Math" charset="0"/>
+                                        <a:latin typeface="Cambria Math" panose="02040503050406030204" pitchFamily="18" charset="0"/>
                                       </a:rPr>
                                     </m:ctrlPr>
                                   </m:sSubPr>
@@ -10665,7 +10538,7 @@
                           <m:sSubPr>
                             <m:ctrlPr>
                               <a:rPr lang="en-US" sz="2000" i="1">
-                                <a:latin typeface="Cambria Math" charset="0"/>
+                                <a:latin typeface="Cambria Math" panose="02040503050406030204" pitchFamily="18" charset="0"/>
                               </a:rPr>
                             </m:ctrlPr>
                           </m:sSubPr>
@@ -10690,7 +10563,7 @@
                           <m:sSubPr>
                             <m:ctrlPr>
                               <a:rPr lang="en-US" sz="2000" i="1">
-                                <a:latin typeface="Cambria Math" charset="0"/>
+                                <a:latin typeface="Cambria Math" panose="02040503050406030204" pitchFamily="18" charset="0"/>
                               </a:rPr>
                             </m:ctrlPr>
                           </m:sSubPr>
@@ -10733,7 +10606,7 @@
                           <m:sSubPr>
                             <m:ctrlPr>
                               <a:rPr lang="en-US" sz="2000" i="1">
-                                <a:latin typeface="Cambria Math" charset="0"/>
+                                <a:latin typeface="Cambria Math" panose="02040503050406030204" pitchFamily="18" charset="0"/>
                               </a:rPr>
                             </m:ctrlPr>
                           </m:sSubPr>
@@ -10758,7 +10631,7 @@
                           <m:sSubPr>
                             <m:ctrlPr>
                               <a:rPr lang="en-US" sz="2000" i="1">
-                                <a:latin typeface="Cambria Math" charset="0"/>
+                                <a:latin typeface="Cambria Math" panose="02040503050406030204" pitchFamily="18" charset="0"/>
                               </a:rPr>
                             </m:ctrlPr>
                           </m:sSubPr>
@@ -10803,7 +10676,7 @@
                             <m:grow m:val="on"/>
                             <m:ctrlPr>
                               <a:rPr lang="en-US" sz="2000" i="1">
-                                <a:latin typeface="Cambria Math" charset="0"/>
+                                <a:latin typeface="Cambria Math" panose="02040503050406030204" pitchFamily="18" charset="0"/>
                               </a:rPr>
                             </m:ctrlPr>
                           </m:naryPr>
@@ -10826,7 +10699,7 @@
                               <m:sSubPr>
                                 <m:ctrlPr>
                                   <a:rPr lang="en-US" sz="2000" i="1">
-                                    <a:latin typeface="Cambria Math" charset="0"/>
+                                    <a:latin typeface="Cambria Math" panose="02040503050406030204" pitchFamily="18" charset="0"/>
                                   </a:rPr>
                                 </m:ctrlPr>
                               </m:sSubPr>
@@ -10853,7 +10726,7 @@
                               <m:sSubPr>
                                 <m:ctrlPr>
                                   <a:rPr lang="en-US" sz="2000" i="1">
-                                    <a:latin typeface="Cambria Math" charset="0"/>
+                                    <a:latin typeface="Cambria Math" panose="02040503050406030204" pitchFamily="18" charset="0"/>
                                   </a:rPr>
                                 </m:ctrlPr>
                               </m:sSubPr>
@@ -10862,7 +10735,7 @@
                                   <m:sSubPr>
                                     <m:ctrlPr>
                                       <a:rPr lang="en-US" sz="2000" i="1">
-                                        <a:latin typeface="Cambria Math" charset="0"/>
+                                        <a:latin typeface="Cambria Math" panose="02040503050406030204" pitchFamily="18" charset="0"/>
                                       </a:rPr>
                                     </m:ctrlPr>
                                   </m:sSubPr>
@@ -10925,7 +10798,7 @@
                             <m:grow m:val="on"/>
                             <m:ctrlPr>
                               <a:rPr lang="en-US" sz="2000" i="1">
-                                <a:latin typeface="Cambria Math" charset="0"/>
+                                <a:latin typeface="Cambria Math" panose="02040503050406030204" pitchFamily="18" charset="0"/>
                               </a:rPr>
                             </m:ctrlPr>
                           </m:naryPr>
@@ -10948,7 +10821,7 @@
                               <m:sSubPr>
                                 <m:ctrlPr>
                                   <a:rPr lang="en-US" sz="2000" i="1">
-                                    <a:latin typeface="Cambria Math" charset="0"/>
+                                    <a:latin typeface="Cambria Math" panose="02040503050406030204" pitchFamily="18" charset="0"/>
                                   </a:rPr>
                                 </m:ctrlPr>
                               </m:sSubPr>
@@ -10975,7 +10848,7 @@
                               <m:sSubPr>
                                 <m:ctrlPr>
                                   <a:rPr lang="en-US" sz="2000" i="1">
-                                    <a:latin typeface="Cambria Math" charset="0"/>
+                                    <a:latin typeface="Cambria Math" panose="02040503050406030204" pitchFamily="18" charset="0"/>
                                   </a:rPr>
                                 </m:ctrlPr>
                               </m:sSubPr>
@@ -10984,7 +10857,7 @@
                                   <m:sSubPr>
                                     <m:ctrlPr>
                                       <a:rPr lang="en-US" sz="2000" i="1">
-                                        <a:latin typeface="Cambria Math" charset="0"/>
+                                        <a:latin typeface="Cambria Math" panose="02040503050406030204" pitchFamily="18" charset="0"/>
                                       </a:rPr>
                                     </m:ctrlPr>
                                   </m:sSubPr>
@@ -11009,7 +10882,7 @@
                                   <m:sSubPr>
                                     <m:ctrlPr>
                                       <a:rPr lang="en-US" sz="2000" i="1">
-                                        <a:latin typeface="Cambria Math" charset="0"/>
+                                        <a:latin typeface="Cambria Math" panose="02040503050406030204" pitchFamily="18" charset="0"/>
                                       </a:rPr>
                                     </m:ctrlPr>
                                   </m:sSubPr>
@@ -11070,7 +10943,7 @@
                   </a:rPr>
                   <a:t> </a:t>
                 </a:r>
-                <a:endParaRPr lang="en-US" dirty="0" smtClean="0"/>
+                <a:endParaRPr lang="en-US" dirty="0"/>
               </a:p>
             </p:txBody>
           </p:sp>
@@ -11119,13 +10992,6 @@
   <p:clrMapOvr>
     <a:masterClrMapping/>
   </p:clrMapOvr>
-  <p:timing>
-    <p:tnLst>
-      <p:par>
-        <p:cTn id="1" dur="indefinite" restart="never" nodeType="tmRoot"/>
-      </p:par>
-    </p:tnLst>
-  </p:timing>
 </p:sld>
 </file>
 
@@ -11162,10 +11028,9 @@
           <a:lstStyle/>
           <a:p>
             <a:r>
-              <a:rPr lang="en-US" dirty="0" smtClean="0"/>
+              <a:rPr lang="en-US" dirty="0"/>
               <a:t>Two Effective Subsidy Level Propositions</a:t>
             </a:r>
-            <a:endParaRPr lang="en-US" dirty="0"/>
           </a:p>
         </p:txBody>
       </p:sp>
@@ -11191,12 +11056,12 @@
           <a:graphicData uri="http://schemas.openxmlformats.org/presentationml/2006/ole">
             <mc:AlternateContent xmlns:mc="http://schemas.openxmlformats.org/markup-compatibility/2006">
               <mc:Choice xmlns:v="urn:schemas-microsoft-com:vml" Requires="v">
-                <p:oleObj spid="_x0000_s1196" name="Document" r:id="rId4" imgW="5943600" imgH="1625600" progId="Word.Document.12">
+                <p:oleObj spid="_x0000_s1197" name="Document" r:id="rId3" imgW="5943600" imgH="1625600" progId="Word.Document.12">
                   <p:embed/>
                 </p:oleObj>
               </mc:Choice>
               <mc:Fallback>
-                <p:oleObj name="Document" r:id="rId4" imgW="5943600" imgH="1625600" progId="Word.Document.12">
+                <p:oleObj name="Document" r:id="rId3" imgW="5943600" imgH="1625600" progId="Word.Document.12">
                   <p:embed/>
                   <p:pic>
                     <p:nvPicPr>
@@ -11205,7 +11070,7 @@
                       <p:nvPr/>
                     </p:nvPicPr>
                     <p:blipFill>
-                      <a:blip r:embed="rId5"/>
+                      <a:blip r:embed="rId4"/>
                       <a:stretch>
                         <a:fillRect/>
                       </a:stretch>
@@ -11250,7 +11115,7 @@
               <a:buNone/>
             </a:pPr>
             <a:r>
-              <a:rPr lang="en-US" u="sng" dirty="0" smtClean="0"/>
+              <a:rPr lang="en-US" u="sng" dirty="0"/>
               <a:t>Effective Subsidy Level</a:t>
             </a:r>
           </a:p>
@@ -11259,7 +11124,7 @@
               <a:buNone/>
             </a:pPr>
             <a:r>
-              <a:rPr lang="en-US" dirty="0" smtClean="0"/>
+              <a:rPr lang="en-US" dirty="0"/>
               <a:t>A level of subsidy that equates the marginal revenue of innovation to its cost.</a:t>
             </a:r>
           </a:p>
@@ -11274,7 +11139,7 @@
           <p:nvPr/>
         </p:nvPicPr>
         <p:blipFill>
-          <a:blip r:embed="rId6"/>
+          <a:blip r:embed="rId5"/>
           <a:stretch>
             <a:fillRect/>
           </a:stretch>
@@ -11299,13 +11164,6 @@
   <p:clrMapOvr>
     <a:masterClrMapping/>
   </p:clrMapOvr>
-  <p:timing>
-    <p:tnLst>
-      <p:par>
-        <p:cTn id="1" dur="indefinite" restart="never" nodeType="tmRoot"/>
-      </p:par>
-    </p:tnLst>
-  </p:timing>
 </p:sld>
 </file>
 
@@ -11347,10 +11205,9 @@
           <a:lstStyle/>
           <a:p>
             <a:r>
-              <a:rPr lang="en-US" dirty="0" smtClean="0"/>
+              <a:rPr lang="en-US" dirty="0"/>
               <a:t>Outline</a:t>
             </a:r>
-            <a:endParaRPr lang="en-US" dirty="0"/>
           </a:p>
         </p:txBody>
       </p:sp>
@@ -11372,18 +11229,14 @@
           <a:lstStyle/>
           <a:p>
             <a:r>
-              <a:rPr lang="en-US" dirty="0" smtClean="0"/>
+              <a:rPr lang="en-US" dirty="0"/>
               <a:t>Introduction</a:t>
             </a:r>
           </a:p>
           <a:p>
             <a:r>
-              <a:rPr lang="en-US" dirty="0" smtClean="0"/>
-              <a:t>Chapter </a:t>
-            </a:r>
-            <a:r>
               <a:rPr lang="en-US" dirty="0"/>
-              <a:t>1: Supply Side Dynamics in Closed Developing Economies</a:t>
+              <a:t>Chapter 1: Supply Side Dynamics in Closed Developing Economies</a:t>
             </a:r>
           </a:p>
           <a:p>
@@ -11518,13 +11371,6 @@
       </p:transition>
     </mc:Fallback>
   </mc:AlternateContent>
-  <p:timing>
-    <p:tnLst>
-      <p:par>
-        <p:cTn id="1" dur="indefinite" restart="never" nodeType="tmRoot"/>
-      </p:par>
-    </p:tnLst>
-  </p:timing>
 </p:sld>
 </file>
 
@@ -11561,10 +11407,9 @@
           <a:lstStyle/>
           <a:p>
             <a:r>
-              <a:rPr lang="en-US" dirty="0" smtClean="0"/>
+              <a:rPr lang="en-US" dirty="0"/>
               <a:t>Supply Side Model</a:t>
             </a:r>
-            <a:endParaRPr lang="en-US" dirty="0"/>
           </a:p>
         </p:txBody>
       </p:sp>
@@ -11682,10 +11527,9 @@
           <a:lstStyle/>
           <a:p>
             <a:r>
-              <a:rPr lang="en-US" dirty="0" smtClean="0"/>
+              <a:rPr lang="en-US" dirty="0"/>
               <a:t>Supply Side Solution</a:t>
             </a:r>
-            <a:endParaRPr lang="en-US" dirty="0"/>
           </a:p>
         </p:txBody>
       </p:sp>
@@ -11709,7 +11553,7 @@
               <a:lstStyle/>
               <a:p>
                 <a:r>
-                  <a:rPr lang="en-US" dirty="0" smtClean="0"/>
+                  <a:rPr lang="en-US" dirty="0"/>
                   <a:t>Division of Labor:</a:t>
                 </a:r>
               </a:p>
@@ -11721,7 +11565,7 @@
                       <m:sSubSupPr>
                         <m:ctrlPr>
                           <a:rPr lang="en-US" i="1" smtClean="0">
-                            <a:latin typeface="Cambria Math" charset="0"/>
+                            <a:latin typeface="Cambria Math" panose="02040503050406030204" pitchFamily="18" charset="0"/>
                           </a:rPr>
                         </m:ctrlPr>
                       </m:sSubSupPr>
@@ -11730,7 +11574,7 @@
                           <m:sSubPr>
                             <m:ctrlPr>
                               <a:rPr lang="en-US" i="1" smtClean="0">
-                                <a:latin typeface="Cambria Math" charset="0"/>
+                                <a:latin typeface="Cambria Math" panose="02040503050406030204" pitchFamily="18" charset="0"/>
                               </a:rPr>
                             </m:ctrlPr>
                           </m:sSubPr>
@@ -11821,11 +11665,7 @@
                 </a:r>
                 <a:r>
                   <a:rPr lang="en-US" dirty="0"/>
-                  <a:t> </a:t>
-                </a:r>
-                <a:r>
-                  <a:rPr lang="en-US" dirty="0" smtClean="0"/>
-                  <a:t>where </a:t>
+                  <a:t> where </a:t>
                 </a:r>
                 <a14:m>
                   <m:oMath xmlns:m="http://schemas.openxmlformats.org/officeDocument/2006/math">
@@ -11845,7 +11685,7 @@
                       <m:fPr>
                         <m:ctrlPr>
                           <a:rPr lang="en-US" i="1">
-                            <a:latin typeface="Cambria Math" charset="0"/>
+                            <a:latin typeface="Cambria Math" panose="02040503050406030204" pitchFamily="18" charset="0"/>
                           </a:rPr>
                         </m:ctrlPr>
                       </m:fPr>
@@ -11866,7 +11706,7 @@
                           <m:sSubPr>
                             <m:ctrlPr>
                               <a:rPr lang="en-US" i="1">
-                                <a:latin typeface="Cambria Math" charset="0"/>
+                                <a:latin typeface="Cambria Math" panose="02040503050406030204" pitchFamily="18" charset="0"/>
                               </a:rPr>
                             </m:ctrlPr>
                           </m:sSubPr>
@@ -11905,7 +11745,7 @@
                           <m:dPr>
                             <m:ctrlPr>
                               <a:rPr lang="en-US" i="1">
-                                <a:latin typeface="Cambria Math" charset="0"/>
+                                <a:latin typeface="Cambria Math" panose="02040503050406030204" pitchFamily="18" charset="0"/>
                               </a:rPr>
                             </m:ctrlPr>
                           </m:dPr>
@@ -11940,9 +11780,6 @@
                   </a:rPr>
                   <a:t> </a:t>
                 </a:r>
-                <a:endParaRPr lang="en-US" dirty="0" smtClean="0">
-                  <a:effectLst/>
-                </a:endParaRPr>
               </a:p>
               <a:p>
                 <a:pPr algn="ctr"/>
@@ -11976,7 +11813,7 @@
                       <m:sSubPr>
                         <m:ctrlPr>
                           <a:rPr lang="en-US" sz="1400" i="1">
-                            <a:latin typeface="Cambria Math" charset="0"/>
+                            <a:latin typeface="Cambria Math" panose="02040503050406030204" pitchFamily="18" charset="0"/>
                           </a:rPr>
                         </m:ctrlPr>
                       </m:sSubPr>
@@ -12022,7 +11859,7 @@
                       <m:sSupPr>
                         <m:ctrlPr>
                           <a:rPr lang="en-US" sz="1400" i="1">
-                            <a:latin typeface="Cambria Math" charset="0"/>
+                            <a:latin typeface="Cambria Math" panose="02040503050406030204" pitchFamily="18" charset="0"/>
                           </a:rPr>
                         </m:ctrlPr>
                       </m:sSupPr>
@@ -12031,7 +11868,7 @@
                           <m:dPr>
                             <m:ctrlPr>
                               <a:rPr lang="en-US" sz="1400" i="1">
-                                <a:latin typeface="Cambria Math" charset="0"/>
+                                <a:latin typeface="Cambria Math" panose="02040503050406030204" pitchFamily="18" charset="0"/>
                               </a:rPr>
                             </m:ctrlPr>
                           </m:dPr>
@@ -12040,7 +11877,7 @@
                               <m:fPr>
                                 <m:ctrlPr>
                                   <a:rPr lang="en-US" sz="1400" i="1">
-                                    <a:latin typeface="Cambria Math" charset="0"/>
+                                    <a:latin typeface="Cambria Math" panose="02040503050406030204" pitchFamily="18" charset="0"/>
                                   </a:rPr>
                                 </m:ctrlPr>
                               </m:fPr>
@@ -12050,7 +11887,7 @@
                                     <m:degHide m:val="on"/>
                                     <m:ctrlPr>
                                       <a:rPr lang="en-US" sz="1400" i="1">
-                                        <a:latin typeface="Cambria Math" charset="0"/>
+                                        <a:latin typeface="Cambria Math" panose="02040503050406030204" pitchFamily="18" charset="0"/>
                                       </a:rPr>
                                     </m:ctrlPr>
                                   </m:radPr>
@@ -12060,7 +11897,7 @@
                                       <m:sSupPr>
                                         <m:ctrlPr>
                                           <a:rPr lang="en-US" sz="1400" i="1">
-                                            <a:latin typeface="Cambria Math" charset="0"/>
+                                            <a:latin typeface="Cambria Math" panose="02040503050406030204" pitchFamily="18" charset="0"/>
                                           </a:rPr>
                                         </m:ctrlPr>
                                       </m:sSupPr>
@@ -12131,19 +11968,19 @@
                     </m:sSup>
                   </m:oMath>
                 </a14:m>
-                <a:endParaRPr lang="en-US" sz="1400" dirty="0" smtClean="0">
+                <a:endParaRPr lang="en-US" sz="1400" dirty="0">
                   <a:effectLst/>
                 </a:endParaRPr>
               </a:p>
               <a:p>
                 <a:pPr algn="ctr"/>
-                <a:endParaRPr lang="en-US" sz="1400" dirty="0" smtClean="0">
+                <a:endParaRPr lang="en-US" sz="1400" dirty="0">
                   <a:effectLst/>
                 </a:endParaRPr>
               </a:p>
               <a:p>
                 <a:r>
-                  <a:rPr lang="en-US" dirty="0" smtClean="0"/>
+                  <a:rPr lang="en-US" dirty="0"/>
                   <a:t>Firm Output:</a:t>
                 </a:r>
               </a:p>
@@ -12155,7 +11992,7 @@
                       <m:sSubPr>
                         <m:ctrlPr>
                           <a:rPr lang="en-US" i="1">
-                            <a:latin typeface="Cambria Math" charset="0"/>
+                            <a:latin typeface="Cambria Math" panose="02040503050406030204" pitchFamily="18" charset="0"/>
                           </a:rPr>
                         </m:ctrlPr>
                       </m:sSubPr>
@@ -12189,7 +12026,7 @@
                       <m:sSubPr>
                         <m:ctrlPr>
                           <a:rPr lang="en-US" i="1">
-                            <a:latin typeface="Cambria Math" charset="0"/>
+                            <a:latin typeface="Cambria Math" panose="02040503050406030204" pitchFamily="18" charset="0"/>
                           </a:rPr>
                         </m:ctrlPr>
                       </m:sSubPr>
@@ -12214,7 +12051,7 @@
                       <m:sSupPr>
                         <m:ctrlPr>
                           <a:rPr lang="en-US" i="1">
-                            <a:latin typeface="Cambria Math" charset="0"/>
+                            <a:latin typeface="Cambria Math" panose="02040503050406030204" pitchFamily="18" charset="0"/>
                           </a:rPr>
                         </m:ctrlPr>
                       </m:sSupPr>
@@ -12223,7 +12060,7 @@
                           <m:sSubPr>
                             <m:ctrlPr>
                               <a:rPr lang="en-US" i="1">
-                                <a:latin typeface="Cambria Math" charset="0"/>
+                                <a:latin typeface="Cambria Math" panose="02040503050406030204" pitchFamily="18" charset="0"/>
                               </a:rPr>
                             </m:ctrlPr>
                           </m:sSubPr>
@@ -12258,7 +12095,7 @@
                       <m:sSupPr>
                         <m:ctrlPr>
                           <a:rPr lang="en-US" i="1">
-                            <a:latin typeface="Cambria Math" charset="0"/>
+                            <a:latin typeface="Cambria Math" panose="02040503050406030204" pitchFamily="18" charset="0"/>
                           </a:rPr>
                         </m:ctrlPr>
                       </m:sSupPr>
@@ -12267,7 +12104,7 @@
                           <m:sSubPr>
                             <m:ctrlPr>
                               <a:rPr lang="en-US" i="1">
-                                <a:latin typeface="Cambria Math" charset="0"/>
+                                <a:latin typeface="Cambria Math" panose="02040503050406030204" pitchFamily="18" charset="0"/>
                               </a:rPr>
                             </m:ctrlPr>
                           </m:sSubPr>
@@ -12317,7 +12154,7 @@
                       <m:sSupPr>
                         <m:ctrlPr>
                           <a:rPr lang="en-US" i="1">
-                            <a:latin typeface="Cambria Math" charset="0"/>
+                            <a:latin typeface="Cambria Math" panose="02040503050406030204" pitchFamily="18" charset="0"/>
                           </a:rPr>
                         </m:ctrlPr>
                       </m:sSupPr>
@@ -12326,7 +12163,7 @@
                           <m:sSubPr>
                             <m:ctrlPr>
                               <a:rPr lang="en-US" i="1">
-                                <a:latin typeface="Cambria Math" charset="0"/>
+                                <a:latin typeface="Cambria Math" panose="02040503050406030204" pitchFamily="18" charset="0"/>
                               </a:rPr>
                             </m:ctrlPr>
                           </m:sSubPr>
@@ -12378,15 +12215,9 @@
                   <a:rPr lang="en-US" dirty="0">
                     <a:effectLst/>
                   </a:rPr>
-                  <a:t> </a:t>
+                  <a:t>  </a:t>
                 </a:r>
-                <a:r>
-                  <a:rPr lang="en-US" dirty="0" smtClean="0">
-                    <a:effectLst/>
-                  </a:rPr>
-                  <a:t> </a:t>
-                </a:r>
-                <a:endParaRPr lang="en-US" dirty="0" smtClean="0"/>
+                <a:endParaRPr lang="en-US" dirty="0"/>
               </a:p>
               <a:p>
                 <a:pPr marL="0" indent="0" algn="ctr">
@@ -12413,7 +12244,7 @@
                       <m:fPr>
                         <m:ctrlPr>
                           <a:rPr lang="en-US" i="1">
-                            <a:latin typeface="Cambria Math" charset="0"/>
+                            <a:latin typeface="Cambria Math" panose="02040503050406030204" pitchFamily="18" charset="0"/>
                           </a:rPr>
                         </m:ctrlPr>
                       </m:fPr>
@@ -12464,7 +12295,7 @@
                       <m:fPr>
                         <m:ctrlPr>
                           <a:rPr lang="en-US" i="1">
-                            <a:latin typeface="Cambria Math" charset="0"/>
+                            <a:latin typeface="Cambria Math" panose="02040503050406030204" pitchFamily="18" charset="0"/>
                           </a:rPr>
                         </m:ctrlPr>
                       </m:fPr>
@@ -12503,7 +12334,7 @@
                       <m:sSubPr>
                         <m:ctrlPr>
                           <a:rPr lang="en-US" i="1">
-                            <a:latin typeface="Cambria Math" charset="0"/>
+                            <a:latin typeface="Cambria Math" panose="02040503050406030204" pitchFamily="18" charset="0"/>
                           </a:rPr>
                         </m:ctrlPr>
                       </m:sSubPr>
@@ -12534,7 +12365,7 @@
                       <m:sSupPr>
                         <m:ctrlPr>
                           <a:rPr lang="en-US" i="1">
-                            <a:latin typeface="Cambria Math" charset="0"/>
+                            <a:latin typeface="Cambria Math" panose="02040503050406030204" pitchFamily="18" charset="0"/>
                           </a:rPr>
                         </m:ctrlPr>
                       </m:sSupPr>
@@ -12545,7 +12376,7 @@
                             <m:endChr m:val="]"/>
                             <m:ctrlPr>
                               <a:rPr lang="en-US" i="1">
-                                <a:latin typeface="Cambria Math" charset="0"/>
+                                <a:latin typeface="Cambria Math" panose="02040503050406030204" pitchFamily="18" charset="0"/>
                               </a:rPr>
                             </m:ctrlPr>
                           </m:dPr>
@@ -12554,7 +12385,7 @@
                               <m:fPr>
                                 <m:ctrlPr>
                                   <a:rPr lang="en-US" i="1">
-                                    <a:latin typeface="Cambria Math" charset="0"/>
+                                    <a:latin typeface="Cambria Math" panose="02040503050406030204" pitchFamily="18" charset="0"/>
                                   </a:rPr>
                                 </m:ctrlPr>
                               </m:fPr>
@@ -12563,7 +12394,7 @@
                                   <m:sSupPr>
                                     <m:ctrlPr>
                                       <a:rPr lang="en-US" i="1">
-                                        <a:latin typeface="Cambria Math" charset="0"/>
+                                        <a:latin typeface="Cambria Math" panose="02040503050406030204" pitchFamily="18" charset="0"/>
                                       </a:rPr>
                                     </m:ctrlPr>
                                   </m:sSupPr>
@@ -12588,7 +12419,7 @@
                                   <m:sSubPr>
                                     <m:ctrlPr>
                                       <a:rPr lang="en-US" i="1">
-                                        <a:latin typeface="Cambria Math" charset="0"/>
+                                        <a:latin typeface="Cambria Math" panose="02040503050406030204" pitchFamily="18" charset="0"/>
                                       </a:rPr>
                                     </m:ctrlPr>
                                   </m:sSubPr>
@@ -12633,7 +12464,7 @@
                                   <m:sSubPr>
                                     <m:ctrlPr>
                                       <a:rPr lang="en-US" i="1">
-                                        <a:latin typeface="Cambria Math" charset="0"/>
+                                        <a:latin typeface="Cambria Math" panose="02040503050406030204" pitchFamily="18" charset="0"/>
                                       </a:rPr>
                                     </m:ctrlPr>
                                   </m:sSubPr>
@@ -12682,7 +12513,7 @@
                           <m:fPr>
                             <m:ctrlPr>
                               <a:rPr lang="en-US" i="1">
-                                <a:latin typeface="Cambria Math" charset="0"/>
+                                <a:latin typeface="Cambria Math" panose="02040503050406030204" pitchFamily="18" charset="0"/>
                               </a:rPr>
                             </m:ctrlPr>
                           </m:fPr>
@@ -12717,13 +12548,7 @@
                   <a:rPr lang="en-US" dirty="0">
                     <a:effectLst/>
                   </a:rPr>
-                  <a:t> </a:t>
-                </a:r>
-                <a:r>
-                  <a:rPr lang="en-US" dirty="0" smtClean="0">
-                    <a:effectLst/>
-                  </a:rPr>
-                  <a:t> </a:t>
+                  <a:t>  </a:t>
                 </a:r>
               </a:p>
               <a:p>
@@ -12731,7 +12556,7 @@
                   <a:buNone/>
                 </a:pPr>
                 <a:r>
-                  <a:rPr lang="en-US" dirty="0" smtClean="0">
+                  <a:rPr lang="en-US" dirty="0">
                     <a:effectLst/>
                   </a:rPr>
                   <a:t>Supply Side Growth:</a:t>
@@ -12745,7 +12570,7 @@
                       <m:sSubPr>
                         <m:ctrlPr>
                           <a:rPr lang="en-US" i="1">
-                            <a:latin typeface="Cambria Math" charset="0"/>
+                            <a:latin typeface="Cambria Math" panose="02040503050406030204" pitchFamily="18" charset="0"/>
                           </a:rPr>
                         </m:ctrlPr>
                       </m:sSubPr>
@@ -12791,7 +12616,7 @@
                       <m:sSupPr>
                         <m:ctrlPr>
                           <a:rPr lang="en-US" i="1">
-                            <a:latin typeface="Cambria Math" charset="0"/>
+                            <a:latin typeface="Cambria Math" panose="02040503050406030204" pitchFamily="18" charset="0"/>
                           </a:rPr>
                         </m:ctrlPr>
                       </m:sSupPr>
@@ -12800,7 +12625,7 @@
                           <m:dPr>
                             <m:ctrlPr>
                               <a:rPr lang="en-US" i="1">
-                                <a:latin typeface="Cambria Math" charset="0"/>
+                                <a:latin typeface="Cambria Math" panose="02040503050406030204" pitchFamily="18" charset="0"/>
                               </a:rPr>
                             </m:ctrlPr>
                           </m:dPr>
@@ -12821,7 +12646,7 @@
                               <m:sSupPr>
                                 <m:ctrlPr>
                                   <a:rPr lang="en-US" i="1">
-                                    <a:latin typeface="Cambria Math" charset="0"/>
+                                    <a:latin typeface="Cambria Math" panose="02040503050406030204" pitchFamily="18" charset="0"/>
                                   </a:rPr>
                                 </m:ctrlPr>
                               </m:sSupPr>
@@ -12830,7 +12655,7 @@
                                   <m:sSubPr>
                                     <m:ctrlPr>
                                       <a:rPr lang="en-US" i="1">
-                                        <a:latin typeface="Cambria Math" charset="0"/>
+                                        <a:latin typeface="Cambria Math" panose="02040503050406030204" pitchFamily="18" charset="0"/>
                                       </a:rPr>
                                     </m:ctrlPr>
                                   </m:sSubPr>
@@ -12881,7 +12706,7 @@
                           <m:fPr>
                             <m:ctrlPr>
                               <a:rPr lang="en-US" i="1">
-                                <a:latin typeface="Cambria Math" charset="0"/>
+                                <a:latin typeface="Cambria Math" panose="02040503050406030204" pitchFamily="18" charset="0"/>
                               </a:rPr>
                             </m:ctrlPr>
                           </m:fPr>
@@ -12973,13 +12798,6 @@
   <p:clrMapOvr>
     <a:masterClrMapping/>
   </p:clrMapOvr>
-  <p:timing>
-    <p:tnLst>
-      <p:par>
-        <p:cTn id="1" dur="indefinite" restart="never" nodeType="tmRoot"/>
-      </p:par>
-    </p:tnLst>
-  </p:timing>
 </p:sld>
 </file>
 
@@ -13016,10 +12834,9 @@
           <a:lstStyle/>
           <a:p>
             <a:r>
-              <a:rPr lang="en-US" dirty="0" smtClean="0"/>
+              <a:rPr lang="en-US" dirty="0"/>
               <a:t>Growth at Equilibrium</a:t>
             </a:r>
-            <a:endParaRPr lang="en-US" dirty="0"/>
           </a:p>
         </p:txBody>
       </p:sp>
@@ -13041,7 +12858,7 @@
               <a:lstStyle/>
               <a:p>
                 <a:r>
-                  <a:rPr lang="en-US" dirty="0" smtClean="0"/>
+                  <a:rPr lang="en-US" dirty="0"/>
                   <a:t>Demand side utility:</a:t>
                 </a:r>
               </a:p>
@@ -13055,7 +12872,7 @@
                       <m:sSubPr>
                         <m:ctrlPr>
                           <a:rPr lang="en-US" i="1">
-                            <a:latin typeface="Cambria Math" charset="0"/>
+                            <a:latin typeface="Cambria Math" panose="02040503050406030204" pitchFamily="18" charset="0"/>
                           </a:rPr>
                         </m:ctrlPr>
                       </m:sSubPr>
@@ -13100,7 +12917,7 @@
                         <m:limLoc m:val="undOvr"/>
                         <m:ctrlPr>
                           <a:rPr lang="en-US" i="1">
-                            <a:latin typeface="Cambria Math" charset="0"/>
+                            <a:latin typeface="Cambria Math" panose="02040503050406030204" pitchFamily="18" charset="0"/>
                           </a:rPr>
                         </m:ctrlPr>
                       </m:naryPr>
@@ -13137,7 +12954,7 @@
                           <m:sSupPr>
                             <m:ctrlPr>
                               <a:rPr lang="en-US" i="1">
-                                <a:latin typeface="Cambria Math" charset="0"/>
+                                <a:latin typeface="Cambria Math" panose="02040503050406030204" pitchFamily="18" charset="0"/>
                               </a:rPr>
                             </m:ctrlPr>
                           </m:sSupPr>
@@ -13174,7 +12991,7 @@
                           <m:fPr>
                             <m:ctrlPr>
                               <a:rPr lang="en-US" i="1">
-                                <a:latin typeface="Cambria Math" charset="0"/>
+                                <a:latin typeface="Cambria Math" panose="02040503050406030204" pitchFamily="18" charset="0"/>
                               </a:rPr>
                             </m:ctrlPr>
                           </m:fPr>
@@ -13183,7 +13000,7 @@
                               <m:sSubSupPr>
                                 <m:ctrlPr>
                                   <a:rPr lang="en-US" i="1">
-                                    <a:latin typeface="Cambria Math" charset="0"/>
+                                    <a:latin typeface="Cambria Math" panose="02040503050406030204" pitchFamily="18" charset="0"/>
                                   </a:rPr>
                                 </m:ctrlPr>
                               </m:sSubSupPr>
@@ -13244,13 +13061,10 @@
                   </a:rPr>
                   <a:t> </a:t>
                 </a:r>
-                <a:endParaRPr lang="en-US" dirty="0" smtClean="0">
-                  <a:effectLst/>
-                </a:endParaRPr>
               </a:p>
               <a:p>
                 <a:r>
-                  <a:rPr lang="en-US" dirty="0" smtClean="0"/>
+                  <a:rPr lang="en-US" dirty="0"/>
                   <a:t>Demand side growth:</a:t>
                 </a:r>
               </a:p>
@@ -13264,7 +13078,7 @@
                       <m:sSubPr>
                         <m:ctrlPr>
                           <a:rPr lang="en-US" i="1">
-                            <a:latin typeface="Cambria Math" charset="0"/>
+                            <a:latin typeface="Cambria Math" panose="02040503050406030204" pitchFamily="18" charset="0"/>
                           </a:rPr>
                         </m:ctrlPr>
                       </m:sSubPr>
@@ -13307,7 +13121,7 @@
                       <m:sSupPr>
                         <m:ctrlPr>
                           <a:rPr lang="en-US" i="1">
-                            <a:latin typeface="Cambria Math" charset="0"/>
+                            <a:latin typeface="Cambria Math" panose="02040503050406030204" pitchFamily="18" charset="0"/>
                           </a:rPr>
                         </m:ctrlPr>
                       </m:sSupPr>
@@ -13318,7 +13132,7 @@
                             <m:endChr m:val="]"/>
                             <m:ctrlPr>
                               <a:rPr lang="en-US" i="1">
-                                <a:latin typeface="Cambria Math" charset="0"/>
+                                <a:latin typeface="Cambria Math" panose="02040503050406030204" pitchFamily="18" charset="0"/>
                               </a:rPr>
                             </m:ctrlPr>
                           </m:dPr>
@@ -13327,7 +13141,7 @@
                               <m:dPr>
                                 <m:ctrlPr>
                                   <a:rPr lang="en-US" i="1">
-                                    <a:latin typeface="Cambria Math" charset="0"/>
+                                    <a:latin typeface="Cambria Math" panose="02040503050406030204" pitchFamily="18" charset="0"/>
                                   </a:rPr>
                                 </m:ctrlPr>
                               </m:dPr>
@@ -13342,7 +13156,7 @@
                                   <m:sSubPr>
                                     <m:ctrlPr>
                                       <a:rPr lang="en-US" i="1">
-                                        <a:latin typeface="Cambria Math" charset="0"/>
+                                        <a:latin typeface="Cambria Math" panose="02040503050406030204" pitchFamily="18" charset="0"/>
                                       </a:rPr>
                                     </m:ctrlPr>
                                   </m:sSubPr>
@@ -13379,7 +13193,7 @@
                           <m:fPr>
                             <m:ctrlPr>
                               <a:rPr lang="en-US" i="1">
-                                <a:latin typeface="Cambria Math" charset="0"/>
+                                <a:latin typeface="Cambria Math" panose="02040503050406030204" pitchFamily="18" charset="0"/>
                               </a:rPr>
                             </m:ctrlPr>
                           </m:fPr>
@@ -13416,9 +13230,6 @@
                   </a:rPr>
                   <a:t> </a:t>
                 </a:r>
-                <a:endParaRPr lang="en-US" dirty="0" smtClean="0">
-                  <a:effectLst/>
-                </a:endParaRPr>
               </a:p>
               <a:p>
                 <a:pPr marL="0" indent="0" algn="ctr">
@@ -13436,7 +13247,7 @@
                       <m:sSubPr>
                         <m:ctrlPr>
                           <a:rPr lang="en-US" i="1">
-                            <a:latin typeface="Cambria Math" charset="0"/>
+                            <a:latin typeface="Cambria Math" panose="02040503050406030204" pitchFamily="18" charset="0"/>
                           </a:rPr>
                         </m:ctrlPr>
                       </m:sSubPr>
@@ -13479,7 +13290,7 @@
                       <m:sSubPr>
                         <m:ctrlPr>
                           <a:rPr lang="en-US" i="1">
-                            <a:latin typeface="Cambria Math" charset="0"/>
+                            <a:latin typeface="Cambria Math" panose="02040503050406030204" pitchFamily="18" charset="0"/>
                           </a:rPr>
                         </m:ctrlPr>
                       </m:sSubPr>
@@ -13522,7 +13333,7 @@
                       <m:sSupPr>
                         <m:ctrlPr>
                           <a:rPr lang="en-US" i="1">
-                            <a:latin typeface="Cambria Math" charset="0"/>
+                            <a:latin typeface="Cambria Math" panose="02040503050406030204" pitchFamily="18" charset="0"/>
                           </a:rPr>
                         </m:ctrlPr>
                       </m:sSupPr>
@@ -13531,7 +13342,7 @@
                           <m:dPr>
                             <m:ctrlPr>
                               <a:rPr lang="en-US" i="1">
-                                <a:latin typeface="Cambria Math" charset="0"/>
+                                <a:latin typeface="Cambria Math" panose="02040503050406030204" pitchFamily="18" charset="0"/>
                               </a:rPr>
                             </m:ctrlPr>
                           </m:dPr>
@@ -13552,7 +13363,7 @@
                               <m:sSupPr>
                                 <m:ctrlPr>
                                   <a:rPr lang="en-US" i="1">
-                                    <a:latin typeface="Cambria Math" charset="0"/>
+                                    <a:latin typeface="Cambria Math" panose="02040503050406030204" pitchFamily="18" charset="0"/>
                                   </a:rPr>
                                 </m:ctrlPr>
                               </m:sSupPr>
@@ -13561,7 +13372,7 @@
                                   <m:sSubPr>
                                     <m:ctrlPr>
                                       <a:rPr lang="en-US" i="1">
-                                        <a:latin typeface="Cambria Math" charset="0"/>
+                                        <a:latin typeface="Cambria Math" panose="02040503050406030204" pitchFamily="18" charset="0"/>
                                       </a:rPr>
                                     </m:ctrlPr>
                                   </m:sSubPr>
@@ -13612,7 +13423,7 @@
                           <m:fPr>
                             <m:ctrlPr>
                               <a:rPr lang="en-US" i="1">
-                                <a:latin typeface="Cambria Math" charset="0"/>
+                                <a:latin typeface="Cambria Math" panose="02040503050406030204" pitchFamily="18" charset="0"/>
                               </a:rPr>
                             </m:ctrlPr>
                           </m:fPr>
@@ -13651,7 +13462,7 @@
                       <m:sSupPr>
                         <m:ctrlPr>
                           <a:rPr lang="en-US" i="1">
-                            <a:latin typeface="Cambria Math" charset="0"/>
+                            <a:latin typeface="Cambria Math" panose="02040503050406030204" pitchFamily="18" charset="0"/>
                           </a:rPr>
                         </m:ctrlPr>
                       </m:sSupPr>
@@ -13662,7 +13473,7 @@
                             <m:endChr m:val="]"/>
                             <m:ctrlPr>
                               <a:rPr lang="en-US" i="1">
-                                <a:latin typeface="Cambria Math" charset="0"/>
+                                <a:latin typeface="Cambria Math" panose="02040503050406030204" pitchFamily="18" charset="0"/>
                               </a:rPr>
                             </m:ctrlPr>
                           </m:dPr>
@@ -13671,7 +13482,7 @@
                               <m:dPr>
                                 <m:ctrlPr>
                                   <a:rPr lang="en-US" i="1">
-                                    <a:latin typeface="Cambria Math" charset="0"/>
+                                    <a:latin typeface="Cambria Math" panose="02040503050406030204" pitchFamily="18" charset="0"/>
                                   </a:rPr>
                                 </m:ctrlPr>
                               </m:dPr>
@@ -13686,7 +13497,7 @@
                                   <m:sSubPr>
                                     <m:ctrlPr>
                                       <a:rPr lang="en-US" i="1">
-                                        <a:latin typeface="Cambria Math" charset="0"/>
+                                        <a:latin typeface="Cambria Math" panose="02040503050406030204" pitchFamily="18" charset="0"/>
                                       </a:rPr>
                                     </m:ctrlPr>
                                   </m:sSubPr>
@@ -13723,7 +13534,7 @@
                           <m:fPr>
                             <m:ctrlPr>
                               <a:rPr lang="en-US" i="1">
-                                <a:latin typeface="Cambria Math" charset="0"/>
+                                <a:latin typeface="Cambria Math" panose="02040503050406030204" pitchFamily="18" charset="0"/>
                               </a:rPr>
                             </m:ctrlPr>
                           </m:fPr>
@@ -13803,13 +13614,6 @@
   <p:clrMapOvr>
     <a:masterClrMapping/>
   </p:clrMapOvr>
-  <p:timing>
-    <p:tnLst>
-      <p:par>
-        <p:cTn id="1" dur="indefinite" restart="never" nodeType="tmRoot"/>
-      </p:par>
-    </p:tnLst>
-  </p:timing>
 </p:sld>
 </file>
 
@@ -13846,10 +13650,9 @@
           <a:lstStyle/>
           <a:p>
             <a:r>
-              <a:rPr lang="en-US" dirty="0" smtClean="0"/>
+              <a:rPr lang="en-US" dirty="0"/>
               <a:t>Growth vs Interest Rate</a:t>
             </a:r>
-            <a:endParaRPr lang="en-US" dirty="0"/>
           </a:p>
         </p:txBody>
       </p:sp>
@@ -13875,12 +13678,12 @@
           <a:graphicData uri="http://schemas.openxmlformats.org/presentationml/2006/ole">
             <mc:AlternateContent xmlns:mc="http://schemas.openxmlformats.org/markup-compatibility/2006">
               <mc:Choice xmlns:v="urn:schemas-microsoft-com:vml" Requires="v">
-                <p:oleObj spid="_x0000_s2127" name="Document" r:id="rId4" imgW="5943600" imgH="3670300" progId="Word.Document.12">
+                <p:oleObj spid="_x0000_s2128" name="Document" r:id="rId3" imgW="5943600" imgH="3670300" progId="Word.Document.12">
                   <p:embed/>
                 </p:oleObj>
               </mc:Choice>
               <mc:Fallback>
-                <p:oleObj name="Document" r:id="rId4" imgW="5943600" imgH="3670300" progId="Word.Document.12">
+                <p:oleObj name="Document" r:id="rId3" imgW="5943600" imgH="3670300" progId="Word.Document.12">
                   <p:embed/>
                   <p:pic>
                     <p:nvPicPr>
@@ -13889,7 +13692,7 @@
                       <p:nvPr/>
                     </p:nvPicPr>
                     <p:blipFill>
-                      <a:blip r:embed="rId5"/>
+                      <a:blip r:embed="rId4"/>
                       <a:stretch>
                         <a:fillRect/>
                       </a:stretch>
@@ -13920,13 +13723,6 @@
   <p:clrMapOvr>
     <a:masterClrMapping/>
   </p:clrMapOvr>
-  <p:timing>
-    <p:tnLst>
-      <p:par>
-        <p:cTn id="1" dur="indefinite" restart="never" nodeType="tmRoot"/>
-      </p:par>
-    </p:tnLst>
-  </p:timing>
 </p:sld>
 </file>
 
@@ -13963,10 +13759,9 @@
           <a:lstStyle/>
           <a:p>
             <a:r>
-              <a:rPr lang="en-US" dirty="0" smtClean="0"/>
+              <a:rPr lang="en-US" dirty="0"/>
               <a:t>Economy Output</a:t>
             </a:r>
-            <a:endParaRPr lang="en-US" dirty="0"/>
           </a:p>
         </p:txBody>
       </p:sp>
@@ -13992,12 +13787,12 @@
           <a:graphicData uri="http://schemas.openxmlformats.org/presentationml/2006/ole">
             <mc:AlternateContent xmlns:mc="http://schemas.openxmlformats.org/markup-compatibility/2006">
               <mc:Choice xmlns:v="urn:schemas-microsoft-com:vml" Requires="v">
-                <p:oleObj spid="_x0000_s5197" name="Document" r:id="rId4" imgW="5943600" imgH="3822700" progId="Word.Document.12">
+                <p:oleObj spid="_x0000_s5198" name="Document" r:id="rId3" imgW="5943600" imgH="3822700" progId="Word.Document.12">
                   <p:embed/>
                 </p:oleObj>
               </mc:Choice>
               <mc:Fallback>
-                <p:oleObj name="Document" r:id="rId4" imgW="5943600" imgH="3822700" progId="Word.Document.12">
+                <p:oleObj name="Document" r:id="rId3" imgW="5943600" imgH="3822700" progId="Word.Document.12">
                   <p:embed/>
                   <p:pic>
                     <p:nvPicPr>
@@ -14006,7 +13801,7 @@
                       <p:nvPr/>
                     </p:nvPicPr>
                     <p:blipFill>
-                      <a:blip r:embed="rId5"/>
+                      <a:blip r:embed="rId4"/>
                       <a:stretch>
                         <a:fillRect/>
                       </a:stretch>
@@ -14037,13 +13832,6 @@
   <p:clrMapOvr>
     <a:masterClrMapping/>
   </p:clrMapOvr>
-  <p:timing>
-    <p:tnLst>
-      <p:par>
-        <p:cTn id="1" dur="indefinite" restart="never" nodeType="tmRoot"/>
-      </p:par>
-    </p:tnLst>
-  </p:timing>
 </p:sld>
 </file>
 
@@ -14080,10 +13868,9 @@
           <a:lstStyle/>
           <a:p>
             <a:r>
-              <a:rPr lang="en-US" dirty="0" smtClean="0"/>
+              <a:rPr lang="en-US" dirty="0"/>
               <a:t>Income Per Capita</a:t>
             </a:r>
-            <a:endParaRPr lang="en-US" dirty="0"/>
           </a:p>
         </p:txBody>
       </p:sp>
@@ -14109,12 +13896,12 @@
           <a:graphicData uri="http://schemas.openxmlformats.org/presentationml/2006/ole">
             <mc:AlternateContent xmlns:mc="http://schemas.openxmlformats.org/markup-compatibility/2006">
               <mc:Choice xmlns:v="urn:schemas-microsoft-com:vml" Requires="v">
-                <p:oleObj spid="_x0000_s4175" name="Document" r:id="rId4" imgW="6019800" imgH="3860800" progId="Word.Document.12">
+                <p:oleObj spid="_x0000_s4176" name="Document" r:id="rId3" imgW="6019800" imgH="3860800" progId="Word.Document.12">
                   <p:embed/>
                 </p:oleObj>
               </mc:Choice>
               <mc:Fallback>
-                <p:oleObj name="Document" r:id="rId4" imgW="6019800" imgH="3860800" progId="Word.Document.12">
+                <p:oleObj name="Document" r:id="rId3" imgW="6019800" imgH="3860800" progId="Word.Document.12">
                   <p:embed/>
                   <p:pic>
                     <p:nvPicPr>
@@ -14123,7 +13910,7 @@
                       <p:nvPr/>
                     </p:nvPicPr>
                     <p:blipFill>
-                      <a:blip r:embed="rId5"/>
+                      <a:blip r:embed="rId4"/>
                       <a:stretch>
                         <a:fillRect/>
                       </a:stretch>
@@ -14154,13 +13941,6 @@
   <p:clrMapOvr>
     <a:masterClrMapping/>
   </p:clrMapOvr>
-  <p:timing>
-    <p:tnLst>
-      <p:par>
-        <p:cTn id="1" dur="indefinite" restart="never" nodeType="tmRoot"/>
-      </p:par>
-    </p:tnLst>
-  </p:timing>
 </p:sld>
 </file>
 
@@ -14197,10 +13977,9 @@
           <a:lstStyle/>
           <a:p>
             <a:r>
-              <a:rPr lang="en-US" dirty="0" smtClean="0"/>
+              <a:rPr lang="en-US" dirty="0"/>
               <a:t>Chapter 3</a:t>
             </a:r>
-            <a:endParaRPr lang="en-US" dirty="0"/>
           </a:p>
         </p:txBody>
       </p:sp>
@@ -14221,17 +14000,8 @@
           <a:p>
             <a:r>
               <a:rPr lang="en-US"/>
-              <a:t>Sovereign Debt and Growth in </a:t>
+              <a:t>Sovereign Debt and Growth in Open Economies</a:t>
             </a:r>
-            <a:r>
-              <a:rPr lang="en-US"/>
-              <a:t>Open </a:t>
-            </a:r>
-            <a:r>
-              <a:rPr lang="en-US" smtClean="0"/>
-              <a:t>Economies</a:t>
-            </a:r>
-            <a:endParaRPr lang="en-US"/>
           </a:p>
         </p:txBody>
       </p:sp>
@@ -14284,13 +14054,8 @@
           <a:p>
             <a:r>
               <a:rPr lang="en-US" dirty="0"/>
-              <a:t>Growth Limitation in a Closed </a:t>
+              <a:t>Growth Limitation in a Closed Economy</a:t>
             </a:r>
-            <a:r>
-              <a:rPr lang="en-US" dirty="0" smtClean="0"/>
-              <a:t>Economy</a:t>
-            </a:r>
-            <a:endParaRPr lang="en-US" dirty="0"/>
           </a:p>
         </p:txBody>
       </p:sp>
@@ -14325,7 +14090,7 @@
                         <m:grow m:val="on"/>
                         <m:ctrlPr>
                           <a:rPr lang="en-US" i="1">
-                            <a:latin typeface="Cambria Math" charset="0"/>
+                            <a:latin typeface="Cambria Math" panose="02040503050406030204" pitchFamily="18" charset="0"/>
                           </a:rPr>
                         </m:ctrlPr>
                       </m:naryPr>
@@ -14348,7 +14113,7 @@
                           <m:sSubPr>
                             <m:ctrlPr>
                               <a:rPr lang="en-US" i="1">
-                                <a:latin typeface="Cambria Math" charset="0"/>
+                                <a:latin typeface="Cambria Math" panose="02040503050406030204" pitchFamily="18" charset="0"/>
                               </a:rPr>
                             </m:ctrlPr>
                           </m:sSubPr>
@@ -14375,7 +14140,7 @@
                           <m:sSubPr>
                             <m:ctrlPr>
                               <a:rPr lang="en-US" i="1">
-                                <a:latin typeface="Cambria Math" charset="0"/>
+                                <a:latin typeface="Cambria Math" panose="02040503050406030204" pitchFamily="18" charset="0"/>
                               </a:rPr>
                             </m:ctrlPr>
                           </m:sSubPr>
@@ -14384,7 +14149,7 @@
                               <m:sSubPr>
                                 <m:ctrlPr>
                                   <a:rPr lang="en-US" i="1">
-                                    <a:latin typeface="Cambria Math" charset="0"/>
+                                    <a:latin typeface="Cambria Math" panose="02040503050406030204" pitchFamily="18" charset="0"/>
                                   </a:rPr>
                                 </m:ctrlPr>
                               </m:sSubPr>
@@ -14409,7 +14174,7 @@
                               <m:sSubPr>
                                 <m:ctrlPr>
                                   <a:rPr lang="en-US" i="1">
-                                    <a:latin typeface="Cambria Math" charset="0"/>
+                                    <a:latin typeface="Cambria Math" panose="02040503050406030204" pitchFamily="18" charset="0"/>
                                   </a:rPr>
                                 </m:ctrlPr>
                               </m:sSubPr>
@@ -14470,7 +14235,7 @@
                       <m:sSubPr>
                         <m:ctrlPr>
                           <a:rPr lang="en-US" i="1">
-                            <a:latin typeface="Cambria Math" charset="0"/>
+                            <a:latin typeface="Cambria Math" panose="02040503050406030204" pitchFamily="18" charset="0"/>
                           </a:rPr>
                         </m:ctrlPr>
                       </m:sSubPr>
@@ -14499,12 +14264,9 @@
                   </a:rPr>
                   <a:t> </a:t>
                 </a:r>
-                <a:endParaRPr lang="en-US" dirty="0" smtClean="0">
-                  <a:effectLst/>
-                </a:endParaRPr>
               </a:p>
               <a:p>
-                <a:endParaRPr lang="en-US" dirty="0" smtClean="0">
+                <a:endParaRPr lang="en-US" dirty="0">
                   <a:effectLst/>
                 </a:endParaRPr>
               </a:p>
@@ -14516,7 +14278,7 @@
                       <m:sSubPr>
                         <m:ctrlPr>
                           <a:rPr lang="en-US" i="1">
-                            <a:latin typeface="Cambria Math" charset="0"/>
+                            <a:latin typeface="Cambria Math" panose="02040503050406030204" pitchFamily="18" charset="0"/>
                           </a:rPr>
                         </m:ctrlPr>
                       </m:sSubPr>
@@ -14550,7 +14312,7 @@
                       <m:sSubPr>
                         <m:ctrlPr>
                           <a:rPr lang="en-US" i="1">
-                            <a:latin typeface="Cambria Math" charset="0"/>
+                            <a:latin typeface="Cambria Math" panose="02040503050406030204" pitchFamily="18" charset="0"/>
                           </a:rPr>
                         </m:ctrlPr>
                       </m:sSubPr>
@@ -14577,7 +14339,7 @@
                         <m:endChr m:val="]"/>
                         <m:ctrlPr>
                           <a:rPr lang="en-US" i="1">
-                            <a:latin typeface="Cambria Math" charset="0"/>
+                            <a:latin typeface="Cambria Math" panose="02040503050406030204" pitchFamily="18" charset="0"/>
                           </a:rPr>
                         </m:ctrlPr>
                       </m:dPr>
@@ -14586,7 +14348,7 @@
                           <m:sSupPr>
                             <m:ctrlPr>
                               <a:rPr lang="en-US" i="1">
-                                <a:latin typeface="Cambria Math" charset="0"/>
+                                <a:latin typeface="Cambria Math" panose="02040503050406030204" pitchFamily="18" charset="0"/>
                               </a:rPr>
                             </m:ctrlPr>
                           </m:sSupPr>
@@ -14595,7 +14357,7 @@
                               <m:sSubPr>
                                 <m:ctrlPr>
                                   <a:rPr lang="en-US" i="1">
-                                    <a:latin typeface="Cambria Math" charset="0"/>
+                                    <a:latin typeface="Cambria Math" panose="02040503050406030204" pitchFamily="18" charset="0"/>
                                   </a:rPr>
                                 </m:ctrlPr>
                               </m:sSubPr>
@@ -14642,7 +14404,7 @@
                           <m:sSupPr>
                             <m:ctrlPr>
                               <a:rPr lang="en-US" i="1">
-                                <a:latin typeface="Cambria Math" charset="0"/>
+                                <a:latin typeface="Cambria Math" panose="02040503050406030204" pitchFamily="18" charset="0"/>
                               </a:rPr>
                             </m:ctrlPr>
                           </m:sSupPr>
@@ -14651,7 +14413,7 @@
                               <m:sSubPr>
                                 <m:ctrlPr>
                                   <a:rPr lang="en-US" i="1">
-                                    <a:latin typeface="Cambria Math" charset="0"/>
+                                    <a:latin typeface="Cambria Math" panose="02040503050406030204" pitchFamily="18" charset="0"/>
                                   </a:rPr>
                                 </m:ctrlPr>
                               </m:sSubPr>
@@ -14700,7 +14462,7 @@
                             <m:grow m:val="on"/>
                             <m:ctrlPr>
                               <a:rPr lang="en-US" i="1">
-                                <a:latin typeface="Cambria Math" charset="0"/>
+                                <a:latin typeface="Cambria Math" panose="02040503050406030204" pitchFamily="18" charset="0"/>
                               </a:rPr>
                             </m:ctrlPr>
                           </m:naryPr>
@@ -14723,7 +14485,7 @@
                               <m:sSubPr>
                                 <m:ctrlPr>
                                   <a:rPr lang="en-US" i="1">
-                                    <a:latin typeface="Cambria Math" charset="0"/>
+                                    <a:latin typeface="Cambria Math" panose="02040503050406030204" pitchFamily="18" charset="0"/>
                                   </a:rPr>
                                 </m:ctrlPr>
                               </m:sSubPr>
@@ -14750,7 +14512,7 @@
                               <m:sSupPr>
                                 <m:ctrlPr>
                                   <a:rPr lang="en-US" i="1">
-                                    <a:latin typeface="Cambria Math" charset="0"/>
+                                    <a:latin typeface="Cambria Math" panose="02040503050406030204" pitchFamily="18" charset="0"/>
                                   </a:rPr>
                                 </m:ctrlPr>
                               </m:sSupPr>
@@ -14759,7 +14521,7 @@
                                   <m:sSubPr>
                                     <m:ctrlPr>
                                       <a:rPr lang="en-US" i="1">
-                                        <a:latin typeface="Cambria Math" charset="0"/>
+                                        <a:latin typeface="Cambria Math" panose="02040503050406030204" pitchFamily="18" charset="0"/>
                                       </a:rPr>
                                     </m:ctrlPr>
                                   </m:sSubPr>
@@ -14802,7 +14564,7 @@
                           <m:sSubPr>
                             <m:ctrlPr>
                               <a:rPr lang="en-US" i="1">
-                                <a:latin typeface="Cambria Math" charset="0"/>
+                                <a:latin typeface="Cambria Math" panose="02040503050406030204" pitchFamily="18" charset="0"/>
                               </a:rPr>
                             </m:ctrlPr>
                           </m:sSubPr>
@@ -14827,7 +14589,7 @@
                           <m:sSubPr>
                             <m:ctrlPr>
                               <a:rPr lang="en-US" i="1">
-                                <a:latin typeface="Cambria Math" charset="0"/>
+                                <a:latin typeface="Cambria Math" panose="02040503050406030204" pitchFamily="18" charset="0"/>
                               </a:rPr>
                             </m:ctrlPr>
                           </m:sSubPr>
@@ -14870,7 +14632,7 @@
                           <m:sSubPr>
                             <m:ctrlPr>
                               <a:rPr lang="en-US" i="1">
-                                <a:latin typeface="Cambria Math" charset="0"/>
+                                <a:latin typeface="Cambria Math" panose="02040503050406030204" pitchFamily="18" charset="0"/>
                               </a:rPr>
                             </m:ctrlPr>
                           </m:sSubPr>
@@ -14895,7 +14657,7 @@
                           <m:sSubPr>
                             <m:ctrlPr>
                               <a:rPr lang="en-US" i="1">
-                                <a:latin typeface="Cambria Math" charset="0"/>
+                                <a:latin typeface="Cambria Math" panose="02040503050406030204" pitchFamily="18" charset="0"/>
                               </a:rPr>
                             </m:ctrlPr>
                           </m:sSubPr>
@@ -14940,7 +14702,7 @@
                             <m:grow m:val="on"/>
                             <m:ctrlPr>
                               <a:rPr lang="en-US" i="1">
-                                <a:latin typeface="Cambria Math" charset="0"/>
+                                <a:latin typeface="Cambria Math" panose="02040503050406030204" pitchFamily="18" charset="0"/>
                               </a:rPr>
                             </m:ctrlPr>
                           </m:naryPr>
@@ -14963,7 +14725,7 @@
                               <m:sSubPr>
                                 <m:ctrlPr>
                                   <a:rPr lang="en-US" i="1">
-                                    <a:latin typeface="Cambria Math" charset="0"/>
+                                    <a:latin typeface="Cambria Math" panose="02040503050406030204" pitchFamily="18" charset="0"/>
                                   </a:rPr>
                                 </m:ctrlPr>
                               </m:sSubPr>
@@ -14990,7 +14752,7 @@
                               <m:sSubPr>
                                 <m:ctrlPr>
                                   <a:rPr lang="en-US" i="1">
-                                    <a:latin typeface="Cambria Math" charset="0"/>
+                                    <a:latin typeface="Cambria Math" panose="02040503050406030204" pitchFamily="18" charset="0"/>
                                   </a:rPr>
                                 </m:ctrlPr>
                               </m:sSubPr>
@@ -14999,7 +14761,7 @@
                                   <m:sSubPr>
                                     <m:ctrlPr>
                                       <a:rPr lang="en-US" i="1">
-                                        <a:latin typeface="Cambria Math" charset="0"/>
+                                        <a:latin typeface="Cambria Math" panose="02040503050406030204" pitchFamily="18" charset="0"/>
                                       </a:rPr>
                                     </m:ctrlPr>
                                   </m:sSubPr>
@@ -15062,7 +14824,7 @@
                             <m:grow m:val="on"/>
                             <m:ctrlPr>
                               <a:rPr lang="en-US" i="1">
-                                <a:latin typeface="Cambria Math" charset="0"/>
+                                <a:latin typeface="Cambria Math" panose="02040503050406030204" pitchFamily="18" charset="0"/>
                               </a:rPr>
                             </m:ctrlPr>
                           </m:naryPr>
@@ -15085,7 +14847,7 @@
                               <m:sSubPr>
                                 <m:ctrlPr>
                                   <a:rPr lang="en-US" i="1">
-                                    <a:latin typeface="Cambria Math" charset="0"/>
+                                    <a:latin typeface="Cambria Math" panose="02040503050406030204" pitchFamily="18" charset="0"/>
                                   </a:rPr>
                                 </m:ctrlPr>
                               </m:sSubPr>
@@ -15112,7 +14874,7 @@
                               <m:sSubPr>
                                 <m:ctrlPr>
                                   <a:rPr lang="en-US" i="1">
-                                    <a:latin typeface="Cambria Math" charset="0"/>
+                                    <a:latin typeface="Cambria Math" panose="02040503050406030204" pitchFamily="18" charset="0"/>
                                   </a:rPr>
                                 </m:ctrlPr>
                               </m:sSubPr>
@@ -15121,7 +14883,7 @@
                                   <m:sSubPr>
                                     <m:ctrlPr>
                                       <a:rPr lang="en-US" i="1">
-                                        <a:latin typeface="Cambria Math" charset="0"/>
+                                        <a:latin typeface="Cambria Math" panose="02040503050406030204" pitchFamily="18" charset="0"/>
                                       </a:rPr>
                                     </m:ctrlPr>
                                   </m:sSubPr>
@@ -15146,7 +14908,7 @@
                                   <m:sSubPr>
                                     <m:ctrlPr>
                                       <a:rPr lang="en-US" i="1">
-                                        <a:latin typeface="Cambria Math" charset="0"/>
+                                        <a:latin typeface="Cambria Math" panose="02040503050406030204" pitchFamily="18" charset="0"/>
                                       </a:rPr>
                                     </m:ctrlPr>
                                   </m:sSubPr>
@@ -15207,9 +14969,6 @@
                   </a:rPr>
                   <a:t> </a:t>
                 </a:r>
-                <a:endParaRPr lang="en-US" dirty="0" smtClean="0">
-                  <a:effectLst/>
-                </a:endParaRPr>
               </a:p>
               <a:p>
                 <a:pPr algn="ctr"/>
@@ -15223,7 +14982,7 @@
                       <m:sSubPr>
                         <m:ctrlPr>
                           <a:rPr lang="en-US" i="1">
-                            <a:latin typeface="Cambria Math" charset="0"/>
+                            <a:latin typeface="Cambria Math" panose="02040503050406030204" pitchFamily="18" charset="0"/>
                           </a:rPr>
                         </m:ctrlPr>
                       </m:sSubPr>
@@ -15266,7 +15025,7 @@
                       <m:fPr>
                         <m:ctrlPr>
                           <a:rPr lang="en-US" i="1">
-                            <a:latin typeface="Cambria Math" charset="0"/>
+                            <a:latin typeface="Cambria Math" panose="02040503050406030204" pitchFamily="18" charset="0"/>
                           </a:rPr>
                         </m:ctrlPr>
                       </m:fPr>
@@ -15317,7 +15076,7 @@
                           <m:sSubPr>
                             <m:ctrlPr>
                               <a:rPr lang="en-US" i="1">
-                                <a:latin typeface="Cambria Math" charset="0"/>
+                                <a:latin typeface="Cambria Math" panose="02040503050406030204" pitchFamily="18" charset="0"/>
                               </a:rPr>
                             </m:ctrlPr>
                           </m:sSubPr>
@@ -15392,7 +15151,7 @@
                           <m:sSubPr>
                             <m:ctrlPr>
                               <a:rPr lang="en-US" i="1">
-                                <a:latin typeface="Cambria Math" charset="0"/>
+                                <a:latin typeface="Cambria Math" panose="02040503050406030204" pitchFamily="18" charset="0"/>
                               </a:rPr>
                             </m:ctrlPr>
                           </m:sSubPr>
@@ -15423,7 +15182,7 @@
                     </m:r>
                   </m:oMath>
                 </a14:m>
-                <a:endParaRPr lang="en-US" dirty="0" smtClean="0"/>
+                <a:endParaRPr lang="en-US" dirty="0"/>
               </a:p>
             </p:txBody>
           </p:sp>
@@ -15476,13 +15235,6 @@
   <p:clrMapOvr>
     <a:masterClrMapping/>
   </p:clrMapOvr>
-  <p:timing>
-    <p:tnLst>
-      <p:par>
-        <p:cTn id="1" dur="indefinite" restart="never" nodeType="tmRoot"/>
-      </p:par>
-    </p:tnLst>
-  </p:timing>
 </p:sld>
 </file>
 
@@ -15519,10 +15271,9 @@
           <a:lstStyle/>
           <a:p>
             <a:r>
-              <a:rPr lang="en-US" dirty="0" smtClean="0"/>
+              <a:rPr lang="en-US" dirty="0"/>
               <a:t>Maximum Attainable Subsidy</a:t>
             </a:r>
-            <a:endParaRPr lang="en-US" dirty="0"/>
           </a:p>
         </p:txBody>
       </p:sp>
@@ -15547,7 +15298,7 @@
           <a:lstStyle/>
           <a:p>
             <a:r>
-              <a:rPr lang="en-US" dirty="0" smtClean="0"/>
+              <a:rPr lang="en-US" dirty="0"/>
               <a:t>This is for a  tax rate 0f 100%</a:t>
             </a:r>
           </a:p>
@@ -15555,11 +15306,11 @@
             <a:endParaRPr lang="en-US" dirty="0"/>
           </a:p>
           <a:p>
-            <a:endParaRPr lang="en-US" dirty="0" smtClean="0"/>
+            <a:endParaRPr lang="en-US" dirty="0"/>
           </a:p>
           <a:p>
             <a:r>
-              <a:rPr lang="en-US" dirty="0" smtClean="0"/>
+              <a:rPr lang="en-US" dirty="0"/>
               <a:t>For a tax rate of 50% the max attainable subsidy rate is 25%</a:t>
             </a:r>
           </a:p>
@@ -15587,12 +15338,12 @@
           <a:graphicData uri="http://schemas.openxmlformats.org/presentationml/2006/ole">
             <mc:AlternateContent xmlns:mc="http://schemas.openxmlformats.org/markup-compatibility/2006">
               <mc:Choice xmlns:v="urn:schemas-microsoft-com:vml" Requires="v">
-                <p:oleObj spid="_x0000_s6221" name="Document" r:id="rId4" imgW="6299200" imgH="3060700" progId="Word.Document.12">
+                <p:oleObj spid="_x0000_s6222" name="Document" r:id="rId3" imgW="6299200" imgH="3060700" progId="Word.Document.12">
                   <p:embed/>
                 </p:oleObj>
               </mc:Choice>
               <mc:Fallback>
-                <p:oleObj name="Document" r:id="rId4" imgW="6299200" imgH="3060700" progId="Word.Document.12">
+                <p:oleObj name="Document" r:id="rId3" imgW="6299200" imgH="3060700" progId="Word.Document.12">
                   <p:embed/>
                   <p:pic>
                     <p:nvPicPr>
@@ -15601,7 +15352,7 @@
                       <p:nvPr/>
                     </p:nvPicPr>
                     <p:blipFill>
-                      <a:blip r:embed="rId5"/>
+                      <a:blip r:embed="rId4"/>
                       <a:stretch>
                         <a:fillRect/>
                       </a:stretch>
@@ -15632,13 +15383,6 @@
   <p:clrMapOvr>
     <a:masterClrMapping/>
   </p:clrMapOvr>
-  <p:timing>
-    <p:tnLst>
-      <p:par>
-        <p:cTn id="1" dur="indefinite" restart="never" nodeType="tmRoot"/>
-      </p:par>
-    </p:tnLst>
-  </p:timing>
 </p:sld>
 </file>
 
@@ -15701,7 +15445,7 @@
               <a:lstStyle/>
               <a:p>
                 <a:r>
-                  <a:rPr lang="en-US" dirty="0" smtClean="0"/>
+                  <a:rPr lang="en-US" dirty="0"/>
                   <a:t>Government Objective Function</a:t>
                 </a:r>
               </a:p>
@@ -15713,7 +15457,7 @@
                       <m:sSubPr>
                         <m:ctrlPr>
                           <a:rPr lang="en-US" i="1">
-                            <a:latin typeface="Cambria Math" charset="0"/>
+                            <a:latin typeface="Cambria Math" panose="02040503050406030204" pitchFamily="18" charset="0"/>
                           </a:rPr>
                         </m:ctrlPr>
                       </m:sSubPr>
@@ -15744,7 +15488,7 @@
                       <m:funcPr>
                         <m:ctrlPr>
                           <a:rPr lang="en-US" i="1">
-                            <a:latin typeface="Cambria Math" charset="0"/>
+                            <a:latin typeface="Cambria Math" panose="02040503050406030204" pitchFamily="18" charset="0"/>
                           </a:rPr>
                         </m:ctrlPr>
                       </m:funcPr>
@@ -15753,7 +15497,7 @@
                           <m:limLowPr>
                             <m:ctrlPr>
                               <a:rPr lang="en-US" i="1">
-                                <a:latin typeface="Cambria Math" charset="0"/>
+                                <a:latin typeface="Cambria Math" panose="02040503050406030204" pitchFamily="18" charset="0"/>
                               </a:rPr>
                             </m:ctrlPr>
                           </m:limLowPr>
@@ -15773,7 +15517,7 @@
                               <m:sSubPr>
                                 <m:ctrlPr>
                                   <a:rPr lang="en-US" i="1">
-                                    <a:latin typeface="Cambria Math" charset="0"/>
+                                    <a:latin typeface="Cambria Math" panose="02040503050406030204" pitchFamily="18" charset="0"/>
                                   </a:rPr>
                                 </m:ctrlPr>
                               </m:sSubPr>
@@ -15804,7 +15548,7 @@
                               <m:sSubPr>
                                 <m:ctrlPr>
                                   <a:rPr lang="en-US" i="1">
-                                    <a:latin typeface="Cambria Math" charset="0"/>
+                                    <a:latin typeface="Cambria Math" panose="02040503050406030204" pitchFamily="18" charset="0"/>
                                   </a:rPr>
                                 </m:ctrlPr>
                               </m:sSubPr>
@@ -15835,7 +15579,7 @@
                             <m:limLoc m:val="undOvr"/>
                             <m:ctrlPr>
                               <a:rPr lang="en-US" i="1">
-                                <a:latin typeface="Cambria Math" charset="0"/>
+                                <a:latin typeface="Cambria Math" panose="02040503050406030204" pitchFamily="18" charset="0"/>
                               </a:rPr>
                             </m:ctrlPr>
                           </m:naryPr>
@@ -15868,7 +15612,7 @@
                                 <m:endChr m:val="]"/>
                                 <m:ctrlPr>
                                   <a:rPr lang="en-US" i="1">
-                                    <a:latin typeface="Cambria Math" charset="0"/>
+                                    <a:latin typeface="Cambria Math" panose="02040503050406030204" pitchFamily="18" charset="0"/>
                                   </a:rPr>
                                 </m:ctrlPr>
                               </m:dPr>
@@ -15877,7 +15621,7 @@
                                   <m:sSupPr>
                                     <m:ctrlPr>
                                       <a:rPr lang="en-US" i="1">
-                                        <a:latin typeface="Cambria Math" charset="0"/>
+                                        <a:latin typeface="Cambria Math" panose="02040503050406030204" pitchFamily="18" charset="0"/>
                                       </a:rPr>
                                     </m:ctrlPr>
                                   </m:sSupPr>
@@ -15886,7 +15630,7 @@
                                       <m:dPr>
                                         <m:ctrlPr>
                                           <a:rPr lang="en-US" i="1">
-                                            <a:latin typeface="Cambria Math" charset="0"/>
+                                            <a:latin typeface="Cambria Math" panose="02040503050406030204" pitchFamily="18" charset="0"/>
                                           </a:rPr>
                                         </m:ctrlPr>
                                       </m:dPr>
@@ -15895,7 +15639,7 @@
                                           <m:fPr>
                                             <m:ctrlPr>
                                               <a:rPr lang="en-US" i="1">
-                                                <a:latin typeface="Cambria Math" charset="0"/>
+                                                <a:latin typeface="Cambria Math" panose="02040503050406030204" pitchFamily="18" charset="0"/>
                                               </a:rPr>
                                             </m:ctrlPr>
                                           </m:fPr>
@@ -15938,7 +15682,7 @@
                                   <m:sSubPr>
                                     <m:ctrlPr>
                                       <a:rPr lang="en-US" i="1">
-                                        <a:latin typeface="Cambria Math" charset="0"/>
+                                        <a:latin typeface="Cambria Math" panose="02040503050406030204" pitchFamily="18" charset="0"/>
                                       </a:rPr>
                                     </m:ctrlPr>
                                   </m:sSubPr>
@@ -15975,7 +15719,7 @@
                                   <m:sSubPr>
                                     <m:ctrlPr>
                                       <a:rPr lang="en-US" i="1">
-                                        <a:latin typeface="Cambria Math" charset="0"/>
+                                        <a:latin typeface="Cambria Math" panose="02040503050406030204" pitchFamily="18" charset="0"/>
                                       </a:rPr>
                                     </m:ctrlPr>
                                   </m:sSubPr>
@@ -16010,9 +15754,6 @@
                   </a:rPr>
                   <a:t> </a:t>
                 </a:r>
-                <a:endParaRPr lang="en-US" dirty="0" smtClean="0">
-                  <a:effectLst/>
-                </a:endParaRPr>
               </a:p>
               <a:p>
                 <a:pPr algn="ctr"/>
@@ -16022,7 +15763,7 @@
                       <m:sSubPr>
                         <m:ctrlPr>
                           <a:rPr lang="en-US" i="1">
-                            <a:latin typeface="Cambria Math" charset="0"/>
+                            <a:latin typeface="Cambria Math" panose="02040503050406030204" pitchFamily="18" charset="0"/>
                           </a:rPr>
                         </m:ctrlPr>
                       </m:sSubPr>
@@ -16053,7 +15794,7 @@
                       <m:sSubPr>
                         <m:ctrlPr>
                           <a:rPr lang="en-US" i="1">
-                            <a:latin typeface="Cambria Math" charset="0"/>
+                            <a:latin typeface="Cambria Math" panose="02040503050406030204" pitchFamily="18" charset="0"/>
                           </a:rPr>
                         </m:ctrlPr>
                       </m:sSubPr>
@@ -16084,7 +15825,7 @@
                       <m:sSubPr>
                         <m:ctrlPr>
                           <a:rPr lang="en-US" i="1">
-                            <a:latin typeface="Cambria Math" charset="0"/>
+                            <a:latin typeface="Cambria Math" panose="02040503050406030204" pitchFamily="18" charset="0"/>
                           </a:rPr>
                         </m:ctrlPr>
                       </m:sSubPr>
@@ -16121,7 +15862,7 @@
                       <m:sSubPr>
                         <m:ctrlPr>
                           <a:rPr lang="en-US" i="1">
-                            <a:latin typeface="Cambria Math" charset="0"/>
+                            <a:latin typeface="Cambria Math" panose="02040503050406030204" pitchFamily="18" charset="0"/>
                           </a:rPr>
                         </m:ctrlPr>
                       </m:sSubPr>
@@ -16158,7 +15899,7 @@
                       <m:sSubPr>
                         <m:ctrlPr>
                           <a:rPr lang="en-US" i="1">
-                            <a:latin typeface="Cambria Math" charset="0"/>
+                            <a:latin typeface="Cambria Math" panose="02040503050406030204" pitchFamily="18" charset="0"/>
                           </a:rPr>
                         </m:ctrlPr>
                       </m:sSubPr>
@@ -16187,9 +15928,6 @@
                   </a:rPr>
                   <a:t> </a:t>
                 </a:r>
-                <a:endParaRPr lang="en-US" dirty="0" smtClean="0">
-                  <a:effectLst/>
-                </a:endParaRPr>
               </a:p>
               <a:p>
                 <a:pPr algn="ctr"/>
@@ -16203,7 +15941,7 @@
                       <m:funcPr>
                         <m:ctrlPr>
                           <a:rPr lang="en-US" i="1">
-                            <a:latin typeface="Cambria Math" charset="0"/>
+                            <a:latin typeface="Cambria Math" panose="02040503050406030204" pitchFamily="18" charset="0"/>
                           </a:rPr>
                         </m:ctrlPr>
                       </m:funcPr>
@@ -16212,7 +15950,7 @@
                           <m:sSubPr>
                             <m:ctrlPr>
                               <a:rPr lang="en-US" i="1">
-                                <a:latin typeface="Cambria Math" charset="0"/>
+                                <a:latin typeface="Cambria Math" panose="02040503050406030204" pitchFamily="18" charset="0"/>
                               </a:rPr>
                             </m:ctrlPr>
                           </m:sSubPr>
@@ -16243,7 +15981,7 @@
                           <m:limLowPr>
                             <m:ctrlPr>
                               <a:rPr lang="en-US" i="1">
-                                <a:latin typeface="Cambria Math" charset="0"/>
+                                <a:latin typeface="Cambria Math" panose="02040503050406030204" pitchFamily="18" charset="0"/>
                               </a:rPr>
                             </m:ctrlPr>
                           </m:limLowPr>
@@ -16263,7 +16001,7 @@
                               <m:sSubPr>
                                 <m:ctrlPr>
                                   <a:rPr lang="en-US" i="1">
-                                    <a:latin typeface="Cambria Math" charset="0"/>
+                                    <a:latin typeface="Cambria Math" panose="02040503050406030204" pitchFamily="18" charset="0"/>
                                   </a:rPr>
                                 </m:ctrlPr>
                               </m:sSubPr>
@@ -16294,7 +16032,7 @@
                               <m:sSubPr>
                                 <m:ctrlPr>
                                   <a:rPr lang="en-US" i="1">
-                                    <a:latin typeface="Cambria Math" charset="0"/>
+                                    <a:latin typeface="Cambria Math" panose="02040503050406030204" pitchFamily="18" charset="0"/>
                                   </a:rPr>
                                 </m:ctrlPr>
                               </m:sSubPr>
@@ -16325,7 +16063,7 @@
                             <m:limLoc m:val="undOvr"/>
                             <m:ctrlPr>
                               <a:rPr lang="en-US" i="1">
-                                <a:latin typeface="Cambria Math" charset="0"/>
+                                <a:latin typeface="Cambria Math" panose="02040503050406030204" pitchFamily="18" charset="0"/>
                               </a:rPr>
                             </m:ctrlPr>
                           </m:naryPr>
@@ -16358,7 +16096,7 @@
                                 <m:endChr m:val="]"/>
                                 <m:ctrlPr>
                                   <a:rPr lang="en-US" i="1">
-                                    <a:latin typeface="Cambria Math" charset="0"/>
+                                    <a:latin typeface="Cambria Math" panose="02040503050406030204" pitchFamily="18" charset="0"/>
                                   </a:rPr>
                                 </m:ctrlPr>
                               </m:dPr>
@@ -16367,7 +16105,7 @@
                                   <m:sSupPr>
                                     <m:ctrlPr>
                                       <a:rPr lang="en-US" i="1">
-                                        <a:latin typeface="Cambria Math" charset="0"/>
+                                        <a:latin typeface="Cambria Math" panose="02040503050406030204" pitchFamily="18" charset="0"/>
                                       </a:rPr>
                                     </m:ctrlPr>
                                   </m:sSupPr>
@@ -16376,7 +16114,7 @@
                                       <m:dPr>
                                         <m:ctrlPr>
                                           <a:rPr lang="en-US" i="1">
-                                            <a:latin typeface="Cambria Math" charset="0"/>
+                                            <a:latin typeface="Cambria Math" panose="02040503050406030204" pitchFamily="18" charset="0"/>
                                           </a:rPr>
                                         </m:ctrlPr>
                                       </m:dPr>
@@ -16385,7 +16123,7 @@
                                           <m:fPr>
                                             <m:ctrlPr>
                                               <a:rPr lang="en-US" i="1">
-                                                <a:latin typeface="Cambria Math" charset="0"/>
+                                                <a:latin typeface="Cambria Math" panose="02040503050406030204" pitchFamily="18" charset="0"/>
                                               </a:rPr>
                                             </m:ctrlPr>
                                           </m:fPr>
@@ -16428,7 +16166,7 @@
                                   <m:fPr>
                                     <m:ctrlPr>
                                       <a:rPr lang="en-US" i="1">
-                                        <a:latin typeface="Cambria Math" charset="0"/>
+                                        <a:latin typeface="Cambria Math" panose="02040503050406030204" pitchFamily="18" charset="0"/>
                                       </a:rPr>
                                     </m:ctrlPr>
                                   </m:fPr>
@@ -16443,7 +16181,7 @@
                                       <m:sSubPr>
                                         <m:ctrlPr>
                                           <a:rPr lang="en-US" i="1">
-                                            <a:latin typeface="Cambria Math" charset="0"/>
+                                            <a:latin typeface="Cambria Math" panose="02040503050406030204" pitchFamily="18" charset="0"/>
                                           </a:rPr>
                                         </m:ctrlPr>
                                       </m:sSubPr>
@@ -16474,7 +16212,7 @@
                                       <m:sSubPr>
                                         <m:ctrlPr>
                                           <a:rPr lang="en-US" i="1">
-                                            <a:latin typeface="Cambria Math" charset="0"/>
+                                            <a:latin typeface="Cambria Math" panose="02040503050406030204" pitchFamily="18" charset="0"/>
                                           </a:rPr>
                                         </m:ctrlPr>
                                       </m:sSubPr>
@@ -16511,7 +16249,7 @@
                                       <m:sSubPr>
                                         <m:ctrlPr>
                                           <a:rPr lang="en-US" i="1">
-                                            <a:latin typeface="Cambria Math" charset="0"/>
+                                            <a:latin typeface="Cambria Math" panose="02040503050406030204" pitchFamily="18" charset="0"/>
                                           </a:rPr>
                                         </m:ctrlPr>
                                       </m:sSubPr>
@@ -16538,7 +16276,7 @@
                                       <m:sSubPr>
                                         <m:ctrlPr>
                                           <a:rPr lang="en-US" i="1">
-                                            <a:latin typeface="Cambria Math" charset="0"/>
+                                            <a:latin typeface="Cambria Math" panose="02040503050406030204" pitchFamily="18" charset="0"/>
                                           </a:rPr>
                                         </m:ctrlPr>
                                       </m:sSubPr>
@@ -16605,7 +16343,7 @@
                                       <m:fPr>
                                         <m:ctrlPr>
                                           <a:rPr lang="en-US" i="1">
-                                            <a:latin typeface="Cambria Math" charset="0"/>
+                                            <a:latin typeface="Cambria Math" panose="02040503050406030204" pitchFamily="18" charset="0"/>
                                           </a:rPr>
                                         </m:ctrlPr>
                                       </m:fPr>
@@ -16614,7 +16352,7 @@
                                           <m:sSubPr>
                                             <m:ctrlPr>
                                               <a:rPr lang="en-US" i="1">
-                                                <a:latin typeface="Cambria Math" charset="0"/>
+                                                <a:latin typeface="Cambria Math" panose="02040503050406030204" pitchFamily="18" charset="0"/>
                                               </a:rPr>
                                             </m:ctrlPr>
                                           </m:sSubPr>
@@ -16653,7 +16391,7 @@
                                           <m:sSubPr>
                                             <m:ctrlPr>
                                               <a:rPr lang="en-US" i="1">
-                                                <a:latin typeface="Cambria Math" charset="0"/>
+                                                <a:latin typeface="Cambria Math" panose="02040503050406030204" pitchFamily="18" charset="0"/>
                                               </a:rPr>
                                             </m:ctrlPr>
                                           </m:sSubPr>
@@ -16692,9 +16430,6 @@
                   </a:rPr>
                   <a:t> </a:t>
                 </a:r>
-                <a:endParaRPr lang="en-US" dirty="0" smtClean="0">
-                  <a:effectLst/>
-                </a:endParaRPr>
               </a:p>
               <a:p>
                 <a:pPr algn="ctr"/>
@@ -16702,10 +16437,9 @@
               </a:p>
               <a:p>
                 <a:r>
-                  <a:rPr lang="en-US" sz="2400" u="sng" dirty="0" smtClean="0"/>
+                  <a:rPr lang="en-US" sz="2400" u="sng" dirty="0"/>
                   <a:t>This is an increasing function of subsidy, therefore set the subsidy to the maximum attainable subsidy rate in the early stages of growth.</a:t>
                 </a:r>
-                <a:endParaRPr lang="en-US" sz="2400" u="sng" dirty="0"/>
               </a:p>
             </p:txBody>
           </p:sp>
@@ -16754,13 +16488,6 @@
   <p:clrMapOvr>
     <a:masterClrMapping/>
   </p:clrMapOvr>
-  <p:timing>
-    <p:tnLst>
-      <p:par>
-        <p:cTn id="1" dur="indefinite" restart="never" nodeType="tmRoot"/>
-      </p:par>
-    </p:tnLst>
-  </p:timing>
 </p:sld>
 </file>
 
@@ -16974,13 +16701,6 @@
       </p:transition>
     </mc:Fallback>
   </mc:AlternateContent>
-  <p:timing>
-    <p:tnLst>
-      <p:par>
-        <p:cTn id="1" dur="indefinite" restart="never" nodeType="tmRoot"/>
-      </p:par>
-    </p:tnLst>
-  </p:timing>
 </p:sld>
 </file>
 
@@ -17018,13 +16738,8 @@
           <a:p>
             <a:r>
               <a:rPr lang="en-US" dirty="0"/>
-              <a:t>Short-Term Borrowing </a:t>
+              <a:t>Short-Term Borrowing Policies</a:t>
             </a:r>
-            <a:r>
-              <a:rPr lang="en-US" dirty="0" smtClean="0"/>
-              <a:t>Policies</a:t>
-            </a:r>
-            <a:endParaRPr lang="en-US" dirty="0"/>
           </a:p>
         </p:txBody>
       </p:sp>
@@ -17050,82 +16765,36 @@
           <a:p>
             <a:r>
               <a:rPr lang="en-US" b="1" dirty="0"/>
-              <a:t>The </a:t>
-            </a:r>
-            <a:r>
-              <a:rPr lang="en-US" b="1" dirty="0" smtClean="0"/>
-              <a:t>Growth-First </a:t>
-            </a:r>
-            <a:r>
-              <a:rPr lang="en-US" b="1" dirty="0"/>
-              <a:t>Policy:</a:t>
+              <a:t>The Growth-First Policy:</a:t>
             </a:r>
             <a:r>
               <a:rPr lang="en-US" i="1" dirty="0"/>
               <a:t> </a:t>
             </a:r>
-            <a:endParaRPr lang="en-US" i="1" dirty="0" smtClean="0"/>
           </a:p>
           <a:p>
             <a:r>
-              <a:rPr lang="en-US" dirty="0" smtClean="0"/>
-              <a:t>In </a:t>
-            </a:r>
-            <a:r>
               <a:rPr lang="en-US" dirty="0"/>
-              <a:t>the early stages of growth, government </a:t>
-            </a:r>
-            <a:r>
-              <a:rPr lang="en-US" dirty="0" smtClean="0"/>
-              <a:t>borrows to be able to subsidize above the attainable rate. </a:t>
+              <a:t>In the early stages of growth, government borrows to be able to subsidize above the attainable rate. </a:t>
             </a:r>
           </a:p>
           <a:p>
             <a:r>
               <a:rPr lang="en-US" b="1" dirty="0"/>
-              <a:t>The </a:t>
-            </a:r>
-            <a:r>
-              <a:rPr lang="en-US" b="1" dirty="0" smtClean="0"/>
-              <a:t>Growth-and-Distribution Policy</a:t>
+              <a:t>The Growth-and-Distribution Policy</a:t>
             </a:r>
             <a:r>
               <a:rPr lang="en-US" dirty="0"/>
               <a:t>: </a:t>
             </a:r>
-            <a:endParaRPr lang="en-US" dirty="0" smtClean="0"/>
           </a:p>
           <a:p>
             <a:r>
-              <a:rPr lang="en-US" dirty="0" smtClean="0"/>
-              <a:t>In </a:t>
+              <a:rPr lang="en-US" dirty="0"/>
+              <a:t>In the early stages of growth, government borrow to be able to subsidize above the attainable rate and also provide a minimum level of income per capita</a:t>
             </a:r>
             <a:r>
-              <a:rPr lang="en-US" dirty="0"/>
-              <a:t>the early stages of growth, government borrow </a:t>
-            </a:r>
-            <a:r>
-              <a:rPr lang="en-US" dirty="0" smtClean="0"/>
-              <a:t>to </a:t>
-            </a:r>
-            <a:r>
-              <a:rPr lang="en-US" dirty="0"/>
-              <a:t>be able to subsidize </a:t>
-            </a:r>
-            <a:r>
-              <a:rPr lang="en-US" dirty="0" smtClean="0"/>
-              <a:t>above </a:t>
-            </a:r>
-            <a:r>
-              <a:rPr lang="en-US" dirty="0"/>
-              <a:t>the attainable </a:t>
-            </a:r>
-            <a:r>
-              <a:rPr lang="en-US" dirty="0" smtClean="0"/>
-              <a:t>rate and also provide a minimum level of income per capita</a:t>
-            </a:r>
-            <a:r>
-              <a:rPr lang="en-US" i="1" dirty="0" smtClean="0"/>
+              <a:rPr lang="en-US" i="1" dirty="0"/>
               <a:t>.</a:t>
             </a:r>
             <a:endParaRPr lang="en-US" dirty="0"/>
@@ -17142,13 +16811,6 @@
   <p:clrMapOvr>
     <a:masterClrMapping/>
   </p:clrMapOvr>
-  <p:timing>
-    <p:tnLst>
-      <p:par>
-        <p:cTn id="1" dur="indefinite" restart="never" nodeType="tmRoot"/>
-      </p:par>
-    </p:tnLst>
-  </p:timing>
 </p:sld>
 </file>
 
@@ -17212,18 +16874,12 @@
                   <a:rPr lang="en-US" dirty="0"/>
                   <a:t>Government can borrow only if it can show it can avoid a default on its debt. </a:t>
                 </a:r>
-                <a:endParaRPr lang="en-US" dirty="0" smtClean="0"/>
               </a:p>
               <a:p>
                 <a:r>
-                  <a:rPr lang="en-US" dirty="0" smtClean="0"/>
-                  <a:t>One </a:t>
+                  <a:rPr lang="en-US" dirty="0"/>
+                  <a:t>One of the measures used to assess government’s ability to pay its debt is the ratio of debt to output. </a:t>
                 </a:r>
-                <a:r>
-                  <a:rPr lang="en-US" dirty="0"/>
-                  <a:t>of the measures used to assess government’s ability to pay its debt is the ratio of debt to output. </a:t>
-                </a:r>
-                <a:endParaRPr lang="en-US" dirty="0" smtClean="0"/>
               </a:p>
               <a:p>
                 <a:endParaRPr lang="en-US" dirty="0"/>
@@ -17236,7 +16892,7 @@
                       <m:fPr>
                         <m:ctrlPr>
                           <a:rPr lang="en-US" i="1">
-                            <a:latin typeface="Cambria Math" charset="0"/>
+                            <a:latin typeface="Cambria Math" panose="02040503050406030204" pitchFamily="18" charset="0"/>
                           </a:rPr>
                         </m:ctrlPr>
                       </m:fPr>
@@ -17245,7 +16901,7 @@
                           <m:sSubPr>
                             <m:ctrlPr>
                               <a:rPr lang="en-US" i="1">
-                                <a:latin typeface="Cambria Math" charset="0"/>
+                                <a:latin typeface="Cambria Math" panose="02040503050406030204" pitchFamily="18" charset="0"/>
                               </a:rPr>
                             </m:ctrlPr>
                           </m:sSubPr>
@@ -17278,7 +16934,7 @@
                           <m:sSubPr>
                             <m:ctrlPr>
                               <a:rPr lang="en-US" i="1">
-                                <a:latin typeface="Cambria Math" charset="0"/>
+                                <a:latin typeface="Cambria Math" panose="02040503050406030204" pitchFamily="18" charset="0"/>
                               </a:rPr>
                             </m:ctrlPr>
                           </m:sSubPr>
@@ -17319,7 +16975,7 @@
                         <m:endChr m:val="]"/>
                         <m:ctrlPr>
                           <a:rPr lang="en-US" i="1">
-                            <a:latin typeface="Cambria Math" charset="0"/>
+                            <a:latin typeface="Cambria Math" panose="02040503050406030204" pitchFamily="18" charset="0"/>
                           </a:rPr>
                         </m:ctrlPr>
                       </m:dPr>
@@ -17328,7 +16984,7 @@
                           <m:fPr>
                             <m:ctrlPr>
                               <a:rPr lang="en-US" i="1">
-                                <a:latin typeface="Cambria Math" charset="0"/>
+                                <a:latin typeface="Cambria Math" panose="02040503050406030204" pitchFamily="18" charset="0"/>
                               </a:rPr>
                             </m:ctrlPr>
                           </m:fPr>
@@ -17337,7 +16993,7 @@
                               <m:sSupPr>
                                 <m:ctrlPr>
                                   <a:rPr lang="en-US" i="1">
-                                    <a:latin typeface="Cambria Math" charset="0"/>
+                                    <a:latin typeface="Cambria Math" panose="02040503050406030204" pitchFamily="18" charset="0"/>
                                   </a:rPr>
                                 </m:ctrlPr>
                               </m:sSupPr>
@@ -17346,7 +17002,7 @@
                                   <m:dPr>
                                     <m:ctrlPr>
                                       <a:rPr lang="en-US" i="1">
-                                        <a:latin typeface="Cambria Math" charset="0"/>
+                                        <a:latin typeface="Cambria Math" panose="02040503050406030204" pitchFamily="18" charset="0"/>
                                       </a:rPr>
                                     </m:ctrlPr>
                                   </m:dPr>
@@ -17355,7 +17011,7 @@
                                       <m:dPr>
                                         <m:ctrlPr>
                                           <a:rPr lang="en-US" i="1">
-                                            <a:latin typeface="Cambria Math" charset="0"/>
+                                            <a:latin typeface="Cambria Math" panose="02040503050406030204" pitchFamily="18" charset="0"/>
                                           </a:rPr>
                                         </m:ctrlPr>
                                       </m:dPr>
@@ -17388,7 +17044,7 @@
                                   <m:fPr>
                                     <m:ctrlPr>
                                       <a:rPr lang="en-US" i="1">
-                                        <a:latin typeface="Cambria Math" charset="0"/>
+                                        <a:latin typeface="Cambria Math" panose="02040503050406030204" pitchFamily="18" charset="0"/>
                                       </a:rPr>
                                     </m:ctrlPr>
                                   </m:fPr>
@@ -17423,7 +17079,7 @@
                               <m:sSubPr>
                                 <m:ctrlPr>
                                   <a:rPr lang="en-US" i="1">
-                                    <a:latin typeface="Cambria Math" charset="0"/>
+                                    <a:latin typeface="Cambria Math" panose="02040503050406030204" pitchFamily="18" charset="0"/>
                                   </a:rPr>
                                 </m:ctrlPr>
                               </m:sSubPr>
@@ -17464,7 +17120,7 @@
                       <m:fPr>
                         <m:ctrlPr>
                           <a:rPr lang="en-US" i="1">
-                            <a:latin typeface="Cambria Math" charset="0"/>
+                            <a:latin typeface="Cambria Math" panose="02040503050406030204" pitchFamily="18" charset="0"/>
                           </a:rPr>
                         </m:ctrlPr>
                       </m:fPr>
@@ -17473,7 +17129,7 @@
                           <m:sSubPr>
                             <m:ctrlPr>
                               <a:rPr lang="en-US" i="1">
-                                <a:latin typeface="Cambria Math" charset="0"/>
+                                <a:latin typeface="Cambria Math" panose="02040503050406030204" pitchFamily="18" charset="0"/>
                               </a:rPr>
                             </m:ctrlPr>
                           </m:sSubPr>
@@ -17500,7 +17156,7 @@
                           <m:sSubPr>
                             <m:ctrlPr>
                               <a:rPr lang="en-US" i="1">
-                                <a:latin typeface="Cambria Math" charset="0"/>
+                                <a:latin typeface="Cambria Math" panose="02040503050406030204" pitchFamily="18" charset="0"/>
                               </a:rPr>
                             </m:ctrlPr>
                           </m:sSubPr>
@@ -17533,7 +17189,7 @@
                       <m:fPr>
                         <m:ctrlPr>
                           <a:rPr lang="en-US" i="1">
-                            <a:latin typeface="Cambria Math" charset="0"/>
+                            <a:latin typeface="Cambria Math" panose="02040503050406030204" pitchFamily="18" charset="0"/>
                           </a:rPr>
                         </m:ctrlPr>
                       </m:fPr>
@@ -17548,7 +17204,7 @@
                           <m:sSubPr>
                             <m:ctrlPr>
                               <a:rPr lang="en-US" i="1">
-                                <a:latin typeface="Cambria Math" charset="0"/>
+                                <a:latin typeface="Cambria Math" panose="02040503050406030204" pitchFamily="18" charset="0"/>
                               </a:rPr>
                             </m:ctrlPr>
                           </m:sSubPr>
@@ -17591,7 +17247,7 @@
                           <m:sSupPr>
                             <m:ctrlPr>
                               <a:rPr lang="en-US" i="1">
-                                <a:latin typeface="Cambria Math" charset="0"/>
+                                <a:latin typeface="Cambria Math" panose="02040503050406030204" pitchFamily="18" charset="0"/>
                               </a:rPr>
                             </m:ctrlPr>
                           </m:sSupPr>
@@ -17600,7 +17256,7 @@
                               <m:dPr>
                                 <m:ctrlPr>
                                   <a:rPr lang="en-US" i="1">
-                                    <a:latin typeface="Cambria Math" charset="0"/>
+                                    <a:latin typeface="Cambria Math" panose="02040503050406030204" pitchFamily="18" charset="0"/>
                                   </a:rPr>
                                 </m:ctrlPr>
                               </m:dPr>
@@ -17609,7 +17265,7 @@
                                   <m:dPr>
                                     <m:ctrlPr>
                                       <a:rPr lang="en-US" i="1">
-                                        <a:latin typeface="Cambria Math" charset="0"/>
+                                        <a:latin typeface="Cambria Math" panose="02040503050406030204" pitchFamily="18" charset="0"/>
                                       </a:rPr>
                                     </m:ctrlPr>
                                   </m:dPr>
@@ -17642,7 +17298,7 @@
                               <m:fPr>
                                 <m:ctrlPr>
                                   <a:rPr lang="en-US" i="1">
-                                    <a:latin typeface="Cambria Math" charset="0"/>
+                                    <a:latin typeface="Cambria Math" panose="02040503050406030204" pitchFamily="18" charset="0"/>
                                   </a:rPr>
                                 </m:ctrlPr>
                               </m:fPr>
@@ -17677,7 +17333,7 @@
                           <m:sSubPr>
                             <m:ctrlPr>
                               <a:rPr lang="en-US" i="1">
-                                <a:latin typeface="Cambria Math" charset="0"/>
+                                <a:latin typeface="Cambria Math" panose="02040503050406030204" pitchFamily="18" charset="0"/>
                               </a:rPr>
                             </m:ctrlPr>
                           </m:sSubPr>
@@ -17732,7 +17388,7 @@
                           <m:sSubPr>
                             <m:ctrlPr>
                               <a:rPr lang="en-US" i="1">
-                                <a:latin typeface="Cambria Math" charset="0"/>
+                                <a:latin typeface="Cambria Math" panose="02040503050406030204" pitchFamily="18" charset="0"/>
                               </a:rPr>
                             </m:ctrlPr>
                           </m:sSubPr>
@@ -17779,7 +17435,7 @@
                         <m:endChr m:val="]"/>
                         <m:ctrlPr>
                           <a:rPr lang="en-US" i="1">
-                            <a:latin typeface="Cambria Math" charset="0"/>
+                            <a:latin typeface="Cambria Math" panose="02040503050406030204" pitchFamily="18" charset="0"/>
                           </a:rPr>
                         </m:ctrlPr>
                       </m:dPr>
@@ -17794,7 +17450,7 @@
                           <m:fPr>
                             <m:ctrlPr>
                               <a:rPr lang="en-US" i="1">
-                                <a:latin typeface="Cambria Math" charset="0"/>
+                                <a:latin typeface="Cambria Math" panose="02040503050406030204" pitchFamily="18" charset="0"/>
                               </a:rPr>
                             </m:ctrlPr>
                           </m:fPr>
@@ -17809,7 +17465,7 @@
                               <m:sSubPr>
                                 <m:ctrlPr>
                                   <a:rPr lang="en-US" i="1">
-                                    <a:latin typeface="Cambria Math" charset="0"/>
+                                    <a:latin typeface="Cambria Math" panose="02040503050406030204" pitchFamily="18" charset="0"/>
                                   </a:rPr>
                                 </m:ctrlPr>
                               </m:sSubPr>
@@ -17834,7 +17490,7 @@
                               <m:dPr>
                                 <m:ctrlPr>
                                   <a:rPr lang="en-US" i="1">
-                                    <a:latin typeface="Cambria Math" charset="0"/>
+                                    <a:latin typeface="Cambria Math" panose="02040503050406030204" pitchFamily="18" charset="0"/>
                                   </a:rPr>
                                 </m:ctrlPr>
                               </m:dPr>
@@ -17857,7 +17513,7 @@
                               <m:dPr>
                                 <m:ctrlPr>
                                   <a:rPr lang="en-US" i="1">
-                                    <a:latin typeface="Cambria Math" charset="0"/>
+                                    <a:latin typeface="Cambria Math" panose="02040503050406030204" pitchFamily="18" charset="0"/>
                                   </a:rPr>
                                 </m:ctrlPr>
                               </m:dPr>
@@ -17908,9 +17564,6 @@
                   </a:rPr>
                   <a:t> </a:t>
                 </a:r>
-                <a:endParaRPr lang="en-US" dirty="0" smtClean="0">
-                  <a:effectLst/>
-                </a:endParaRPr>
               </a:p>
               <a:p>
                 <a:pPr algn="ctr"/>
@@ -17920,7 +17573,7 @@
                       <m:sSubPr>
                         <m:ctrlPr>
                           <a:rPr lang="en-US" i="1">
-                            <a:latin typeface="Cambria Math" charset="0"/>
+                            <a:latin typeface="Cambria Math" panose="02040503050406030204" pitchFamily="18" charset="0"/>
                           </a:rPr>
                         </m:ctrlPr>
                       </m:sSubPr>
@@ -17951,7 +17604,7 @@
                       <m:sSupPr>
                         <m:ctrlPr>
                           <a:rPr lang="en-US" i="1">
-                            <a:latin typeface="Cambria Math" charset="0"/>
+                            <a:latin typeface="Cambria Math" panose="02040503050406030204" pitchFamily="18" charset="0"/>
                           </a:rPr>
                         </m:ctrlPr>
                       </m:sSupPr>
@@ -17960,7 +17613,7 @@
                           <m:dPr>
                             <m:ctrlPr>
                               <a:rPr lang="en-US" i="1">
-                                <a:latin typeface="Cambria Math" charset="0"/>
+                                <a:latin typeface="Cambria Math" panose="02040503050406030204" pitchFamily="18" charset="0"/>
                               </a:rPr>
                             </m:ctrlPr>
                           </m:dPr>
@@ -17981,7 +17634,7 @@
                               <m:sSupPr>
                                 <m:ctrlPr>
                                   <a:rPr lang="en-US" i="1">
-                                    <a:latin typeface="Cambria Math" charset="0"/>
+                                    <a:latin typeface="Cambria Math" panose="02040503050406030204" pitchFamily="18" charset="0"/>
                                   </a:rPr>
                                 </m:ctrlPr>
                               </m:sSupPr>
@@ -17990,7 +17643,7 @@
                                   <m:sSubPr>
                                     <m:ctrlPr>
                                       <a:rPr lang="en-US" i="1">
-                                        <a:latin typeface="Cambria Math" charset="0"/>
+                                        <a:latin typeface="Cambria Math" panose="02040503050406030204" pitchFamily="18" charset="0"/>
                                       </a:rPr>
                                     </m:ctrlPr>
                                   </m:sSubPr>
@@ -18029,7 +17682,7 @@
                           <m:fPr>
                             <m:ctrlPr>
                               <a:rPr lang="en-US" i="1">
-                                <a:latin typeface="Cambria Math" charset="0"/>
+                                <a:latin typeface="Cambria Math" panose="02040503050406030204" pitchFamily="18" charset="0"/>
                               </a:rPr>
                             </m:ctrlPr>
                           </m:fPr>
@@ -18066,9 +17719,6 @@
                   </a:rPr>
                   <a:t> </a:t>
                 </a:r>
-                <a:endParaRPr lang="en-US" dirty="0" smtClean="0">
-                  <a:effectLst/>
-                </a:endParaRPr>
               </a:p>
               <a:p>
                 <a:pPr algn="ctr"/>
@@ -18078,7 +17728,7 @@
                       <m:sSupPr>
                         <m:ctrlPr>
                           <a:rPr lang="en-US" i="1">
-                            <a:latin typeface="Cambria Math" charset="0"/>
+                            <a:latin typeface="Cambria Math" panose="02040503050406030204" pitchFamily="18" charset="0"/>
                           </a:rPr>
                         </m:ctrlPr>
                       </m:sSupPr>
@@ -18087,7 +17737,7 @@
                           <m:sSubPr>
                             <m:ctrlPr>
                               <a:rPr lang="en-US" i="1">
-                                <a:latin typeface="Cambria Math" charset="0"/>
+                                <a:latin typeface="Cambria Math" panose="02040503050406030204" pitchFamily="18" charset="0"/>
                               </a:rPr>
                             </m:ctrlPr>
                           </m:sSubPr>
@@ -18120,7 +17770,7 @@
                             <m:endChr m:val="]"/>
                             <m:ctrlPr>
                               <a:rPr lang="en-US" i="1">
-                                <a:latin typeface="Cambria Math" charset="0"/>
+                                <a:latin typeface="Cambria Math" panose="02040503050406030204" pitchFamily="18" charset="0"/>
                               </a:rPr>
                             </m:ctrlPr>
                           </m:dPr>
@@ -18129,7 +17779,7 @@
                               <m:dPr>
                                 <m:ctrlPr>
                                   <a:rPr lang="en-US" i="1">
-                                    <a:latin typeface="Cambria Math" charset="0"/>
+                                    <a:latin typeface="Cambria Math" panose="02040503050406030204" pitchFamily="18" charset="0"/>
                                   </a:rPr>
                                 </m:ctrlPr>
                               </m:dPr>
@@ -18162,7 +17812,7 @@
                           <m:fPr>
                             <m:ctrlPr>
                               <a:rPr lang="en-US" i="1">
-                                <a:latin typeface="Cambria Math" charset="0"/>
+                                <a:latin typeface="Cambria Math" panose="02040503050406030204" pitchFamily="18" charset="0"/>
                               </a:rPr>
                             </m:ctrlPr>
                           </m:fPr>
@@ -18242,13 +17892,6 @@
   <p:clrMapOvr>
     <a:masterClrMapping/>
   </p:clrMapOvr>
-  <p:timing>
-    <p:tnLst>
-      <p:par>
-        <p:cTn id="1" dur="indefinite" restart="never" nodeType="tmRoot"/>
-      </p:par>
-    </p:tnLst>
-  </p:timing>
 </p:sld>
 </file>
 
@@ -18285,12 +17928,8 @@
           <a:lstStyle/>
           <a:p>
             <a:r>
-              <a:rPr lang="en-US" dirty="0" smtClean="0"/>
+              <a:rPr lang="en-US" dirty="0"/>
               <a:t>Steady-State Analysis</a:t>
-            </a:r>
-            <a:r>
-              <a:rPr lang="en-US" dirty="0"/>
-              <a:t/>
             </a:r>
             <a:br>
               <a:rPr lang="en-US" dirty="0"/>
@@ -18332,7 +17971,7 @@
                       <m:sSubPr>
                         <m:ctrlPr>
                           <a:rPr lang="en-US" i="1">
-                            <a:latin typeface="Cambria Math" charset="0"/>
+                            <a:latin typeface="Cambria Math" panose="02040503050406030204" pitchFamily="18" charset="0"/>
                           </a:rPr>
                         </m:ctrlPr>
                       </m:sSubPr>
@@ -18363,7 +18002,7 @@
                       <m:sSubPr>
                         <m:ctrlPr>
                           <a:rPr lang="en-US" i="1">
-                            <a:latin typeface="Cambria Math" charset="0"/>
+                            <a:latin typeface="Cambria Math" panose="02040503050406030204" pitchFamily="18" charset="0"/>
                           </a:rPr>
                         </m:ctrlPr>
                       </m:sSubPr>
@@ -18392,9 +18031,6 @@
                   </a:rPr>
                   <a:t> </a:t>
                 </a:r>
-                <a:endParaRPr lang="en-US" dirty="0" smtClean="0">
-                  <a:effectLst/>
-                </a:endParaRPr>
               </a:p>
               <a:p>
                 <a:endParaRPr lang="en-US" dirty="0"/>
@@ -18405,18 +18041,17 @@
                   <a:t>debt to output ratio will be stable and converges to the steady state </a:t>
                 </a:r>
                 <a:r>
-                  <a:rPr lang="en-US" i="1" dirty="0" err="1" smtClean="0"/>
+                  <a:rPr lang="en-US" i="1" dirty="0" err="1"/>
                   <a:t>ξ</a:t>
                 </a:r>
                 <a:r>
-                  <a:rPr lang="en-US" i="1" dirty="0" smtClean="0"/>
+                  <a:rPr lang="en-US" i="1" dirty="0"/>
                   <a:t>:</a:t>
                 </a:r>
                 <a:r>
-                  <a:rPr lang="en-US" dirty="0" smtClean="0"/>
+                  <a:rPr lang="en-US" dirty="0"/>
                   <a:t> </a:t>
                 </a:r>
-                <a:endParaRPr lang="en-US" dirty="0"/>
               </a:p>
               <a:p>
                 <a:pPr algn="ctr"/>
@@ -18438,7 +18073,7 @@
                       <m:fPr>
                         <m:ctrlPr>
                           <a:rPr lang="en-US" i="1">
-                            <a:latin typeface="Cambria Math" charset="0"/>
+                            <a:latin typeface="Cambria Math" panose="02040503050406030204" pitchFamily="18" charset="0"/>
                           </a:rPr>
                         </m:ctrlPr>
                       </m:fPr>
@@ -18453,7 +18088,7 @@
                           <m:fPr>
                             <m:ctrlPr>
                               <a:rPr lang="en-US" i="1">
-                                <a:latin typeface="Cambria Math" charset="0"/>
+                                <a:latin typeface="Cambria Math" panose="02040503050406030204" pitchFamily="18" charset="0"/>
                               </a:rPr>
                             </m:ctrlPr>
                           </m:fPr>
@@ -18468,7 +18103,7 @@
                               <m:sSubPr>
                                 <m:ctrlPr>
                                   <a:rPr lang="en-US" i="1">
-                                    <a:latin typeface="Cambria Math" charset="0"/>
+                                    <a:latin typeface="Cambria Math" panose="02040503050406030204" pitchFamily="18" charset="0"/>
                                   </a:rPr>
                                 </m:ctrlPr>
                               </m:sSubPr>
@@ -18493,7 +18128,7 @@
                               <m:dPr>
                                 <m:ctrlPr>
                                   <a:rPr lang="en-US" i="1">
-                                    <a:latin typeface="Cambria Math" charset="0"/>
+                                    <a:latin typeface="Cambria Math" panose="02040503050406030204" pitchFamily="18" charset="0"/>
                                   </a:rPr>
                                 </m:ctrlPr>
                               </m:dPr>
@@ -18516,7 +18151,7 @@
                               <m:dPr>
                                 <m:ctrlPr>
                                   <a:rPr lang="en-US" i="1">
-                                    <a:latin typeface="Cambria Math" charset="0"/>
+                                    <a:latin typeface="Cambria Math" panose="02040503050406030204" pitchFamily="18" charset="0"/>
                                   </a:rPr>
                                 </m:ctrlPr>
                               </m:dPr>
@@ -18539,7 +18174,7 @@
                               <m:sSubPr>
                                 <m:ctrlPr>
                                   <a:rPr lang="en-US" i="1">
-                                    <a:latin typeface="Cambria Math" charset="0"/>
+                                    <a:latin typeface="Cambria Math" panose="02040503050406030204" pitchFamily="18" charset="0"/>
                                   </a:rPr>
                                 </m:ctrlPr>
                               </m:sSubPr>
@@ -18600,7 +18235,7 @@
                           <m:sSubPr>
                             <m:ctrlPr>
                               <a:rPr lang="en-US" i="1">
-                                <a:latin typeface="Cambria Math" charset="0"/>
+                                <a:latin typeface="Cambria Math" panose="02040503050406030204" pitchFamily="18" charset="0"/>
                               </a:rPr>
                             </m:ctrlPr>
                           </m:sSubPr>
@@ -18631,13 +18266,10 @@
                   </a:rPr>
                   <a:t> </a:t>
                 </a:r>
-                <a:endParaRPr lang="en-US" dirty="0" smtClean="0">
-                  <a:effectLst/>
-                </a:endParaRPr>
               </a:p>
               <a:p>
                 <a:r>
-                  <a:rPr lang="en-US" dirty="0" smtClean="0"/>
+                  <a:rPr lang="en-US" dirty="0"/>
                   <a:t>Capped Growth:</a:t>
                 </a:r>
               </a:p>
@@ -18649,7 +18281,7 @@
                       <m:sSupPr>
                         <m:ctrlPr>
                           <a:rPr lang="en-US" i="1">
-                            <a:latin typeface="Cambria Math" charset="0"/>
+                            <a:latin typeface="Cambria Math" panose="02040503050406030204" pitchFamily="18" charset="0"/>
                           </a:rPr>
                         </m:ctrlPr>
                       </m:sSupPr>
@@ -18680,7 +18312,7 @@
                       <m:fPr>
                         <m:ctrlPr>
                           <a:rPr lang="en-US" i="1">
-                            <a:latin typeface="Cambria Math" charset="0"/>
+                            <a:latin typeface="Cambria Math" panose="02040503050406030204" pitchFamily="18" charset="0"/>
                           </a:rPr>
                         </m:ctrlPr>
                       </m:fPr>
@@ -18721,7 +18353,7 @@
                           <m:fPr>
                             <m:ctrlPr>
                               <a:rPr lang="en-US" i="1">
-                                <a:latin typeface="Cambria Math" charset="0"/>
+                                <a:latin typeface="Cambria Math" panose="02040503050406030204" pitchFamily="18" charset="0"/>
                               </a:rPr>
                             </m:ctrlPr>
                           </m:fPr>
@@ -18736,7 +18368,7 @@
                               <m:sSubPr>
                                 <m:ctrlPr>
                                   <a:rPr lang="en-US" i="1">
-                                    <a:latin typeface="Cambria Math" charset="0"/>
+                                    <a:latin typeface="Cambria Math" panose="02040503050406030204" pitchFamily="18" charset="0"/>
                                   </a:rPr>
                                 </m:ctrlPr>
                               </m:sSubPr>
@@ -18761,7 +18393,7 @@
                               <m:dPr>
                                 <m:ctrlPr>
                                   <a:rPr lang="en-US" i="1">
-                                    <a:latin typeface="Cambria Math" charset="0"/>
+                                    <a:latin typeface="Cambria Math" panose="02040503050406030204" pitchFamily="18" charset="0"/>
                                   </a:rPr>
                                 </m:ctrlPr>
                               </m:dPr>
@@ -18784,7 +18416,7 @@
                               <m:dPr>
                                 <m:ctrlPr>
                                   <a:rPr lang="en-US" i="1">
-                                    <a:latin typeface="Cambria Math" charset="0"/>
+                                    <a:latin typeface="Cambria Math" panose="02040503050406030204" pitchFamily="18" charset="0"/>
                                   </a:rPr>
                                 </m:ctrlPr>
                               </m:dPr>
@@ -18807,7 +18439,7 @@
                               <m:sSubPr>
                                 <m:ctrlPr>
                                   <a:rPr lang="en-US" i="1">
-                                    <a:latin typeface="Cambria Math" charset="0"/>
+                                    <a:latin typeface="Cambria Math" panose="02040503050406030204" pitchFamily="18" charset="0"/>
                                   </a:rPr>
                                 </m:ctrlPr>
                               </m:sSubPr>
@@ -18925,12 +18557,12 @@
           <a:graphicData uri="http://schemas.openxmlformats.org/presentationml/2006/ole">
             <mc:AlternateContent xmlns:mc="http://schemas.openxmlformats.org/markup-compatibility/2006">
               <mc:Choice xmlns:v="urn:schemas-microsoft-com:vml" Requires="v">
-                <p:oleObj spid="_x0000_s9305" name="Document" r:id="rId5" imgW="6311900" imgH="4787900" progId="Word.Document.12">
+                <p:oleObj spid="_x0000_s9306" name="Document" r:id="rId4" imgW="6311900" imgH="4787900" progId="Word.Document.12">
                   <p:embed/>
                 </p:oleObj>
               </mc:Choice>
               <mc:Fallback>
-                <p:oleObj name="Document" r:id="rId5" imgW="6311900" imgH="4787900" progId="Word.Document.12">
+                <p:oleObj name="Document" r:id="rId4" imgW="6311900" imgH="4787900" progId="Word.Document.12">
                   <p:embed/>
                   <p:pic>
                     <p:nvPicPr>
@@ -18939,7 +18571,7 @@
                       <p:nvPr/>
                     </p:nvPicPr>
                     <p:blipFill>
-                      <a:blip r:embed="rId6"/>
+                      <a:blip r:embed="rId5"/>
                       <a:stretch>
                         <a:fillRect/>
                       </a:stretch>
@@ -18970,13 +18602,6 @@
   <p:clrMapOvr>
     <a:masterClrMapping/>
   </p:clrMapOvr>
-  <p:timing>
-    <p:tnLst>
-      <p:par>
-        <p:cTn id="1" dur="indefinite" restart="never" nodeType="tmRoot"/>
-      </p:par>
-    </p:tnLst>
-  </p:timing>
 </p:sld>
 </file>
 
@@ -19016,28 +18641,15 @@
           <a:p>
             <a:r>
               <a:rPr lang="en-US" dirty="0"/>
-              <a:t>Case 2. Romer’s </a:t>
-            </a:r>
-            <a:r>
-              <a:rPr lang="en-US" dirty="0" smtClean="0"/>
-              <a:t>Case and</a:t>
-            </a:r>
-            <a:r>
-              <a:rPr lang="en-US" dirty="0"/>
-              <a:t/>
+              <a:t>Case 2. Romer’s Case and</a:t>
             </a:r>
             <a:br>
               <a:rPr lang="en-US" dirty="0"/>
             </a:br>
             <a:r>
               <a:rPr lang="en-US" dirty="0"/>
-              <a:t>Case 3. Transient Unstable </a:t>
+              <a:t>Case 3. Transient Unstable Case</a:t>
             </a:r>
-            <a:r>
-              <a:rPr lang="en-US" dirty="0" smtClean="0"/>
-              <a:t>Case</a:t>
-            </a:r>
-            <a:endParaRPr lang="en-US" dirty="0"/>
           </a:p>
         </p:txBody>
       </p:sp>
@@ -19064,7 +18676,7 @@
                       <m:sSubPr>
                         <m:ctrlPr>
                           <a:rPr lang="en-US" i="1">
-                            <a:latin typeface="Cambria Math" charset="0"/>
+                            <a:latin typeface="Cambria Math" panose="02040503050406030204" pitchFamily="18" charset="0"/>
                           </a:rPr>
                         </m:ctrlPr>
                       </m:sSubPr>
@@ -19107,7 +18719,7 @@
                       <m:sSubPr>
                         <m:ctrlPr>
                           <a:rPr lang="en-US" i="1">
-                            <a:latin typeface="Cambria Math" charset="0"/>
+                            <a:latin typeface="Cambria Math" panose="02040503050406030204" pitchFamily="18" charset="0"/>
                           </a:rPr>
                         </m:ctrlPr>
                       </m:sSubPr>
@@ -19138,7 +18750,7 @@
                       <m:sSupPr>
                         <m:ctrlPr>
                           <a:rPr lang="en-US" i="1">
-                            <a:latin typeface="Cambria Math" charset="0"/>
+                            <a:latin typeface="Cambria Math" panose="02040503050406030204" pitchFamily="18" charset="0"/>
                           </a:rPr>
                         </m:ctrlPr>
                       </m:sSupPr>
@@ -19167,24 +18779,17 @@
                   </a:rPr>
                   <a:t> </a:t>
                 </a:r>
-                <a:endParaRPr lang="en-US" dirty="0" smtClean="0">
-                  <a:effectLst/>
-                </a:endParaRPr>
               </a:p>
               <a:p>
                 <a:r>
-                  <a:rPr lang="en-US" dirty="0" smtClean="0"/>
+                  <a:rPr lang="en-US" dirty="0"/>
                   <a:t>Discussed in [Romer 1990]</a:t>
                 </a:r>
               </a:p>
               <a:p>
                 <a:r>
-                  <a:rPr lang="en-US" dirty="0" smtClean="0"/>
-                  <a:t>Transition </a:t>
-                </a:r>
-                <a:r>
                   <a:rPr lang="en-US" dirty="0"/>
-                  <a:t>to steady state is instantaneous and </a:t>
+                  <a:t>Transition to steady state is instantaneous and </a:t>
                 </a:r>
                 <a14:m>
                   <m:oMath xmlns:m="http://schemas.openxmlformats.org/officeDocument/2006/math">
@@ -19192,7 +18797,7 @@
                       <m:sSubPr>
                         <m:ctrlPr>
                           <a:rPr lang="en-US" i="1">
-                            <a:latin typeface="Cambria Math" charset="0"/>
+                            <a:latin typeface="Cambria Math" panose="02040503050406030204" pitchFamily="18" charset="0"/>
                           </a:rPr>
                         </m:ctrlPr>
                       </m:sSubPr>
@@ -19223,7 +18828,7 @@
                       <m:sSubPr>
                         <m:ctrlPr>
                           <a:rPr lang="en-US" i="1">
-                            <a:latin typeface="Cambria Math" charset="0"/>
+                            <a:latin typeface="Cambria Math" panose="02040503050406030204" pitchFamily="18" charset="0"/>
                           </a:rPr>
                         </m:ctrlPr>
                       </m:sSubPr>
@@ -19254,7 +18859,7 @@
                       <m:sSupPr>
                         <m:ctrlPr>
                           <a:rPr lang="en-US" i="1">
-                            <a:latin typeface="Cambria Math" charset="0"/>
+                            <a:latin typeface="Cambria Math" panose="02040503050406030204" pitchFamily="18" charset="0"/>
                           </a:rPr>
                         </m:ctrlPr>
                       </m:sSupPr>
@@ -19269,7 +18874,7 @@
                           <m:sSupPr>
                             <m:ctrlPr>
                               <a:rPr lang="en-US" i="1">
-                                <a:latin typeface="Cambria Math" charset="0"/>
+                                <a:latin typeface="Cambria Math" panose="02040503050406030204" pitchFamily="18" charset="0"/>
                               </a:rPr>
                             </m:ctrlPr>
                           </m:sSupPr>
@@ -19312,7 +18917,6 @@
                   <a:rPr lang="en-US" dirty="0"/>
                   <a:t>. </a:t>
                 </a:r>
-                <a:endParaRPr lang="en-US" dirty="0" smtClean="0"/>
               </a:p>
               <a:p>
                 <a:endParaRPr lang="en-US" dirty="0"/>
@@ -19324,7 +18928,7 @@
                       <m:sSubPr>
                         <m:ctrlPr>
                           <a:rPr lang="en-US" i="1">
-                            <a:latin typeface="Cambria Math" charset="0"/>
+                            <a:latin typeface="Cambria Math" panose="02040503050406030204" pitchFamily="18" charset="0"/>
                           </a:rPr>
                         </m:ctrlPr>
                       </m:sSubPr>
@@ -19367,7 +18971,7 @@
                       <m:sSubPr>
                         <m:ctrlPr>
                           <a:rPr lang="en-US" i="1">
-                            <a:latin typeface="Cambria Math" charset="0"/>
+                            <a:latin typeface="Cambria Math" panose="02040503050406030204" pitchFamily="18" charset="0"/>
                           </a:rPr>
                         </m:ctrlPr>
                       </m:sSubPr>
@@ -19408,26 +19012,11 @@
                   </a:rPr>
                   <a:t> </a:t>
                 </a:r>
-                <a:endParaRPr lang="en-US" dirty="0" smtClean="0">
-                  <a:effectLst/>
-                </a:endParaRPr>
               </a:p>
               <a:p>
                 <a:r>
                   <a:rPr lang="en-US" dirty="0"/>
-                  <a:t>D</a:t>
-                </a:r>
-                <a:r>
-                  <a:rPr lang="en-US" dirty="0" smtClean="0"/>
-                  <a:t>ebt </a:t>
-                </a:r>
-                <a:r>
-                  <a:rPr lang="en-US" dirty="0"/>
-                  <a:t>to output ratio will be transiently </a:t>
-                </a:r>
-                <a:r>
-                  <a:rPr lang="en-US" dirty="0" smtClean="0"/>
-                  <a:t>unstable. </a:t>
+                  <a:t>Debt to output ratio will be transiently unstable. </a:t>
                 </a:r>
               </a:p>
               <a:p>
@@ -19483,13 +19072,6 @@
   <p:clrMapOvr>
     <a:masterClrMapping/>
   </p:clrMapOvr>
-  <p:timing>
-    <p:tnLst>
-      <p:par>
-        <p:cTn id="1" dur="indefinite" restart="never" nodeType="tmRoot"/>
-      </p:par>
-    </p:tnLst>
-  </p:timing>
 </p:sld>
 </file>
 
@@ -19526,10 +19108,9 @@
           <a:lstStyle/>
           <a:p>
             <a:r>
-              <a:rPr lang="en-US" dirty="0" smtClean="0"/>
+              <a:rPr lang="en-US" dirty="0"/>
               <a:t>One Example</a:t>
             </a:r>
-            <a:endParaRPr lang="en-US" dirty="0"/>
           </a:p>
         </p:txBody>
       </p:sp>
@@ -19601,49 +19182,28 @@
             </a:r>
             <a:r>
               <a:rPr lang="en-US" dirty="0"/>
-              <a:t>=1, and population </a:t>
+              <a:t>=1, and population growth=0%. </a:t>
             </a:r>
             <a:r>
-              <a:rPr lang="en-US" dirty="0" smtClean="0"/>
-              <a:t>growth=0</a:t>
+              <a:rPr lang="en-US" dirty="0" err="1"/>
+              <a:t>τ</a:t>
             </a:r>
             <a:r>
               <a:rPr lang="en-US" dirty="0"/>
-              <a:t>%. </a:t>
-            </a:r>
-            <a:r>
-              <a:rPr lang="en-US" dirty="0" err="1" smtClean="0"/>
-              <a:t>τ</a:t>
-            </a:r>
-            <a:r>
-              <a:rPr lang="en-US" dirty="0" smtClean="0"/>
               <a:t>=50%</a:t>
             </a:r>
           </a:p>
           <a:p>
             <a:r>
-              <a:rPr lang="en-US" dirty="0" smtClean="0"/>
-              <a:t>Maximum </a:t>
-            </a:r>
-            <a:r>
               <a:rPr lang="en-US" dirty="0"/>
-              <a:t>attainable subsidy is 13</a:t>
-            </a:r>
-            <a:r>
-              <a:rPr lang="en-US" dirty="0" smtClean="0"/>
-              <a:t>%</a:t>
+              <a:t>Maximum attainable subsidy is 13%</a:t>
             </a:r>
           </a:p>
           <a:p>
             <a:r>
-              <a:rPr lang="en-US" dirty="0" smtClean="0"/>
-              <a:t>Income-per-capita </a:t>
+              <a:rPr lang="en-US" dirty="0"/>
+              <a:t>Income-per-capita has reduced from 3.19 to 1.87 </a:t>
             </a:r>
-            <a:r>
-              <a:rPr lang="en-US" dirty="0"/>
-              <a:t>has reduced from 3.19 to 1.87 </a:t>
-            </a:r>
-            <a:endParaRPr lang="en-US" dirty="0" smtClean="0"/>
           </a:p>
           <a:p>
             <a:r>
@@ -19678,12 +19238,12 @@
           <a:graphicData uri="http://schemas.openxmlformats.org/presentationml/2006/ole">
             <mc:AlternateContent xmlns:mc="http://schemas.openxmlformats.org/markup-compatibility/2006">
               <mc:Choice xmlns:v="urn:schemas-microsoft-com:vml" Requires="v">
-                <p:oleObj spid="_x0000_s10308" name="Document" r:id="rId4" imgW="5943600" imgH="1524000" progId="Word.Document.12">
+                <p:oleObj spid="_x0000_s10309" name="Document" r:id="rId3" imgW="5943600" imgH="1524000" progId="Word.Document.12">
                   <p:embed/>
                 </p:oleObj>
               </mc:Choice>
               <mc:Fallback>
-                <p:oleObj name="Document" r:id="rId4" imgW="5943600" imgH="1524000" progId="Word.Document.12">
+                <p:oleObj name="Document" r:id="rId3" imgW="5943600" imgH="1524000" progId="Word.Document.12">
                   <p:embed/>
                   <p:pic>
                     <p:nvPicPr>
@@ -19692,7 +19252,7 @@
                       <p:nvPr/>
                     </p:nvPicPr>
                     <p:blipFill>
-                      <a:blip r:embed="rId5"/>
+                      <a:blip r:embed="rId4"/>
                       <a:stretch>
                         <a:fillRect/>
                       </a:stretch>
@@ -19723,13 +19283,6 @@
   <p:clrMapOvr>
     <a:masterClrMapping/>
   </p:clrMapOvr>
-  <p:timing>
-    <p:tnLst>
-      <p:par>
-        <p:cTn id="1" dur="indefinite" restart="never" nodeType="tmRoot"/>
-      </p:par>
-    </p:tnLst>
-  </p:timing>
 </p:sld>
 </file>
 
@@ -19795,12 +19348,8 @@
               <a:lstStyle/>
               <a:p>
                 <a:r>
-                  <a:rPr lang="en-US" dirty="0" smtClean="0"/>
-                  <a:t>Lending country’s interest rate </a:t>
-                </a:r>
-                <a:r>
                   <a:rPr lang="en-US" dirty="0"/>
-                  <a:t>is raised from its original level </a:t>
+                  <a:t>Lending country’s interest rate is raised from its original level </a:t>
                 </a:r>
                 <a:r>
                   <a:rPr lang="en-US" i="1" dirty="0"/>
@@ -19838,7 +19387,7 @@
                       <m:sSubPr>
                         <m:ctrlPr>
                           <a:rPr lang="en-US" i="1">
-                            <a:latin typeface="Cambria Math" charset="0"/>
+                            <a:latin typeface="Cambria Math" panose="02040503050406030204" pitchFamily="18" charset="0"/>
                           </a:rPr>
                         </m:ctrlPr>
                       </m:sSubPr>
@@ -19881,7 +19430,7 @@
                       <m:sSupPr>
                         <m:ctrlPr>
                           <a:rPr lang="en-US" i="1">
-                            <a:latin typeface="Cambria Math" charset="0"/>
+                            <a:latin typeface="Cambria Math" panose="02040503050406030204" pitchFamily="18" charset="0"/>
                           </a:rPr>
                         </m:ctrlPr>
                       </m:sSupPr>
@@ -19890,7 +19439,7 @@
                           <m:dPr>
                             <m:ctrlPr>
                               <a:rPr lang="en-US" i="1">
-                                <a:latin typeface="Cambria Math" charset="0"/>
+                                <a:latin typeface="Cambria Math" panose="02040503050406030204" pitchFamily="18" charset="0"/>
                               </a:rPr>
                             </m:ctrlPr>
                           </m:dPr>
@@ -19899,7 +19448,7 @@
                               <m:dPr>
                                 <m:ctrlPr>
                                   <a:rPr lang="en-US" i="1">
-                                    <a:latin typeface="Cambria Math" charset="0"/>
+                                    <a:latin typeface="Cambria Math" panose="02040503050406030204" pitchFamily="18" charset="0"/>
                                   </a:rPr>
                                 </m:ctrlPr>
                               </m:dPr>
@@ -19914,7 +19463,7 @@
                                   <m:sSubPr>
                                     <m:ctrlPr>
                                       <a:rPr lang="en-US" i="1">
-                                        <a:latin typeface="Cambria Math" charset="0"/>
+                                        <a:latin typeface="Cambria Math" panose="02040503050406030204" pitchFamily="18" charset="0"/>
                                       </a:rPr>
                                     </m:ctrlPr>
                                   </m:sSubPr>
@@ -19951,7 +19500,7 @@
                           <m:fPr>
                             <m:ctrlPr>
                               <a:rPr lang="en-US" i="1">
-                                <a:latin typeface="Cambria Math" charset="0"/>
+                                <a:latin typeface="Cambria Math" panose="02040503050406030204" pitchFamily="18" charset="0"/>
                               </a:rPr>
                             </m:ctrlPr>
                           </m:fPr>
@@ -19978,31 +19527,19 @@
                 </a14:m>
                 <a:r>
                   <a:rPr lang="en-US" dirty="0"/>
-                  <a:t> </a:t>
-                </a:r>
-                <a:r>
-                  <a:rPr lang="en-US" dirty="0" smtClean="0"/>
-                  <a:t>.</a:t>
+                  <a:t> .</a:t>
                 </a:r>
               </a:p>
               <a:p>
                 <a:r>
-                  <a:rPr lang="en-US" dirty="0" smtClean="0"/>
+                  <a:rPr lang="en-US" dirty="0"/>
                   <a:t> </a:t>
                 </a:r>
               </a:p>
               <a:p>
                 <a:r>
                   <a:rPr lang="en-US" dirty="0"/>
-                  <a:t>T</a:t>
-                </a:r>
-                <a:r>
-                  <a:rPr lang="en-US" dirty="0" smtClean="0"/>
-                  <a:t>his </a:t>
-                </a:r>
-                <a:r>
-                  <a:rPr lang="en-US" dirty="0"/>
-                  <a:t>will reduce the steady state DOR.</a:t>
+                  <a:t>This will reduce the steady state DOR.</a:t>
                 </a:r>
                 <a:r>
                   <a:rPr lang="en-US" dirty="0">
@@ -20010,7 +19547,7 @@
                   </a:rPr>
                   <a:t> </a:t>
                 </a:r>
-                <a:endParaRPr lang="en-US" dirty="0" smtClean="0"/>
+                <a:endParaRPr lang="en-US" dirty="0"/>
               </a:p>
               <a:p>
                 <a:endParaRPr lang="en-US" dirty="0"/>
@@ -20040,7 +19577,7 @@
                       <m:fPr>
                         <m:ctrlPr>
                           <a:rPr lang="en-US" i="1">
-                            <a:latin typeface="Cambria Math" charset="0"/>
+                            <a:latin typeface="Cambria Math" panose="02040503050406030204" pitchFamily="18" charset="0"/>
                           </a:rPr>
                         </m:ctrlPr>
                       </m:fPr>
@@ -20049,7 +19586,7 @@
                           <m:dPr>
                             <m:ctrlPr>
                               <a:rPr lang="en-US" i="1">
-                                <a:latin typeface="Cambria Math" charset="0"/>
+                                <a:latin typeface="Cambria Math" panose="02040503050406030204" pitchFamily="18" charset="0"/>
                               </a:rPr>
                             </m:ctrlPr>
                           </m:dPr>
@@ -20058,7 +19595,7 @@
                               <m:sSubPr>
                                 <m:ctrlPr>
                                   <a:rPr lang="en-US" i="1">
-                                    <a:latin typeface="Cambria Math" charset="0"/>
+                                    <a:latin typeface="Cambria Math" panose="02040503050406030204" pitchFamily="18" charset="0"/>
                                   </a:rPr>
                                 </m:ctrlPr>
                               </m:sSubPr>
@@ -20089,7 +19626,7 @@
                               <m:sSubPr>
                                 <m:ctrlPr>
                                   <a:rPr lang="en-US" i="1">
-                                    <a:latin typeface="Cambria Math" charset="0"/>
+                                    <a:latin typeface="Cambria Math" panose="02040503050406030204" pitchFamily="18" charset="0"/>
                                   </a:rPr>
                                 </m:ctrlPr>
                               </m:sSubPr>
@@ -20116,7 +19653,7 @@
                           <m:dPr>
                             <m:ctrlPr>
                               <a:rPr lang="en-US" i="1">
-                                <a:latin typeface="Cambria Math" charset="0"/>
+                                <a:latin typeface="Cambria Math" panose="02040503050406030204" pitchFamily="18" charset="0"/>
                               </a:rPr>
                             </m:ctrlPr>
                           </m:dPr>
@@ -20143,7 +19680,7 @@
                               <m:fPr>
                                 <m:ctrlPr>
                                   <a:rPr lang="en-US" i="1">
-                                    <a:latin typeface="Cambria Math" charset="0"/>
+                                    <a:latin typeface="Cambria Math" panose="02040503050406030204" pitchFamily="18" charset="0"/>
                                   </a:rPr>
                                 </m:ctrlPr>
                               </m:fPr>
@@ -20152,7 +19689,7 @@
                                   <m:sSubPr>
                                     <m:ctrlPr>
                                       <a:rPr lang="en-US" i="1">
-                                        <a:latin typeface="Cambria Math" charset="0"/>
+                                        <a:latin typeface="Cambria Math" panose="02040503050406030204" pitchFamily="18" charset="0"/>
                                       </a:rPr>
                                     </m:ctrlPr>
                                   </m:sSubPr>
@@ -20183,7 +19720,7 @@
                                   <m:sSubPr>
                                     <m:ctrlPr>
                                       <a:rPr lang="en-US" i="1">
-                                        <a:latin typeface="Cambria Math" charset="0"/>
+                                        <a:latin typeface="Cambria Math" panose="02040503050406030204" pitchFamily="18" charset="0"/>
                                       </a:rPr>
                                     </m:ctrlPr>
                                   </m:sSubPr>
@@ -20222,7 +19759,7 @@
                                   <m:sSubPr>
                                     <m:ctrlPr>
                                       <a:rPr lang="en-US" i="1">
-                                        <a:latin typeface="Cambria Math" charset="0"/>
+                                        <a:latin typeface="Cambria Math" panose="02040503050406030204" pitchFamily="18" charset="0"/>
                                       </a:rPr>
                                     </m:ctrlPr>
                                   </m:sSubPr>
@@ -20247,7 +19784,7 @@
                                   <m:sSubPr>
                                     <m:ctrlPr>
                                       <a:rPr lang="en-US" i="1">
-                                        <a:latin typeface="Cambria Math" charset="0"/>
+                                        <a:latin typeface="Cambria Math" panose="02040503050406030204" pitchFamily="18" charset="0"/>
                                       </a:rPr>
                                     </m:ctrlPr>
                                   </m:sSubPr>
@@ -20290,7 +19827,7 @@
                           <m:sSubPr>
                             <m:ctrlPr>
                               <a:rPr lang="en-US" i="1">
-                                <a:latin typeface="Cambria Math" charset="0"/>
+                                <a:latin typeface="Cambria Math" panose="02040503050406030204" pitchFamily="18" charset="0"/>
                               </a:rPr>
                             </m:ctrlPr>
                           </m:sSubPr>
@@ -20333,7 +19870,7 @@
                           <m:sSubPr>
                             <m:ctrlPr>
                               <a:rPr lang="en-US" i="1">
-                                <a:latin typeface="Cambria Math" charset="0"/>
+                                <a:latin typeface="Cambria Math" panose="02040503050406030204" pitchFamily="18" charset="0"/>
                               </a:rPr>
                             </m:ctrlPr>
                           </m:sSubPr>
@@ -20447,12 +19984,12 @@
           <a:graphicData uri="http://schemas.openxmlformats.org/presentationml/2006/ole">
             <mc:AlternateContent xmlns:mc="http://schemas.openxmlformats.org/markup-compatibility/2006">
               <mc:Choice xmlns:v="urn:schemas-microsoft-com:vml" Requires="v">
-                <p:oleObj spid="_x0000_s11329" name="Document" r:id="rId5" imgW="6413500" imgH="3886200" progId="Word.Document.12">
+                <p:oleObj spid="_x0000_s11330" name="Document" r:id="rId4" imgW="6413500" imgH="3886200" progId="Word.Document.12">
                   <p:embed/>
                 </p:oleObj>
               </mc:Choice>
               <mc:Fallback>
-                <p:oleObj name="Document" r:id="rId5" imgW="6413500" imgH="3886200" progId="Word.Document.12">
+                <p:oleObj name="Document" r:id="rId4" imgW="6413500" imgH="3886200" progId="Word.Document.12">
                   <p:embed/>
                   <p:pic>
                     <p:nvPicPr>
@@ -20461,7 +19998,7 @@
                       <p:nvPr/>
                     </p:nvPicPr>
                     <p:blipFill>
-                      <a:blip r:embed="rId6"/>
+                      <a:blip r:embed="rId5"/>
                       <a:stretch>
                         <a:fillRect/>
                       </a:stretch>
@@ -20492,13 +20029,6 @@
   <p:clrMapOvr>
     <a:masterClrMapping/>
   </p:clrMapOvr>
-  <p:timing>
-    <p:tnLst>
-      <p:par>
-        <p:cTn id="1" dur="indefinite" restart="never" nodeType="tmRoot"/>
-      </p:par>
-    </p:tnLst>
-  </p:timing>
 </p:sld>
 </file>
 
@@ -20562,15 +20092,7 @@
               <a:p>
                 <a:r>
                   <a:rPr lang="en-US" dirty="0"/>
-                  <a:t>C</a:t>
-                </a:r>
-                <a:r>
-                  <a:rPr lang="en-US" dirty="0" smtClean="0"/>
-                  <a:t>hange </a:t>
-                </a:r>
-                <a:r>
-                  <a:rPr lang="en-US" dirty="0"/>
-                  <a:t>in net foreign assets when interest rate rises from </a:t>
+                  <a:t>Change in net foreign assets when interest rate rises from </a:t>
                 </a:r>
                 <a14:m>
                   <m:oMath xmlns:m="http://schemas.openxmlformats.org/officeDocument/2006/math">
@@ -20578,7 +20100,7 @@
                       <m:sSubPr>
                         <m:ctrlPr>
                           <a:rPr lang="en-US" i="1">
-                            <a:latin typeface="Cambria Math" charset="0"/>
+                            <a:latin typeface="Cambria Math" panose="02040503050406030204" pitchFamily="18" charset="0"/>
                           </a:rPr>
                         </m:ctrlPr>
                       </m:sSubPr>
@@ -20611,7 +20133,7 @@
                       <m:sSubPr>
                         <m:ctrlPr>
                           <a:rPr lang="en-US" i="1">
-                            <a:latin typeface="Cambria Math" charset="0"/>
+                            <a:latin typeface="Cambria Math" panose="02040503050406030204" pitchFamily="18" charset="0"/>
                           </a:rPr>
                         </m:ctrlPr>
                       </m:sSubPr>
@@ -20644,7 +20166,7 @@
                   </a:rPr>
                   <a:t> </a:t>
                 </a:r>
-                <a:endParaRPr lang="en-US" dirty="0" smtClean="0"/>
+                <a:endParaRPr lang="en-US" dirty="0"/>
               </a:p>
               <a:p>
                 <a:endParaRPr lang="en-US" dirty="0"/>
@@ -20656,7 +20178,7 @@
                       <m:sSubPr>
                         <m:ctrlPr>
                           <a:rPr lang="en-US" i="1" smtClean="0">
-                            <a:latin typeface="Cambria Math" charset="0"/>
+                            <a:latin typeface="Cambria Math" panose="02040503050406030204" pitchFamily="18" charset="0"/>
                           </a:rPr>
                         </m:ctrlPr>
                       </m:sSubPr>
@@ -20693,7 +20215,7 @@
                       <m:sSupPr>
                         <m:ctrlPr>
                           <a:rPr lang="en-US" i="1">
-                            <a:latin typeface="Cambria Math" charset="0"/>
+                            <a:latin typeface="Cambria Math" panose="02040503050406030204" pitchFamily="18" charset="0"/>
                           </a:rPr>
                         </m:ctrlPr>
                       </m:sSupPr>
@@ -20702,7 +20224,7 @@
                           <m:dPr>
                             <m:ctrlPr>
                               <a:rPr lang="en-US" i="1">
-                                <a:latin typeface="Cambria Math" charset="0"/>
+                                <a:latin typeface="Cambria Math" panose="02040503050406030204" pitchFamily="18" charset="0"/>
                               </a:rPr>
                             </m:ctrlPr>
                           </m:dPr>
@@ -20717,7 +20239,7 @@
                               <m:dPr>
                                 <m:ctrlPr>
                                   <a:rPr lang="en-US" i="1">
-                                    <a:latin typeface="Cambria Math" charset="0"/>
+                                    <a:latin typeface="Cambria Math" panose="02040503050406030204" pitchFamily="18" charset="0"/>
                                   </a:rPr>
                                 </m:ctrlPr>
                               </m:dPr>
@@ -20726,7 +20248,7 @@
                                   <m:sSubPr>
                                     <m:ctrlPr>
                                       <a:rPr lang="en-US" i="1">
-                                        <a:latin typeface="Cambria Math" charset="0"/>
+                                        <a:latin typeface="Cambria Math" panose="02040503050406030204" pitchFamily="18" charset="0"/>
                                       </a:rPr>
                                     </m:ctrlPr>
                                   </m:sSubPr>
@@ -20753,7 +20275,7 @@
                               <m:sSubPr>
                                 <m:ctrlPr>
                                   <a:rPr lang="en-US" i="1">
-                                    <a:latin typeface="Cambria Math" charset="0"/>
+                                    <a:latin typeface="Cambria Math" panose="02040503050406030204" pitchFamily="18" charset="0"/>
                                   </a:rPr>
                                 </m:ctrlPr>
                               </m:sSubPr>
@@ -20814,7 +20336,7 @@
                       <m:sSupPr>
                         <m:ctrlPr>
                           <a:rPr lang="en-US" i="1">
-                            <a:latin typeface="Cambria Math" charset="0"/>
+                            <a:latin typeface="Cambria Math" panose="02040503050406030204" pitchFamily="18" charset="0"/>
                           </a:rPr>
                         </m:ctrlPr>
                       </m:sSupPr>
@@ -20823,7 +20345,7 @@
                           <m:dPr>
                             <m:ctrlPr>
                               <a:rPr lang="en-US" i="1">
-                                <a:latin typeface="Cambria Math" charset="0"/>
+                                <a:latin typeface="Cambria Math" panose="02040503050406030204" pitchFamily="18" charset="0"/>
                               </a:rPr>
                             </m:ctrlPr>
                           </m:dPr>
@@ -20838,7 +20360,7 @@
                               <m:dPr>
                                 <m:ctrlPr>
                                   <a:rPr lang="en-US" i="1">
-                                    <a:latin typeface="Cambria Math" charset="0"/>
+                                    <a:latin typeface="Cambria Math" panose="02040503050406030204" pitchFamily="18" charset="0"/>
                                   </a:rPr>
                                 </m:ctrlPr>
                               </m:dPr>
@@ -20847,7 +20369,7 @@
                                   <m:sSubPr>
                                     <m:ctrlPr>
                                       <a:rPr lang="en-US" i="1">
-                                        <a:latin typeface="Cambria Math" charset="0"/>
+                                        <a:latin typeface="Cambria Math" panose="02040503050406030204" pitchFamily="18" charset="0"/>
                                       </a:rPr>
                                     </m:ctrlPr>
                                   </m:sSubPr>
@@ -20874,7 +20396,7 @@
                               <m:sSubPr>
                                 <m:ctrlPr>
                                   <a:rPr lang="en-US" i="1">
-                                    <a:latin typeface="Cambria Math" charset="0"/>
+                                    <a:latin typeface="Cambria Math" panose="02040503050406030204" pitchFamily="18" charset="0"/>
                                   </a:rPr>
                                 </m:ctrlPr>
                               </m:sSubPr>
@@ -20927,7 +20449,7 @@
                     </m:sSup>
                   </m:oMath>
                 </a14:m>
-                <a:endParaRPr lang="en-US" dirty="0" smtClean="0">
+                <a:endParaRPr lang="en-US" dirty="0">
                   <a:effectLst/>
                 </a:endParaRPr>
               </a:p>
@@ -20939,19 +20461,11 @@
                   <a:buNone/>
                 </a:pPr>
                 <a:r>
-                  <a:rPr lang="en-US" dirty="0" smtClean="0"/>
-                  <a:t>Exchange rate </a:t>
+                  <a:rPr lang="en-US" dirty="0"/>
+                  <a:t>Exchange rate pass through: </a:t>
                 </a:r>
                 <a:r>
-                  <a:rPr lang="en-US" dirty="0"/>
-                  <a:t>pass </a:t>
-                </a:r>
-                <a:r>
-                  <a:rPr lang="en-US" dirty="0" smtClean="0"/>
-                  <a:t>through: </a:t>
-                </a:r>
-                <a:r>
-                  <a:rPr lang="en-US" i="1" dirty="0" err="1" smtClean="0"/>
+                  <a:rPr lang="en-US" i="1" dirty="0" err="1"/>
                   <a:t>ψ</a:t>
                 </a:r>
                 <a:endParaRPr lang="en-US" dirty="0"/>
@@ -20962,18 +20476,10 @@
                 </a:pPr>
                 <a:r>
                   <a:rPr lang="en-US" dirty="0"/>
-                  <a:t>E</a:t>
+                  <a:t>Elasticity of demand for manufactured goods in the importing country with </a:t>
                 </a:r>
                 <a:r>
-                  <a:rPr lang="en-US" dirty="0" smtClean="0"/>
-                  <a:t>lasticity </a:t>
-                </a:r>
-                <a:r>
-                  <a:rPr lang="en-US" dirty="0"/>
-                  <a:t>of demand for manufactured goods in the importing country with </a:t>
-                </a:r>
-                <a:r>
-                  <a:rPr lang="en-US" i="1" dirty="0" err="1" smtClean="0"/>
+                  <a:rPr lang="en-US" i="1" dirty="0" err="1"/>
                   <a:t>λ</a:t>
                 </a:r>
                 <a:endParaRPr lang="en-US" dirty="0"/>
@@ -20983,12 +20489,8 @@
                   <a:buNone/>
                 </a:pPr>
                 <a:r>
-                  <a:rPr lang="en-US" dirty="0" smtClean="0"/>
-                  <a:t>Exchange </a:t>
-                </a:r>
-                <a:r>
                   <a:rPr lang="en-US" dirty="0"/>
-                  <a:t>rate at a given interest rate by </a:t>
+                  <a:t>Exchange rate at a given interest rate by </a:t>
                 </a:r>
                 <a14:m>
                   <m:oMath xmlns:m="http://schemas.openxmlformats.org/officeDocument/2006/math">
@@ -21002,7 +20504,7 @@
                       <m:dPr>
                         <m:ctrlPr>
                           <a:rPr lang="en-US" i="1">
-                            <a:latin typeface="Cambria Math" charset="0"/>
+                            <a:latin typeface="Cambria Math" panose="02040503050406030204" pitchFamily="18" charset="0"/>
                           </a:rPr>
                         </m:ctrlPr>
                       </m:dPr>
@@ -21011,7 +20513,7 @@
                           <m:sSubPr>
                             <m:ctrlPr>
                               <a:rPr lang="en-US" i="1">
-                                <a:latin typeface="Cambria Math" charset="0"/>
+                                <a:latin typeface="Cambria Math" panose="02040503050406030204" pitchFamily="18" charset="0"/>
                               </a:rPr>
                             </m:ctrlPr>
                           </m:sSubPr>
@@ -21040,13 +20542,7 @@
                   <a:rPr lang="en-US" dirty="0">
                     <a:effectLst/>
                   </a:rPr>
-                  <a:t> </a:t>
-                </a:r>
-                <a:r>
-                  <a:rPr lang="en-US" dirty="0" smtClean="0">
-                    <a:effectLst/>
-                  </a:rPr>
-                  <a:t> </a:t>
+                  <a:t>  </a:t>
                 </a:r>
                 <a:endParaRPr lang="en-US" dirty="0"/>
               </a:p>
@@ -21130,17 +20626,8 @@
                 </a14:m>
                 <a:r>
                   <a:rPr lang="en-US" dirty="0"/>
-                  <a:t> and therefore a decrease in prices </a:t>
+                  <a:t> and therefore a decrease in prices will provide a positive net foreign assets. </a:t>
                 </a:r>
-                <a:r>
-                  <a:rPr lang="en-US" dirty="0" smtClean="0"/>
-                  <a:t>will </a:t>
-                </a:r>
-                <a:r>
-                  <a:rPr lang="en-US" dirty="0"/>
-                  <a:t>provide a positive net foreign assets. </a:t>
-                </a:r>
-                <a:endParaRPr lang="en-US" dirty="0" smtClean="0"/>
               </a:p>
               <a:p>
                 <a:pPr marL="457200" indent="-457200">
@@ -21148,12 +20635,8 @@
                   <a:buAutoNum type="arabicPeriod"/>
                 </a:pPr>
                 <a:r>
-                  <a:rPr lang="en-US" dirty="0" smtClean="0"/>
-                  <a:t>For </a:t>
-                </a:r>
-                <a:r>
                   <a:rPr lang="en-US" dirty="0"/>
-                  <a:t>unit-elastic goods (</a:t>
+                  <a:t>For unit-elastic goods (</a:t>
                 </a:r>
                 <a14:m>
                   <m:oMath xmlns:m="http://schemas.openxmlformats.org/officeDocument/2006/math">
@@ -21173,11 +20656,7 @@
                 </a14:m>
                 <a:r>
                   <a:rPr lang="en-US" dirty="0"/>
-                  <a:t>, net foreign assets do not </a:t>
-                </a:r>
-                <a:r>
-                  <a:rPr lang="en-US" dirty="0" smtClean="0"/>
-                  <a:t>change</a:t>
+                  <a:t>, net foreign assets do not change</a:t>
                 </a:r>
               </a:p>
               <a:p>
@@ -21187,29 +20666,8 @@
                 </a:pPr>
                 <a:r>
                   <a:rPr lang="en-US" dirty="0"/>
-                  <a:t>F</a:t>
+                  <a:t>For low quality inelastic goods, net foreign assets decreases when price are reduced.</a:t>
                 </a:r>
-                <a:r>
-                  <a:rPr lang="en-US" dirty="0" smtClean="0"/>
-                  <a:t>or </a:t>
-                </a:r>
-                <a:r>
-                  <a:rPr lang="en-US" dirty="0"/>
-                  <a:t>low quality inelastic goods, net foreign assets </a:t>
-                </a:r>
-                <a:r>
-                  <a:rPr lang="en-US" dirty="0" smtClean="0"/>
-                  <a:t>decreases </a:t>
-                </a:r>
-                <a:r>
-                  <a:rPr lang="en-US" dirty="0"/>
-                  <a:t>when </a:t>
-                </a:r>
-                <a:r>
-                  <a:rPr lang="en-US" dirty="0" smtClean="0"/>
-                  <a:t>price are reduced.</a:t>
-                </a:r>
-                <a:endParaRPr lang="en-US" dirty="0"/>
               </a:p>
             </p:txBody>
           </p:sp>
@@ -21258,13 +20716,6 @@
   <p:clrMapOvr>
     <a:masterClrMapping/>
   </p:clrMapOvr>
-  <p:timing>
-    <p:tnLst>
-      <p:par>
-        <p:cTn id="1" dur="indefinite" restart="never" nodeType="tmRoot"/>
-      </p:par>
-    </p:tnLst>
-  </p:timing>
 </p:sld>
 </file>
 
@@ -21301,10 +20752,9 @@
           <a:lstStyle/>
           <a:p>
             <a:r>
-              <a:rPr lang="en-US" dirty="0" smtClean="0"/>
+              <a:rPr lang="en-US" dirty="0"/>
               <a:t>Conclusion</a:t>
             </a:r>
-            <a:endParaRPr lang="en-US" dirty="0"/>
           </a:p>
         </p:txBody>
       </p:sp>
@@ -21325,40 +20775,26 @@
           <a:p>
             <a:pPr lvl="1"/>
             <a:r>
-              <a:rPr lang="en-US" dirty="0" smtClean="0"/>
-              <a:t>The </a:t>
-            </a:r>
-            <a:r>
               <a:rPr lang="en-US" dirty="0"/>
-              <a:t>b</a:t>
-            </a:r>
-            <a:r>
-              <a:rPr lang="en-US" dirty="0" smtClean="0"/>
-              <a:t>orrower </a:t>
-            </a:r>
-            <a:r>
-              <a:rPr lang="en-US" dirty="0"/>
-              <a:t>should use the funds to increase its long-term capacity to produce at world-level quality, increase its domestic growth, and guarantee its debt obligations. </a:t>
+              <a:t>The borrower should use the funds to increase its long-term capacity to produce at world-level quality, increase its domestic growth, and guarantee its debt obligations. </a:t>
             </a:r>
           </a:p>
           <a:p>
             <a:pPr lvl="1"/>
-            <a:endParaRPr lang="en-US" dirty="0" smtClean="0"/>
+            <a:endParaRPr lang="en-US" dirty="0"/>
           </a:p>
           <a:p>
             <a:pPr lvl="1"/>
             <a:r>
-              <a:rPr lang="en-US" dirty="0" smtClean="0"/>
+              <a:rPr lang="en-US" dirty="0"/>
               <a:t>The borrower not only must consider growth but also welfare effects of its borrowing policy.</a:t>
             </a:r>
-            <a:endParaRPr lang="en-US" dirty="0"/>
           </a:p>
           <a:p>
             <a:r>
-              <a:rPr lang="en-US" dirty="0" smtClean="0"/>
+              <a:rPr lang="en-US" dirty="0"/>
               <a:t> </a:t>
             </a:r>
-            <a:endParaRPr lang="en-US" dirty="0"/>
           </a:p>
         </p:txBody>
       </p:sp>
@@ -21372,13 +20808,6 @@
   <p:clrMapOvr>
     <a:masterClrMapping/>
   </p:clrMapOvr>
-  <p:timing>
-    <p:tnLst>
-      <p:par>
-        <p:cTn id="1" dur="indefinite" restart="never" nodeType="tmRoot"/>
-      </p:par>
-    </p:tnLst>
-  </p:timing>
 </p:sld>
 </file>
 
@@ -21416,13 +20845,8 @@
           <a:p>
             <a:r>
               <a:rPr lang="en-US" dirty="0"/>
-              <a:t>Future </a:t>
+              <a:t>Future Research</a:t>
             </a:r>
-            <a:r>
-              <a:rPr lang="en-US" dirty="0" smtClean="0"/>
-              <a:t>Research</a:t>
-            </a:r>
-            <a:endParaRPr lang="en-US" dirty="0"/>
           </a:p>
         </p:txBody>
       </p:sp>
@@ -21445,22 +20869,13 @@
           <a:p>
             <a:r>
               <a:rPr lang="en-US" dirty="0"/>
-              <a:t>T</a:t>
+              <a:t>This study does not consider other important economic factors that have considerable impact on growth including </a:t>
             </a:r>
-            <a:r>
-              <a:rPr lang="en-US" dirty="0" smtClean="0"/>
-              <a:t>his </a:t>
-            </a:r>
-            <a:r>
-              <a:rPr lang="en-US" dirty="0"/>
-              <a:t>study does not consider other important economic factors that have considerable impact on growth including </a:t>
-            </a:r>
-            <a:endParaRPr lang="en-US" dirty="0" smtClean="0"/>
           </a:p>
           <a:p>
             <a:pPr lvl="1"/>
             <a:r>
-              <a:rPr lang="en-US" dirty="0" smtClean="0"/>
+              <a:rPr lang="en-US" dirty="0"/>
               <a:t>Inflation</a:t>
             </a:r>
           </a:p>
@@ -21468,55 +20883,31 @@
             <a:pPr lvl="1"/>
             <a:r>
               <a:rPr lang="en-US" dirty="0"/>
-              <a:t>D</a:t>
-            </a:r>
-            <a:r>
-              <a:rPr lang="en-US" dirty="0" smtClean="0"/>
-              <a:t>istributional effects</a:t>
+              <a:t>Distributional effects</a:t>
             </a:r>
           </a:p>
           <a:p>
             <a:pPr lvl="1"/>
             <a:r>
               <a:rPr lang="en-US" dirty="0"/>
-              <a:t>C</a:t>
-            </a:r>
-            <a:r>
-              <a:rPr lang="en-US" dirty="0" smtClean="0"/>
-              <a:t>urrency destabilization</a:t>
+              <a:t>Currency destabilization</a:t>
             </a:r>
           </a:p>
           <a:p>
             <a:pPr lvl="1"/>
             <a:r>
               <a:rPr lang="en-US" dirty="0"/>
-              <a:t>R</a:t>
-            </a:r>
-            <a:r>
-              <a:rPr lang="en-US" dirty="0" smtClean="0"/>
-              <a:t>ecessionary </a:t>
-            </a:r>
-            <a:r>
-              <a:rPr lang="en-US" dirty="0"/>
-              <a:t>periods caused by external </a:t>
-            </a:r>
-            <a:r>
-              <a:rPr lang="en-US" dirty="0" smtClean="0"/>
-              <a:t>shocks </a:t>
+              <a:t>Recessionary periods caused by external shocks </a:t>
             </a:r>
           </a:p>
           <a:p>
             <a:pPr lvl="1"/>
-            <a:endParaRPr lang="en-US" dirty="0" smtClean="0"/>
+            <a:endParaRPr lang="en-US" dirty="0"/>
           </a:p>
           <a:p>
             <a:r>
-              <a:rPr lang="en-US" dirty="0" smtClean="0"/>
-              <a:t>This </a:t>
-            </a:r>
-            <a:r>
               <a:rPr lang="en-US" dirty="0"/>
-              <a:t>thesis considers a positive scenario in which the industrializing economy can execute per its plan, there are always chances of facing unforeseen shocks </a:t>
+              <a:t>This thesis considers a positive scenario in which the industrializing economy can execute per its plan, there are always chances of facing unforeseen shocks </a:t>
             </a:r>
           </a:p>
         </p:txBody>
@@ -21531,13 +20922,6 @@
   <p:clrMapOvr>
     <a:masterClrMapping/>
   </p:clrMapOvr>
-  <p:timing>
-    <p:tnLst>
-      <p:par>
-        <p:cTn id="1" dur="indefinite" restart="never" nodeType="tmRoot"/>
-      </p:par>
-    </p:tnLst>
-  </p:timing>
 </p:sld>
 </file>
 
@@ -21574,10 +20958,9 @@
           <a:lstStyle/>
           <a:p>
             <a:r>
-              <a:rPr lang="en-US" dirty="0" smtClean="0"/>
+              <a:rPr lang="en-US" dirty="0"/>
               <a:t>THANK YOU!</a:t>
             </a:r>
-            <a:endParaRPr lang="en-US" dirty="0"/>
           </a:p>
         </p:txBody>
       </p:sp>
@@ -21627,10 +21010,9 @@
           <a:lstStyle/>
           <a:p>
             <a:r>
-              <a:rPr lang="en-US" dirty="0" smtClean="0"/>
+              <a:rPr lang="en-US" dirty="0"/>
               <a:t>Related Research</a:t>
             </a:r>
-            <a:endParaRPr lang="en-US" dirty="0"/>
           </a:p>
         </p:txBody>
       </p:sp>
@@ -21694,10 +21076,9 @@
           <a:p>
             <a:pPr algn="ctr"/>
             <a:r>
-              <a:rPr lang="en-US" dirty="0" smtClean="0"/>
+              <a:rPr lang="en-US" dirty="0"/>
               <a:t>Me</a:t>
             </a:r>
-            <a:endParaRPr lang="en-US" dirty="0"/>
           </a:p>
         </p:txBody>
       </p:sp>
@@ -21736,10 +21117,9 @@
           <a:p>
             <a:pPr algn="ctr"/>
             <a:r>
-              <a:rPr lang="en-US" dirty="0" smtClean="0"/>
+              <a:rPr lang="en-US" dirty="0"/>
               <a:t>Me</a:t>
             </a:r>
-            <a:endParaRPr lang="en-US" dirty="0"/>
           </a:p>
         </p:txBody>
       </p:sp>
@@ -21765,13 +21145,6 @@
       </p:transition>
     </mc:Fallback>
   </mc:AlternateContent>
-  <p:timing>
-    <p:tnLst>
-      <p:par>
-        <p:cTn id="1" dur="indefinite" restart="never" nodeType="tmRoot"/>
-      </p:par>
-    </p:tnLst>
-  </p:timing>
 </p:sld>
 </file>
 
@@ -21808,10 +21181,9 @@
           <a:lstStyle/>
           <a:p>
             <a:r>
-              <a:rPr lang="en-US" dirty="0" smtClean="0"/>
+              <a:rPr lang="en-US" dirty="0"/>
               <a:t>Growth Research</a:t>
             </a:r>
-            <a:endParaRPr lang="en-US" dirty="0"/>
           </a:p>
         </p:txBody>
       </p:sp>
@@ -21846,7 +21218,7 @@
                       <m:dPr>
                         <m:ctrlPr>
                           <a:rPr lang="en-US" b="0" i="1" smtClean="0">
-                            <a:latin typeface="Cambria Math" charset="0"/>
+                            <a:latin typeface="Cambria Math" panose="02040503050406030204" pitchFamily="18" charset="0"/>
                           </a:rPr>
                         </m:ctrlPr>
                       </m:dPr>
@@ -21887,7 +21259,7 @@
                       <m:dPr>
                         <m:ctrlPr>
                           <a:rPr lang="en-US" b="0" i="1" smtClean="0">
-                            <a:latin typeface="Cambria Math" charset="0"/>
+                            <a:latin typeface="Cambria Math" panose="02040503050406030204" pitchFamily="18" charset="0"/>
                           </a:rPr>
                         </m:ctrlPr>
                       </m:dPr>
@@ -21934,7 +21306,7 @@
                       <m:dPr>
                         <m:ctrlPr>
                           <a:rPr lang="en-US" b="0" i="1" smtClean="0">
-                            <a:latin typeface="Cambria Math" charset="0"/>
+                            <a:latin typeface="Cambria Math" panose="02040503050406030204" pitchFamily="18" charset="0"/>
                           </a:rPr>
                         </m:ctrlPr>
                       </m:dPr>
@@ -21952,7 +21324,7 @@
                         <m:chr m:val="̇"/>
                         <m:ctrlPr>
                           <a:rPr lang="en-US" i="1" smtClean="0">
-                            <a:latin typeface="Cambria Math" charset="0"/>
+                            <a:latin typeface="Cambria Math" panose="02040503050406030204" pitchFamily="18" charset="0"/>
                           </a:rPr>
                         </m:ctrlPr>
                       </m:accPr>
@@ -22024,40 +21396,24 @@
                     </m:r>
                   </m:oMath>
                 </a14:m>
-                <a:endParaRPr lang="en-US" dirty="0" smtClean="0"/>
+                <a:endParaRPr lang="en-US" dirty="0"/>
               </a:p>
               <a:p>
                 <a:r>
-                  <a:rPr lang="en-US" dirty="0" smtClean="0"/>
+                  <a:rPr lang="en-US" dirty="0"/>
                   <a:t>Exogenous Models:</a:t>
                 </a:r>
               </a:p>
               <a:p>
                 <a:pPr lvl="1"/>
                 <a:r>
-                  <a:rPr lang="en-US" dirty="0" smtClean="0"/>
-                  <a:t>Solow/Swan (1956): Long </a:t>
-                </a:r>
-                <a:r>
                   <a:rPr lang="en-US" dirty="0"/>
-                  <a:t>term growth is achieved through technological </a:t>
-                </a:r>
-                <a:r>
-                  <a:rPr lang="en-US" dirty="0" smtClean="0"/>
-                  <a:t>progress and short term through saving rate </a:t>
-                </a:r>
-                <a:r>
-                  <a:rPr lang="en-US" dirty="0"/>
-                  <a:t>which is not explained by the </a:t>
-                </a:r>
-                <a:r>
-                  <a:rPr lang="en-US" dirty="0" smtClean="0"/>
-                  <a:t>model</a:t>
+                  <a:t>Solow/Swan (1956): Long term growth is achieved through technological progress and short term through saving rate which is not explained by the model</a:t>
                 </a:r>
               </a:p>
               <a:p>
                 <a:pPr lvl="1"/>
-                <a:endParaRPr lang="en-US" dirty="0" smtClean="0"/>
+                <a:endParaRPr lang="en-US" dirty="0"/>
               </a:p>
               <a:p>
                 <a:pPr marL="201168" lvl="1" indent="0">
@@ -22079,7 +21435,7 @@
                         <m:dPr>
                           <m:ctrlPr>
                             <a:rPr lang="en-US" i="1">
-                              <a:latin typeface="Cambria Math" charset="0"/>
+                              <a:latin typeface="Cambria Math" panose="02040503050406030204" pitchFamily="18" charset="0"/>
                             </a:rPr>
                           </m:ctrlPr>
                         </m:dPr>
@@ -22126,7 +21482,7 @@
                         <m:sSupPr>
                           <m:ctrlPr>
                             <a:rPr lang="en-US" b="0" i="1" smtClean="0">
-                              <a:latin typeface="Cambria Math" charset="0"/>
+                              <a:latin typeface="Cambria Math" panose="02040503050406030204" pitchFamily="18" charset="0"/>
                             </a:rPr>
                           </m:ctrlPr>
                         </m:sSupPr>
@@ -22151,7 +21507,7 @@
                         <m:sSupPr>
                           <m:ctrlPr>
                             <a:rPr lang="en-US" b="0" i="1" smtClean="0">
-                              <a:latin typeface="Cambria Math" charset="0"/>
+                              <a:latin typeface="Cambria Math" panose="02040503050406030204" pitchFamily="18" charset="0"/>
                             </a:rPr>
                           </m:ctrlPr>
                         </m:sSupPr>
@@ -22193,7 +21549,7 @@
                     </m:oMath>
                   </m:oMathPara>
                 </a14:m>
-                <a:endParaRPr lang="en-US" dirty="0" smtClean="0"/>
+                <a:endParaRPr lang="en-US" dirty="0"/>
               </a:p>
               <a:p>
                 <a:pPr marL="201168" lvl="1" indent="0" algn="ctr">
@@ -22215,7 +21571,7 @@
                         <m:dPr>
                           <m:ctrlPr>
                             <a:rPr lang="en-US" b="0" i="1" smtClean="0">
-                              <a:latin typeface="Cambria Math" charset="0"/>
+                              <a:latin typeface="Cambria Math" panose="02040503050406030204" pitchFamily="18" charset="0"/>
                             </a:rPr>
                           </m:ctrlPr>
                         </m:dPr>
@@ -22273,14 +21629,14 @@
                     </m:oMath>
                   </m:oMathPara>
                 </a14:m>
-                <a:endParaRPr lang="en-US" dirty="0" smtClean="0"/>
+                <a:endParaRPr lang="en-US" dirty="0"/>
               </a:p>
               <a:p>
                 <a:pPr marL="201168" lvl="1" indent="0">
                   <a:buNone/>
                 </a:pPr>
                 <a:r>
-                  <a:rPr lang="en-US" b="1" dirty="0" smtClean="0"/>
+                  <a:rPr lang="en-US" b="1" dirty="0"/>
                   <a:t>Limitations:</a:t>
                 </a:r>
               </a:p>
@@ -22290,7 +21646,7 @@
                   <a:buAutoNum type="arabicPeriod"/>
                 </a:pPr>
                 <a:r>
-                  <a:rPr lang="en-US" dirty="0" smtClean="0"/>
+                  <a:rPr lang="en-US" dirty="0"/>
                   <a:t>Growth rate of of world economic leaders has been rising over time (not converging to a balanced growth path predicted by Solow/Swan)</a:t>
                 </a:r>
               </a:p>
@@ -22300,7 +21656,7 @@
                   <a:buAutoNum type="arabicPeriod"/>
                 </a:pPr>
                 <a:r>
-                  <a:rPr lang="en-US" dirty="0" smtClean="0"/>
+                  <a:rPr lang="en-US" dirty="0"/>
                   <a:t>Income per capita is not similar across countries which should have been given similar saving rate and technology diffusion across countries over time.</a:t>
                 </a:r>
               </a:p>
@@ -22355,13 +21711,6 @@
   <p:clrMapOvr>
     <a:masterClrMapping/>
   </p:clrMapOvr>
-  <p:timing>
-    <p:tnLst>
-      <p:par>
-        <p:cTn id="1" dur="indefinite" restart="never" nodeType="tmRoot"/>
-      </p:par>
-    </p:tnLst>
-  </p:timing>
 </p:sld>
 </file>
 
@@ -22398,10 +21747,9 @@
           <a:lstStyle/>
           <a:p>
             <a:r>
-              <a:rPr lang="en-US" dirty="0" smtClean="0"/>
+              <a:rPr lang="en-US" dirty="0"/>
               <a:t>Growth Research</a:t>
             </a:r>
-            <a:endParaRPr lang="en-US" dirty="0"/>
           </a:p>
         </p:txBody>
       </p:sp>
@@ -22430,22 +21778,22 @@
               <a:lstStyle/>
               <a:p>
                 <a:r>
-                  <a:rPr lang="en-US" dirty="0" smtClean="0"/>
+                  <a:rPr lang="en-US" dirty="0"/>
                   <a:t>Endogenous Models:</a:t>
                 </a:r>
               </a:p>
               <a:p>
                 <a:pPr lvl="1"/>
                 <a:r>
-                  <a:rPr lang="en-US" dirty="0" smtClean="0"/>
+                  <a:rPr lang="en-US" dirty="0"/>
                   <a:t>Endogenous saving rate: Ramsey/Cass/</a:t>
                 </a:r>
                 <a:r>
-                  <a:rPr lang="en-US" dirty="0" err="1" smtClean="0"/>
+                  <a:rPr lang="en-US" dirty="0" err="1"/>
                   <a:t>Coopman</a:t>
                 </a:r>
                 <a:r>
-                  <a:rPr lang="en-US" dirty="0" smtClean="0"/>
+                  <a:rPr lang="en-US" dirty="0"/>
                   <a:t> (1965): </a:t>
                 </a:r>
                 <a14:m>
@@ -22455,7 +21803,7 @@
                         <m:type m:val="skw"/>
                         <m:ctrlPr>
                           <a:rPr lang="en-US" i="1" smtClean="0">
-                            <a:latin typeface="Cambria Math" charset="0"/>
+                            <a:latin typeface="Cambria Math" panose="02040503050406030204" pitchFamily="18" charset="0"/>
                           </a:rPr>
                         </m:ctrlPr>
                       </m:fPr>
@@ -22465,7 +21813,7 @@
                             <m:chr m:val="̇"/>
                             <m:ctrlPr>
                               <a:rPr lang="en-US" i="1" smtClean="0">
-                                <a:latin typeface="Cambria Math" charset="0"/>
+                                <a:latin typeface="Cambria Math" panose="02040503050406030204" pitchFamily="18" charset="0"/>
                               </a:rPr>
                             </m:ctrlPr>
                           </m:accPr>
@@ -22498,7 +21846,7 @@
                       <m:fPr>
                         <m:ctrlPr>
                           <a:rPr lang="bg-BG" b="0" i="1" smtClean="0">
-                            <a:latin typeface="Cambria Math" charset="0"/>
+                            <a:latin typeface="Cambria Math" panose="02040503050406030204" pitchFamily="18" charset="0"/>
                           </a:rPr>
                         </m:ctrlPr>
                       </m:fPr>
@@ -22533,33 +21881,33 @@
                     </m:f>
                   </m:oMath>
                 </a14:m>
-                <a:endParaRPr lang="en-US" dirty="0" smtClean="0"/>
+                <a:endParaRPr lang="en-US" dirty="0"/>
               </a:p>
               <a:p>
                 <a:pPr lvl="1"/>
                 <a:r>
-                  <a:rPr lang="en-US" dirty="0" smtClean="0"/>
+                  <a:rPr lang="en-US" dirty="0"/>
                   <a:t>Endogenous technology</a:t>
                 </a:r>
-              </a:p>
-              <a:p>
-                <a:endParaRPr lang="en-US" dirty="0" smtClean="0"/>
               </a:p>
               <a:p>
                 <a:endParaRPr lang="en-US" dirty="0"/>
               </a:p>
               <a:p>
-                <a:endParaRPr lang="en-US" dirty="0" smtClean="0"/>
+                <a:endParaRPr lang="en-US" dirty="0"/>
               </a:p>
               <a:p>
-                <a:endParaRPr lang="en-US" dirty="0" smtClean="0"/>
+                <a:endParaRPr lang="en-US" dirty="0"/>
+              </a:p>
+              <a:p>
+                <a:endParaRPr lang="en-US" dirty="0"/>
               </a:p>
               <a:p>
                 <a:pPr marL="201168" lvl="1" indent="0">
                   <a:buNone/>
                 </a:pPr>
                 <a:r>
-                  <a:rPr lang="en-US" b="1" dirty="0" smtClean="0"/>
+                  <a:rPr lang="en-US" b="1" dirty="0"/>
                   <a:t>Limitations:</a:t>
                 </a:r>
               </a:p>
@@ -22568,13 +21916,12 @@
                   <a:buNone/>
                 </a:pPr>
                 <a:r>
-                  <a:rPr lang="en-US" dirty="0" smtClean="0"/>
+                  <a:rPr lang="en-US" dirty="0"/>
                   <a:t>Do not fully combine internal and external factors in growth, e.g. government subsidy or foreign borrowing.</a:t>
                 </a:r>
-                <a:endParaRPr lang="en-US" dirty="0"/>
               </a:p>
               <a:p>
-                <a:endParaRPr lang="en-US" dirty="0" smtClean="0"/>
+                <a:endParaRPr lang="en-US" dirty="0"/>
               </a:p>
             </p:txBody>
           </p:sp>
@@ -22635,7 +21982,7 @@
             </p:nvGraphicFramePr>
             <p:xfrm>
               <a:off x="1693633" y="2968487"/>
-              <a:ext cx="8165986" cy="1345946"/>
+              <a:ext cx="8165986" cy="1346010"/>
             </p:xfrm>
             <a:graphic>
               <a:graphicData uri="http://schemas.openxmlformats.org/drawingml/2006/table">
@@ -22644,10 +21991,34 @@
                     <a:tableStyleId>{69012ECD-51FC-41F1-AA8D-1B2483CD663E}</a:tableStyleId>
                   </a:tblPr>
                   <a:tblGrid>
-                    <a:gridCol w="1937463"/>
-                    <a:gridCol w="2146852"/>
-                    <a:gridCol w="2133600"/>
-                    <a:gridCol w="1948071"/>
+                    <a:gridCol w="1937463">
+                      <a:extLst>
+                        <a:ext uri="{9D8B030D-6E8A-4147-A177-3AD203B41FA5}">
+                          <a16:colId xmlns:a16="http://schemas.microsoft.com/office/drawing/2014/main" val="20000"/>
+                        </a:ext>
+                      </a:extLst>
+                    </a:gridCol>
+                    <a:gridCol w="2146852">
+                      <a:extLst>
+                        <a:ext uri="{9D8B030D-6E8A-4147-A177-3AD203B41FA5}">
+                          <a16:colId xmlns:a16="http://schemas.microsoft.com/office/drawing/2014/main" val="20001"/>
+                        </a:ext>
+                      </a:extLst>
+                    </a:gridCol>
+                    <a:gridCol w="2133600">
+                      <a:extLst>
+                        <a:ext uri="{9D8B030D-6E8A-4147-A177-3AD203B41FA5}">
+                          <a16:colId xmlns:a16="http://schemas.microsoft.com/office/drawing/2014/main" val="20002"/>
+                        </a:ext>
+                      </a:extLst>
+                    </a:gridCol>
+                    <a:gridCol w="1948071">
+                      <a:extLst>
+                        <a:ext uri="{9D8B030D-6E8A-4147-A177-3AD203B41FA5}">
+                          <a16:colId xmlns:a16="http://schemas.microsoft.com/office/drawing/2014/main" val="20003"/>
+                        </a:ext>
+                      </a:extLst>
+                    </a:gridCol>
                   </a:tblGrid>
                   <a:tr h="322838">
                     <a:tc>
@@ -22657,10 +22028,9 @@
                         <a:p>
                           <a:pPr algn="ctr"/>
                           <a:r>
-                            <a:rPr lang="en-US" sz="1600" dirty="0" smtClean="0"/>
+                            <a:rPr lang="en-US" sz="1600" dirty="0"/>
                             <a:t>Frankel (1962)</a:t>
                           </a:r>
-                          <a:endParaRPr lang="en-US" sz="1600" dirty="0"/>
                         </a:p>
                       </a:txBody>
                       <a:tcPr/>
@@ -22672,11 +22042,11 @@
                         <a:p>
                           <a:pPr algn="ctr"/>
                           <a:r>
-                            <a:rPr lang="en-US" sz="1600" dirty="0" smtClean="0"/>
+                            <a:rPr lang="en-US" sz="1600" dirty="0"/>
                             <a:t>Romer</a:t>
                           </a:r>
                           <a:r>
-                            <a:rPr lang="en-US" sz="1600" baseline="0" dirty="0" smtClean="0"/>
+                            <a:rPr lang="en-US" sz="1600" baseline="0" dirty="0"/>
                             <a:t> (1986)</a:t>
                           </a:r>
                           <a:endParaRPr lang="en-US" sz="1600" dirty="0"/>
@@ -22691,11 +22061,11 @@
                         <a:p>
                           <a:pPr algn="ctr"/>
                           <a:r>
-                            <a:rPr lang="en-US" sz="1600" dirty="0" smtClean="0"/>
+                            <a:rPr lang="en-US" sz="1600" dirty="0"/>
                             <a:t>Lucas</a:t>
                           </a:r>
                           <a:r>
-                            <a:rPr lang="en-US" sz="1600" baseline="0" dirty="0" smtClean="0"/>
+                            <a:rPr lang="en-US" sz="1600" baseline="0" dirty="0"/>
                             <a:t> (1988)</a:t>
                           </a:r>
                           <a:endParaRPr lang="en-US" sz="1600" dirty="0"/>
@@ -22710,14 +22080,18 @@
                         <a:p>
                           <a:pPr algn="ctr"/>
                           <a:r>
-                            <a:rPr lang="en-US" sz="1600" dirty="0" smtClean="0"/>
+                            <a:rPr lang="en-US" sz="1600" dirty="0"/>
                             <a:t>Grossman (1991)</a:t>
                           </a:r>
-                          <a:endParaRPr lang="en-US" sz="1600" dirty="0"/>
                         </a:p>
                       </a:txBody>
                       <a:tcPr/>
                     </a:tc>
+                    <a:extLst>
+                      <a:ext uri="{0D108BD9-81ED-4DB2-BD59-A6C34878D82A}">
+                        <a16:rowId xmlns:a16="http://schemas.microsoft.com/office/drawing/2014/main" val="10000"/>
+                      </a:ext>
+                    </a:extLst>
                   </a:tr>
                   <a:tr h="370840">
                     <a:tc>
@@ -22726,14 +22100,14 @@
                         <a:lstStyle/>
                         <a:p>
                           <a:r>
-                            <a:rPr lang="en-US" sz="1600" dirty="0" smtClean="0"/>
+                            <a:rPr lang="en-US" sz="1600" dirty="0"/>
                             <a:t>Capital</a:t>
                           </a:r>
                           <a:r>
-                            <a:rPr lang="en-US" sz="1600" baseline="0" dirty="0" smtClean="0"/>
+                            <a:rPr lang="en-US" sz="1600" baseline="0" dirty="0"/>
                             <a:t> Variation</a:t>
                           </a:r>
-                          <a:endParaRPr lang="en-US" sz="1600" dirty="0" smtClean="0"/>
+                          <a:endParaRPr lang="en-US" sz="1600" dirty="0"/>
                         </a:p>
                         <a:p>
                           <a:pPr/>
@@ -22759,7 +22133,7 @@
                                   <m:sSubPr>
                                     <m:ctrlPr>
                                       <a:rPr lang="en-US" sz="1600" i="1" smtClean="0">
-                                        <a:latin typeface="Cambria Math" charset="0"/>
+                                        <a:latin typeface="Cambria Math" panose="02040503050406030204" pitchFamily="18" charset="0"/>
                                       </a:rPr>
                                     </m:ctrlPr>
                                   </m:sSubPr>
@@ -22784,7 +22158,7 @@
                                   <m:sSupPr>
                                     <m:ctrlPr>
                                       <a:rPr lang="en-US" sz="1600" i="1" smtClean="0">
-                                        <a:latin typeface="Cambria Math" charset="0"/>
+                                        <a:latin typeface="Cambria Math" panose="02040503050406030204" pitchFamily="18" charset="0"/>
                                       </a:rPr>
                                     </m:ctrlPr>
                                   </m:sSupPr>
@@ -22793,7 +22167,7 @@
                                       <m:dPr>
                                         <m:ctrlPr>
                                           <a:rPr lang="is-IS" sz="1600" i="1" smtClean="0">
-                                            <a:latin typeface="Cambria Math" charset="0"/>
+                                            <a:latin typeface="Cambria Math" panose="02040503050406030204" pitchFamily="18" charset="0"/>
                                           </a:rPr>
                                         </m:ctrlPr>
                                       </m:dPr>
@@ -22805,7 +22179,7 @@
                                             <m:supHide m:val="on"/>
                                             <m:ctrlPr>
                                               <a:rPr lang="en-US" sz="1600" i="1" smtClean="0">
-                                                <a:latin typeface="Cambria Math" charset="0"/>
+                                                <a:latin typeface="Cambria Math" panose="02040503050406030204" pitchFamily="18" charset="0"/>
                                               </a:rPr>
                                             </m:ctrlPr>
                                           </m:naryPr>
@@ -22816,7 +22190,7 @@
                                               <m:sSubPr>
                                                 <m:ctrlPr>
                                                   <a:rPr lang="en-US" sz="1600" i="1" smtClean="0">
-                                                    <a:latin typeface="Cambria Math" charset="0"/>
+                                                    <a:latin typeface="Cambria Math" panose="02040503050406030204" pitchFamily="18" charset="0"/>
                                                   </a:rPr>
                                                 </m:ctrlPr>
                                               </m:sSubPr>
@@ -22865,7 +22239,7 @@
                         <a:lstStyle/>
                         <a:p>
                           <a:r>
-                            <a:rPr lang="en-US" sz="1600" dirty="0" smtClean="0"/>
+                            <a:rPr lang="en-US" sz="1600" dirty="0"/>
                             <a:t>Innovation</a:t>
                           </a:r>
                         </a:p>
@@ -22881,7 +22255,7 @@
                                   <m:sSubPr>
                                     <m:ctrlPr>
                                       <a:rPr lang="en-US" sz="1600" i="1" smtClean="0">
-                                        <a:latin typeface="Cambria Math" charset="0"/>
+                                        <a:latin typeface="Cambria Math" panose="02040503050406030204" pitchFamily="18" charset="0"/>
                                       </a:rPr>
                                     </m:ctrlPr>
                                   </m:sSubPr>
@@ -22918,7 +22292,7 @@
                                   <m:sSubPr>
                                     <m:ctrlPr>
                                       <a:rPr lang="en-US" sz="1600" i="1">
-                                        <a:latin typeface="Cambria Math" charset="0"/>
+                                        <a:latin typeface="Cambria Math" panose="02040503050406030204" pitchFamily="18" charset="0"/>
                                       </a:rPr>
                                     </m:ctrlPr>
                                   </m:sSubPr>
@@ -22958,7 +22332,7 @@
                                   <m:sSupPr>
                                     <m:ctrlPr>
                                       <a:rPr lang="en-US" sz="1600" i="1">
-                                        <a:latin typeface="Cambria Math" charset="0"/>
+                                        <a:latin typeface="Cambria Math" panose="02040503050406030204" pitchFamily="18" charset="0"/>
                                       </a:rPr>
                                     </m:ctrlPr>
                                   </m:sSupPr>
@@ -22967,7 +22341,7 @@
                                       <m:sSubPr>
                                         <m:ctrlPr>
                                           <a:rPr lang="en-US" sz="1600" i="1">
-                                            <a:latin typeface="Cambria Math" charset="0"/>
+                                            <a:latin typeface="Cambria Math" panose="02040503050406030204" pitchFamily="18" charset="0"/>
                                           </a:rPr>
                                         </m:ctrlPr>
                                       </m:sSubPr>
@@ -23014,7 +22388,7 @@
                                   <m:sSubPr>
                                     <m:ctrlPr>
                                       <a:rPr lang="en-US" sz="1600" i="1">
-                                        <a:latin typeface="Cambria Math" charset="0"/>
+                                        <a:latin typeface="Cambria Math" panose="02040503050406030204" pitchFamily="18" charset="0"/>
                                       </a:rPr>
                                     </m:ctrlPr>
                                   </m:sSubPr>
@@ -23049,7 +22423,7 @@
                         <a:lstStyle/>
                         <a:p>
                           <a:r>
-                            <a:rPr lang="en-US" sz="1600" dirty="0" smtClean="0"/>
+                            <a:rPr lang="en-US" sz="1600" dirty="0"/>
                             <a:t>Human Capital</a:t>
                           </a:r>
                         </a:p>
@@ -23083,7 +22457,7 @@
                                   <m:sSupPr>
                                     <m:ctrlPr>
                                       <a:rPr lang="en-US" sz="1600" i="1" smtClean="0">
-                                        <a:latin typeface="Cambria Math" charset="0"/>
+                                        <a:latin typeface="Cambria Math" panose="02040503050406030204" pitchFamily="18" charset="0"/>
                                       </a:rPr>
                                     </m:ctrlPr>
                                   </m:sSupPr>
@@ -23108,7 +22482,7 @@
                                   <m:sSupPr>
                                     <m:ctrlPr>
                                       <a:rPr lang="en-US" sz="1600" i="1" smtClean="0">
-                                        <a:latin typeface="Cambria Math" charset="0"/>
+                                        <a:latin typeface="Cambria Math" panose="02040503050406030204" pitchFamily="18" charset="0"/>
                                       </a:rPr>
                                     </m:ctrlPr>
                                   </m:sSupPr>
@@ -23158,7 +22532,7 @@
                                   <m:sSupPr>
                                     <m:ctrlPr>
                                       <a:rPr lang="en-US" sz="1600" i="1" smtClean="0">
-                                        <a:latin typeface="Cambria Math" charset="0"/>
+                                        <a:latin typeface="Cambria Math" panose="02040503050406030204" pitchFamily="18" charset="0"/>
                                       </a:rPr>
                                     </m:ctrlPr>
                                   </m:sSupPr>
@@ -23168,7 +22542,7 @@
                                         <m:chr m:val="̅"/>
                                         <m:ctrlPr>
                                           <a:rPr lang="en-US" sz="1600" i="1" smtClean="0">
-                                            <a:latin typeface="Cambria Math" charset="0"/>
+                                            <a:latin typeface="Cambria Math" panose="02040503050406030204" pitchFamily="18" charset="0"/>
                                           </a:rPr>
                                         </m:ctrlPr>
                                       </m:accPr>
@@ -23205,7 +22579,7 @@
                         <a:lstStyle/>
                         <a:p>
                           <a:r>
-                            <a:rPr lang="en-US" sz="1600" dirty="0" smtClean="0"/>
+                            <a:rPr lang="en-US" sz="1600" dirty="0"/>
                             <a:t>Trade </a:t>
                           </a:r>
                         </a:p>
@@ -23222,7 +22596,7 @@
                                     <m:type m:val="skw"/>
                                     <m:ctrlPr>
                                       <a:rPr lang="en-US" sz="1600" i="1" smtClean="0">
-                                        <a:latin typeface="Cambria Math" charset="0"/>
+                                        <a:latin typeface="Cambria Math" panose="02040503050406030204" pitchFamily="18" charset="0"/>
                                       </a:rPr>
                                     </m:ctrlPr>
                                   </m:fPr>
@@ -23232,7 +22606,7 @@
                                         <m:chr m:val="̇"/>
                                         <m:ctrlPr>
                                           <a:rPr lang="en-US" sz="1600" i="1" smtClean="0">
-                                            <a:latin typeface="Cambria Math" charset="0"/>
+                                            <a:latin typeface="Cambria Math" panose="02040503050406030204" pitchFamily="18" charset="0"/>
                                           </a:rPr>
                                         </m:ctrlPr>
                                       </m:accPr>
@@ -23265,7 +22639,7 @@
                                   <m:fPr>
                                     <m:ctrlPr>
                                       <a:rPr lang="bg-BG" sz="1600" i="1" smtClean="0">
-                                        <a:latin typeface="Cambria Math" charset="0"/>
+                                        <a:latin typeface="Cambria Math" panose="02040503050406030204" pitchFamily="18" charset="0"/>
                                       </a:rPr>
                                     </m:ctrlPr>
                                   </m:fPr>
@@ -23318,6 +22692,11 @@
                       </a:txBody>
                       <a:tcPr/>
                     </a:tc>
+                    <a:extLst>
+                      <a:ext uri="{0D108BD9-81ED-4DB2-BD59-A6C34878D82A}">
+                        <a16:rowId xmlns:a16="http://schemas.microsoft.com/office/drawing/2014/main" val="10001"/>
+                      </a:ext>
+                    </a:extLst>
                   </a:tr>
                 </a:tbl>
               </a:graphicData>
@@ -23511,13 +22890,6 @@
   <p:clrMapOvr>
     <a:masterClrMapping/>
   </p:clrMapOvr>
-  <p:timing>
-    <p:tnLst>
-      <p:par>
-        <p:cTn id="1" dur="indefinite" restart="never" nodeType="tmRoot"/>
-      </p:par>
-    </p:tnLst>
-  </p:timing>
 </p:sld>
 </file>
 
@@ -23554,10 +22926,9 @@
           <a:lstStyle/>
           <a:p>
             <a:r>
-              <a:rPr lang="en-US" dirty="0" smtClean="0"/>
+              <a:rPr lang="en-US" dirty="0"/>
               <a:t>Debt Research</a:t>
             </a:r>
-            <a:endParaRPr lang="en-US" dirty="0"/>
           </a:p>
         </p:txBody>
       </p:sp>
@@ -23579,33 +22950,33 @@
           <a:lstStyle/>
           <a:p>
             <a:r>
-              <a:rPr lang="en-US" dirty="0" smtClean="0"/>
+              <a:rPr lang="en-US" dirty="0"/>
               <a:t>Only focus on the borrowing separate from the internal dynamics of growth: </a:t>
             </a:r>
             <a:r>
-              <a:rPr lang="en-US" u="sng" dirty="0" smtClean="0"/>
+              <a:rPr lang="en-US" u="sng" dirty="0"/>
               <a:t>A BLACK BOX</a:t>
             </a:r>
           </a:p>
           <a:p>
             <a:pPr lvl="1"/>
             <a:r>
-              <a:rPr lang="en-US" dirty="0" err="1" smtClean="0"/>
+              <a:rPr lang="en-US" dirty="0" err="1"/>
               <a:t>Calvo</a:t>
             </a:r>
             <a:r>
-              <a:rPr lang="en-US" dirty="0" smtClean="0"/>
+              <a:rPr lang="en-US" dirty="0"/>
               <a:t> (1998) identifies traps the might defeat he growth endeavor.</a:t>
             </a:r>
           </a:p>
           <a:p>
             <a:pPr lvl="1"/>
             <a:r>
-              <a:rPr lang="en-US" dirty="0" err="1" smtClean="0"/>
+              <a:rPr lang="en-US" dirty="0" err="1"/>
               <a:t>Patitillo</a:t>
             </a:r>
             <a:r>
-              <a:rPr lang="en-US" dirty="0" smtClean="0"/>
+              <a:rPr lang="en-US" dirty="0"/>
               <a:t> (2002) applies a regression analysis on HIPC countries to find what level of debt is optimum.</a:t>
             </a:r>
           </a:p>
@@ -23613,75 +22984,53 @@
             <a:pPr lvl="1"/>
             <a:r>
               <a:rPr lang="en-US" dirty="0"/>
-              <a:t>Krugman(2010} focuses on inability of countries to borrow due to debt overhang</a:t>
-            </a:r>
-            <a:r>
-              <a:rPr lang="en-US" dirty="0" smtClean="0"/>
-              <a:t>.</a:t>
+              <a:t>Krugman(2010} focuses on inability of countries to borrow due to debt overhang.</a:t>
             </a:r>
           </a:p>
           <a:p>
             <a:pPr lvl="1"/>
             <a:r>
               <a:rPr lang="en-US" dirty="0"/>
-              <a:t>Mendoza(2011) derives a model for default but look the economy as a black box</a:t>
+              <a:t>Mendoza(2011) derives a model for default but look the economy as a black box.</a:t>
             </a:r>
-            <a:r>
-              <a:rPr lang="en-US" dirty="0" smtClean="0"/>
-              <a:t>.</a:t>
-            </a:r>
-            <a:endParaRPr lang="en-US" dirty="0"/>
           </a:p>
           <a:p>
             <a:r>
-              <a:rPr lang="en-US" dirty="0" smtClean="0"/>
+              <a:rPr lang="en-US" dirty="0"/>
               <a:t>My study is differentiated because it is </a:t>
             </a:r>
             <a:r>
-              <a:rPr lang="en-US" u="sng" dirty="0" smtClean="0"/>
+              <a:rPr lang="en-US" u="sng" dirty="0"/>
               <a:t>A WHITE BOX</a:t>
             </a:r>
           </a:p>
           <a:p>
             <a:pPr lvl="1"/>
             <a:r>
-              <a:rPr lang="en-US" dirty="0" smtClean="0"/>
-              <a:t>Interaction </a:t>
-            </a:r>
-            <a:r>
               <a:rPr lang="en-US" dirty="0"/>
-              <a:t>of internal growth and external debt and possibly default</a:t>
-            </a:r>
-            <a:r>
-              <a:rPr lang="en-US" dirty="0" smtClean="0"/>
-              <a:t>.</a:t>
+              <a:t>Interaction of internal growth and external debt and possibly default.</a:t>
             </a:r>
           </a:p>
           <a:p>
             <a:pPr lvl="1"/>
             <a:r>
-              <a:rPr lang="en-US" dirty="0" smtClean="0"/>
+              <a:rPr lang="en-US" dirty="0"/>
               <a:t>Provides a comprehensive model including government domestic and foreign policies.</a:t>
             </a:r>
           </a:p>
           <a:p>
             <a:pPr lvl="1"/>
             <a:r>
-              <a:rPr lang="en-US" dirty="0" smtClean="0"/>
+              <a:rPr lang="en-US" dirty="0"/>
               <a:t>Explains how industrializations takes place beyond Romer’s model.</a:t>
             </a:r>
           </a:p>
           <a:p>
             <a:pPr lvl="1"/>
             <a:r>
-              <a:rPr lang="en-US" dirty="0" smtClean="0"/>
-              <a:t>Generalizes Romer’s general equilibrium</a:t>
+              <a:rPr lang="en-US" dirty="0"/>
+              <a:t>Generalizes Romer’s general equilibrium.</a:t>
             </a:r>
-            <a:r>
-              <a:rPr lang="en-US" dirty="0" smtClean="0"/>
-              <a:t>.</a:t>
-            </a:r>
-            <a:endParaRPr lang="en-US" dirty="0"/>
           </a:p>
         </p:txBody>
       </p:sp>
@@ -23695,13 +23044,6 @@
   <p:clrMapOvr>
     <a:masterClrMapping/>
   </p:clrMapOvr>
-  <p:timing>
-    <p:tnLst>
-      <p:par>
-        <p:cTn id="1" dur="indefinite" restart="never" nodeType="tmRoot"/>
-      </p:par>
-    </p:tnLst>
-  </p:timing>
 </p:sld>
 </file>
 
@@ -23745,11 +23087,11 @@
           <a:lstStyle/>
           <a:p>
             <a:r>
-              <a:rPr lang="en-US" dirty="0" smtClean="0"/>
+              <a:rPr lang="en-US" dirty="0"/>
               <a:t>Industrialization </a:t>
             </a:r>
             <a:r>
-              <a:rPr lang="en-US" smtClean="0"/>
+              <a:rPr lang="en-US"/>
               <a:t>Stylized Facts</a:t>
             </a:r>
             <a:endParaRPr lang="en-US" dirty="0"/>
@@ -23778,13 +23120,13 @@
           </a:bodyPr>
           <a:lstStyle/>
           <a:p>
-            <a:endParaRPr lang="en-US" dirty="0" smtClean="0"/>
+            <a:endParaRPr lang="en-US" dirty="0"/>
           </a:p>
           <a:p>
             <a:endParaRPr lang="en-US" dirty="0"/>
           </a:p>
           <a:p>
-            <a:endParaRPr lang="en-US" dirty="0" smtClean="0"/>
+            <a:endParaRPr lang="en-US" dirty="0"/>
           </a:p>
           <a:p>
             <a:endParaRPr lang="en-US" dirty="0"/>
@@ -23816,8 +23158,20 @@
                 <a:tableStyleId>{9D7B26C5-4107-4FEC-AEDC-1716B250A1EF}</a:tableStyleId>
               </a:tblPr>
               <a:tblGrid>
-                <a:gridCol w="2672471"/>
-                <a:gridCol w="2672471"/>
+                <a:gridCol w="2672471">
+                  <a:extLst>
+                    <a:ext uri="{9D8B030D-6E8A-4147-A177-3AD203B41FA5}">
+                      <a16:colId xmlns:a16="http://schemas.microsoft.com/office/drawing/2014/main" val="20000"/>
+                    </a:ext>
+                  </a:extLst>
+                </a:gridCol>
+                <a:gridCol w="2672471">
+                  <a:extLst>
+                    <a:ext uri="{9D8B030D-6E8A-4147-A177-3AD203B41FA5}">
+                      <a16:colId xmlns:a16="http://schemas.microsoft.com/office/drawing/2014/main" val="20001"/>
+                    </a:ext>
+                  </a:extLst>
+                </a:gridCol>
               </a:tblGrid>
               <a:tr h="322272">
                 <a:tc>
@@ -23826,10 +23180,9 @@
                     <a:lstStyle/>
                     <a:p>
                       <a:r>
-                        <a:rPr lang="en-US" sz="1600" dirty="0" smtClean="0"/>
+                        <a:rPr lang="en-US" sz="1600" dirty="0"/>
                         <a:t>Fact</a:t>
                       </a:r>
-                      <a:endParaRPr lang="en-US" sz="1600" dirty="0"/>
                     </a:p>
                   </a:txBody>
                   <a:tcPr/>
@@ -23840,14 +23193,18 @@
                     <a:lstStyle/>
                     <a:p>
                       <a:r>
-                        <a:rPr lang="en-US" sz="1600" dirty="0" smtClean="0"/>
+                        <a:rPr lang="en-US" sz="1600" dirty="0"/>
                         <a:t>How I Have Used it</a:t>
                       </a:r>
-                      <a:endParaRPr lang="en-US" sz="1600" dirty="0"/>
                     </a:p>
                   </a:txBody>
                   <a:tcPr/>
                 </a:tc>
+                <a:extLst>
+                  <a:ext uri="{0D108BD9-81ED-4DB2-BD59-A6C34878D82A}">
+                    <a16:rowId xmlns:a16="http://schemas.microsoft.com/office/drawing/2014/main" val="10000"/>
+                  </a:ext>
+                </a:extLst>
               </a:tr>
               <a:tr h="370840">
                 <a:tc>
@@ -23873,19 +23230,19 @@
                         <a:defRPr/>
                       </a:pPr>
                       <a:r>
-                        <a:rPr lang="en-US" sz="1600" dirty="0" smtClean="0"/>
+                        <a:rPr lang="en-US" sz="1600" dirty="0"/>
                         <a:t>Requires</a:t>
                       </a:r>
                       <a:r>
-                        <a:rPr lang="en-US" sz="1600" baseline="0" dirty="0" smtClean="0"/>
+                        <a:rPr lang="en-US" sz="1600" baseline="0" dirty="0"/>
                         <a:t> s</a:t>
                       </a:r>
                       <a:r>
-                        <a:rPr lang="en-US" sz="1600" dirty="0" smtClean="0"/>
+                        <a:rPr lang="en-US" sz="1600" dirty="0"/>
                         <a:t>ignificant amount of investment in the </a:t>
                       </a:r>
                       <a:r>
-                        <a:rPr lang="en-US" sz="1600" dirty="0" smtClean="0">
+                        <a:rPr lang="en-US" sz="1600" dirty="0">
                           <a:solidFill>
                             <a:srgbClr val="FF0000"/>
                           </a:solidFill>
@@ -23902,19 +23259,19 @@
                     <a:lstStyle/>
                     <a:p>
                       <a:r>
-                        <a:rPr lang="en-US" sz="1600" dirty="0" smtClean="0"/>
+                        <a:rPr lang="en-US" sz="1600" dirty="0"/>
                         <a:t>Effect of</a:t>
                       </a:r>
                       <a:r>
-                        <a:rPr lang="en-US" sz="1600" baseline="0" dirty="0" smtClean="0"/>
+                        <a:rPr lang="en-US" sz="1600" baseline="0" dirty="0"/>
                         <a:t> </a:t>
                       </a:r>
                       <a:r>
-                        <a:rPr lang="en-US" sz="1600" dirty="0" smtClean="0"/>
+                        <a:rPr lang="en-US" sz="1600" dirty="0"/>
                         <a:t>Gov’t domestic</a:t>
                       </a:r>
                       <a:r>
-                        <a:rPr lang="en-US" sz="1600" baseline="0" dirty="0" smtClean="0"/>
+                        <a:rPr lang="en-US" sz="1600" baseline="0" dirty="0"/>
                         <a:t> policies on growth</a:t>
                       </a:r>
                       <a:endParaRPr lang="en-US" sz="1600" dirty="0"/>
@@ -23922,6 +23279,11 @@
                   </a:txBody>
                   <a:tcPr/>
                 </a:tc>
+                <a:extLst>
+                  <a:ext uri="{0D108BD9-81ED-4DB2-BD59-A6C34878D82A}">
+                    <a16:rowId xmlns:a16="http://schemas.microsoft.com/office/drawing/2014/main" val="10001"/>
+                  </a:ext>
+                </a:extLst>
               </a:tr>
               <a:tr h="370840">
                 <a:tc>
@@ -23947,11 +23309,11 @@
                         <a:defRPr/>
                       </a:pPr>
                       <a:r>
-                        <a:rPr lang="en-US" sz="1600" dirty="0" smtClean="0"/>
+                        <a:rPr lang="en-US" sz="1600" dirty="0"/>
                         <a:t>Funded by bank </a:t>
                       </a:r>
                       <a:r>
-                        <a:rPr lang="en-US" sz="1600" dirty="0" smtClean="0">
+                        <a:rPr lang="en-US" sz="1600" dirty="0">
                           <a:solidFill>
                             <a:srgbClr val="FF0000"/>
                           </a:solidFill>
@@ -23968,11 +23330,11 @@
                     <a:lstStyle/>
                     <a:p>
                       <a:r>
-                        <a:rPr lang="en-US" sz="1600" dirty="0" smtClean="0"/>
+                        <a:rPr lang="en-US" sz="1600" dirty="0"/>
                         <a:t>Effect of</a:t>
                       </a:r>
                       <a:r>
-                        <a:rPr lang="en-US" sz="1600" baseline="0" dirty="0" smtClean="0"/>
+                        <a:rPr lang="en-US" sz="1600" baseline="0" dirty="0"/>
                         <a:t> sovereign debt on growth</a:t>
                       </a:r>
                       <a:endParaRPr lang="en-US" sz="1600" dirty="0"/>
@@ -23980,6 +23342,11 @@
                   </a:txBody>
                   <a:tcPr/>
                 </a:tc>
+                <a:extLst>
+                  <a:ext uri="{0D108BD9-81ED-4DB2-BD59-A6C34878D82A}">
+                    <a16:rowId xmlns:a16="http://schemas.microsoft.com/office/drawing/2014/main" val="10002"/>
+                  </a:ext>
+                </a:extLst>
               </a:tr>
               <a:tr h="370840">
                 <a:tc>
@@ -24005,11 +23372,11 @@
                         <a:defRPr/>
                       </a:pPr>
                       <a:r>
-                        <a:rPr lang="en-US" sz="1600" dirty="0" smtClean="0"/>
+                        <a:rPr lang="en-US" sz="1600" dirty="0"/>
                         <a:t>Established </a:t>
                       </a:r>
                       <a:r>
-                        <a:rPr lang="en-US" sz="1600" dirty="0" smtClean="0">
+                        <a:rPr lang="en-US" sz="1600" dirty="0">
                           <a:solidFill>
                             <a:srgbClr val="FF0000"/>
                           </a:solidFill>
@@ -24017,11 +23384,11 @@
                         <a:t>domestically controlled </a:t>
                       </a:r>
                       <a:r>
-                        <a:rPr lang="en-US" sz="1600" dirty="0" smtClean="0"/>
+                        <a:rPr lang="en-US" sz="1600" dirty="0"/>
                         <a:t>public or </a:t>
                       </a:r>
                       <a:r>
-                        <a:rPr lang="en-US" sz="1600" dirty="0" smtClean="0">
+                        <a:rPr lang="en-US" sz="1600" dirty="0">
                           <a:solidFill>
                             <a:schemeClr val="tx1"/>
                           </a:solidFill>
@@ -24038,11 +23405,11 @@
                     <a:lstStyle/>
                     <a:p>
                       <a:r>
-                        <a:rPr lang="en-US" sz="1600" dirty="0" smtClean="0"/>
+                        <a:rPr lang="en-US" sz="1600" dirty="0"/>
                         <a:t>Domestic subsidized innovation</a:t>
                       </a:r>
                       <a:r>
-                        <a:rPr lang="en-US" sz="1600" baseline="0" dirty="0" smtClean="0"/>
+                        <a:rPr lang="en-US" sz="1600" baseline="0" dirty="0"/>
                         <a:t> and manufacturing sectors </a:t>
                       </a:r>
                       <a:endParaRPr lang="en-US" sz="1600" dirty="0"/>
@@ -24050,6 +23417,11 @@
                   </a:txBody>
                   <a:tcPr anchor="ctr"/>
                 </a:tc>
+                <a:extLst>
+                  <a:ext uri="{0D108BD9-81ED-4DB2-BD59-A6C34878D82A}">
+                    <a16:rowId xmlns:a16="http://schemas.microsoft.com/office/drawing/2014/main" val="10003"/>
+                  </a:ext>
+                </a:extLst>
               </a:tr>
               <a:tr h="370840">
                 <a:tc>
@@ -24075,7 +23447,7 @@
                         <a:defRPr/>
                       </a:pPr>
                       <a:r>
-                        <a:rPr lang="en-US" sz="1600" dirty="0" smtClean="0">
+                        <a:rPr lang="en-US" sz="1600" dirty="0">
                           <a:solidFill>
                             <a:srgbClr val="FF0000"/>
                           </a:solidFill>
@@ -24083,7 +23455,7 @@
                         <a:t>Home-grown research and technology </a:t>
                       </a:r>
                       <a:r>
-                        <a:rPr lang="en-US" sz="1600" dirty="0" smtClean="0"/>
+                        <a:rPr lang="en-US" sz="1600" dirty="0"/>
                         <a:t>generation is very important in achieving high quality in production</a:t>
                       </a:r>
                     </a:p>
@@ -24100,6 +23472,11 @@
                   </a:txBody>
                   <a:tcPr/>
                 </a:tc>
+                <a:extLst>
+                  <a:ext uri="{0D108BD9-81ED-4DB2-BD59-A6C34878D82A}">
+                    <a16:rowId xmlns:a16="http://schemas.microsoft.com/office/drawing/2014/main" val="10004"/>
+                  </a:ext>
+                </a:extLst>
               </a:tr>
             </a:tbl>
           </a:graphicData>
@@ -24130,8 +23507,20 @@
                 <a:tableStyleId>{9D7B26C5-4107-4FEC-AEDC-1716B250A1EF}</a:tableStyleId>
               </a:tblPr>
               <a:tblGrid>
-                <a:gridCol w="2168394"/>
-                <a:gridCol w="2168394"/>
+                <a:gridCol w="2168394">
+                  <a:extLst>
+                    <a:ext uri="{9D8B030D-6E8A-4147-A177-3AD203B41FA5}">
+                      <a16:colId xmlns:a16="http://schemas.microsoft.com/office/drawing/2014/main" val="20000"/>
+                    </a:ext>
+                  </a:extLst>
+                </a:gridCol>
+                <a:gridCol w="2168394">
+                  <a:extLst>
+                    <a:ext uri="{9D8B030D-6E8A-4147-A177-3AD203B41FA5}">
+                      <a16:colId xmlns:a16="http://schemas.microsoft.com/office/drawing/2014/main" val="20001"/>
+                    </a:ext>
+                  </a:extLst>
+                </a:gridCol>
               </a:tblGrid>
               <a:tr h="0">
                 <a:tc>
@@ -24140,10 +23529,9 @@
                     <a:lstStyle/>
                     <a:p>
                       <a:r>
-                        <a:rPr lang="en-US" sz="1600" dirty="0" smtClean="0"/>
+                        <a:rPr lang="en-US" sz="1600" dirty="0"/>
                         <a:t>Fact</a:t>
                       </a:r>
-                      <a:endParaRPr lang="en-US" sz="1600" dirty="0"/>
                     </a:p>
                   </a:txBody>
                   <a:tcPr/>
@@ -24154,11 +23542,11 @@
                     <a:lstStyle/>
                     <a:p>
                       <a:r>
-                        <a:rPr lang="en-US" sz="1600" dirty="0" smtClean="0"/>
+                        <a:rPr lang="en-US" sz="1600" dirty="0"/>
                         <a:t>How I Have</a:t>
                       </a:r>
                       <a:r>
-                        <a:rPr lang="en-US" sz="1600" baseline="0" dirty="0" smtClean="0"/>
+                        <a:rPr lang="en-US" sz="1600" baseline="0" dirty="0"/>
                         <a:t> Used it</a:t>
                       </a:r>
                       <a:endParaRPr lang="en-US" sz="1600" dirty="0"/>
@@ -24166,6 +23554,11 @@
                   </a:txBody>
                   <a:tcPr/>
                 </a:tc>
+                <a:extLst>
+                  <a:ext uri="{0D108BD9-81ED-4DB2-BD59-A6C34878D82A}">
+                    <a16:rowId xmlns:a16="http://schemas.microsoft.com/office/drawing/2014/main" val="10000"/>
+                  </a:ext>
+                </a:extLst>
               </a:tr>
               <a:tr h="370840">
                 <a:tc gridSpan="2">
@@ -24188,6 +23581,11 @@
                   </a:txBody>
                   <a:tcPr/>
                 </a:tc>
+                <a:extLst>
+                  <a:ext uri="{0D108BD9-81ED-4DB2-BD59-A6C34878D82A}">
+                    <a16:rowId xmlns:a16="http://schemas.microsoft.com/office/drawing/2014/main" val="10001"/>
+                  </a:ext>
+                </a:extLst>
               </a:tr>
               <a:tr h="370840">
                 <a:tc>
@@ -24213,17 +23611,17 @@
                         <a:defRPr/>
                       </a:pPr>
                       <a:r>
-                        <a:rPr lang="en-US" sz="1600" dirty="0" smtClean="0"/>
+                        <a:rPr lang="en-US" sz="1600" dirty="0"/>
                         <a:t>International markets </a:t>
                       </a:r>
                       <a:r>
-                        <a:rPr lang="en-US" sz="1600" kern="1200" dirty="0" smtClean="0">
+                        <a:rPr lang="en-US" sz="1600" kern="1200" dirty="0">
                           <a:effectLst/>
                         </a:rPr>
                         <a:t>significantly </a:t>
                       </a:r>
                       <a:r>
-                        <a:rPr lang="en-US" sz="1600" kern="1200" dirty="0" smtClean="0">
+                        <a:rPr lang="en-US" sz="1600" kern="1200" dirty="0">
                           <a:solidFill>
                             <a:srgbClr val="FF0000"/>
                           </a:solidFill>
@@ -24232,14 +23630,14 @@
                         <a:t>increase demand </a:t>
                       </a:r>
                       <a:r>
-                        <a:rPr lang="en-US" sz="1600" dirty="0" smtClean="0"/>
+                        <a:rPr lang="en-US" sz="1600" dirty="0"/>
                         <a:t>but also increase the risk</a:t>
                       </a:r>
                       <a:r>
-                        <a:rPr lang="en-US" sz="1600" baseline="0" dirty="0" smtClean="0"/>
+                        <a:rPr lang="en-US" sz="1600" baseline="0" dirty="0"/>
                         <a:t> of default</a:t>
                       </a:r>
-                      <a:endParaRPr lang="en-US" sz="1600" dirty="0" smtClean="0">
+                      <a:endParaRPr lang="en-US" sz="1600" dirty="0">
                         <a:solidFill>
                           <a:srgbClr val="FF0000"/>
                         </a:solidFill>
@@ -24254,13 +23652,13 @@
                     <a:lstStyle/>
                     <a:p>
                       <a:r>
-                        <a:rPr lang="en-US" sz="1600" kern="1200" dirty="0" smtClean="0">
+                        <a:rPr lang="en-US" sz="1600" kern="1200" dirty="0">
                           <a:effectLst/>
                         </a:rPr>
                         <a:t>Steady</a:t>
                       </a:r>
                       <a:r>
-                        <a:rPr lang="en-US" sz="1600" kern="1200" baseline="0" dirty="0" smtClean="0">
+                        <a:rPr lang="en-US" sz="1600" kern="1200" baseline="0" dirty="0">
                           <a:effectLst/>
                         </a:rPr>
                         <a:t> state level of debt/output ratio</a:t>
@@ -24270,6 +23668,11 @@
                   </a:txBody>
                   <a:tcPr/>
                 </a:tc>
+                <a:extLst>
+                  <a:ext uri="{0D108BD9-81ED-4DB2-BD59-A6C34878D82A}">
+                    <a16:rowId xmlns:a16="http://schemas.microsoft.com/office/drawing/2014/main" val="10002"/>
+                  </a:ext>
+                </a:extLst>
               </a:tr>
               <a:tr h="370840">
                 <a:tc>
@@ -24279,15 +23682,15 @@
                     <a:p>
                       <a:pPr lvl="0"/>
                       <a:r>
-                        <a:rPr lang="en-US" sz="1600" dirty="0" smtClean="0"/>
+                        <a:rPr lang="en-US" sz="1600" dirty="0"/>
                         <a:t>Pushes for</a:t>
                       </a:r>
                       <a:r>
-                        <a:rPr lang="en-US" sz="1600" baseline="0" dirty="0" smtClean="0"/>
+                        <a:rPr lang="en-US" sz="1600" baseline="0" dirty="0"/>
                         <a:t> </a:t>
                       </a:r>
                       <a:r>
-                        <a:rPr lang="en-US" sz="1600" baseline="0" dirty="0" smtClean="0">
+                        <a:rPr lang="en-US" sz="1600" baseline="0" dirty="0">
                           <a:solidFill>
                             <a:srgbClr val="FF0000"/>
                           </a:solidFill>
@@ -24295,14 +23698,13 @@
                         <a:t>higher quality </a:t>
                       </a:r>
                       <a:r>
-                        <a:rPr lang="en-US" sz="1600" baseline="0" dirty="0" smtClean="0"/>
+                        <a:rPr lang="en-US" sz="1600" baseline="0" dirty="0"/>
                         <a:t>to c</a:t>
                       </a:r>
                       <a:r>
-                        <a:rPr lang="en-US" sz="1600" dirty="0" smtClean="0"/>
+                        <a:rPr lang="en-US" sz="1600" dirty="0"/>
                         <a:t>ompete in International markets</a:t>
                       </a:r>
-                      <a:endParaRPr lang="en-US" sz="1600" dirty="0"/>
                     </a:p>
                   </a:txBody>
                   <a:tcPr/>
@@ -24330,22 +23732,27 @@
                         <a:defRPr/>
                       </a:pPr>
                       <a:r>
-                        <a:rPr lang="en-US" sz="1600" dirty="0" smtClean="0">
+                        <a:rPr lang="en-US" sz="1600" dirty="0">
                           <a:sym typeface="Wingdings" panose="05000000000000000000" pitchFamily="2" charset="2"/>
                         </a:rPr>
                         <a:t>Quantifying the</a:t>
                       </a:r>
                       <a:r>
-                        <a:rPr lang="en-US" sz="1600" baseline="0" dirty="0" smtClean="0">
+                        <a:rPr lang="en-US" sz="1600" baseline="0" dirty="0">
                           <a:sym typeface="Wingdings" panose="05000000000000000000" pitchFamily="2" charset="2"/>
                         </a:rPr>
                         <a:t> impact of quality on default possibility</a:t>
                       </a:r>
-                      <a:endParaRPr lang="en-US" sz="1600" dirty="0" smtClean="0"/>
+                      <a:endParaRPr lang="en-US" sz="1600" dirty="0"/>
                     </a:p>
                   </a:txBody>
                   <a:tcPr/>
                 </a:tc>
+                <a:extLst>
+                  <a:ext uri="{0D108BD9-81ED-4DB2-BD59-A6C34878D82A}">
+                    <a16:rowId xmlns:a16="http://schemas.microsoft.com/office/drawing/2014/main" val="10003"/>
+                  </a:ext>
+                </a:extLst>
               </a:tr>
             </a:tbl>
           </a:graphicData>
@@ -24373,13 +23780,6 @@
       </p:transition>
     </mc:Fallback>
   </mc:AlternateContent>
-  <p:timing>
-    <p:tnLst>
-      <p:par>
-        <p:cTn id="1" dur="indefinite" restart="never" nodeType="tmRoot"/>
-      </p:par>
-    </p:tnLst>
-  </p:timing>
 </p:sld>
 </file>
 
@@ -24416,10 +23816,9 @@
           <a:lstStyle/>
           <a:p>
             <a:r>
-              <a:rPr lang="en-US" dirty="0" smtClean="0"/>
+              <a:rPr lang="en-US" dirty="0"/>
               <a:t>Chapter 1</a:t>
             </a:r>
-            <a:endParaRPr lang="en-US" dirty="0"/>
           </a:p>
         </p:txBody>
       </p:sp>
